--- a/docs/HARRISONMARCKS14024424 - Six Sigma.pptx
+++ b/docs/HARRISONMARCKS14024424 - Six Sigma.pptx
@@ -5,7 +5,7 @@
     <p:sldMasterId id="2147483684" r:id="rId1"/>
   </p:sldMasterIdLst>
   <p:notesMasterIdLst>
-    <p:notesMasterId r:id="rId8"/>
+    <p:notesMasterId r:id="rId15"/>
   </p:notesMasterIdLst>
   <p:sldIdLst>
     <p:sldId id="256" r:id="rId2"/>
@@ -13,7 +13,14 @@
     <p:sldId id="258" r:id="rId4"/>
     <p:sldId id="259" r:id="rId5"/>
     <p:sldId id="260" r:id="rId6"/>
-    <p:sldId id="261" r:id="rId7"/>
+    <p:sldId id="268" r:id="rId7"/>
+    <p:sldId id="261" r:id="rId8"/>
+    <p:sldId id="262" r:id="rId9"/>
+    <p:sldId id="263" r:id="rId10"/>
+    <p:sldId id="265" r:id="rId11"/>
+    <p:sldId id="267" r:id="rId12"/>
+    <p:sldId id="264" r:id="rId13"/>
+    <p:sldId id="266" r:id="rId14"/>
   </p:sldIdLst>
   <p:sldSz cx="12192000" cy="6858000"/>
   <p:notesSz cx="6858000" cy="9144000"/>
@@ -543,6 +550,126 @@
     <p:extLst>
       <p:ext uri="{BB962C8B-B14F-4D97-AF65-F5344CB8AC3E}">
         <p14:creationId xmlns:p14="http://schemas.microsoft.com/office/powerpoint/2010/main" val="2220454710"/>
+      </p:ext>
+    </p:extLst>
+  </p:cSld>
+  <p:clrMapOvr>
+    <a:masterClrMapping/>
+  </p:clrMapOvr>
+</p:notes>
+</file>
+
+<file path=ppt/notesSlides/notesSlide2.xml><?xml version="1.0" encoding="utf-8"?>
+<p:notes xmlns:a="http://schemas.openxmlformats.org/drawingml/2006/main" xmlns:r="http://schemas.openxmlformats.org/officeDocument/2006/relationships" xmlns:p="http://schemas.openxmlformats.org/presentationml/2006/main">
+  <p:cSld>
+    <p:spTree>
+      <p:nvGrpSpPr>
+        <p:cNvPr id="1" name=""/>
+        <p:cNvGrpSpPr/>
+        <p:nvPr/>
+      </p:nvGrpSpPr>
+      <p:grpSpPr>
+        <a:xfrm>
+          <a:off x="0" y="0"/>
+          <a:ext cx="0" cy="0"/>
+          <a:chOff x="0" y="0"/>
+          <a:chExt cx="0" cy="0"/>
+        </a:xfrm>
+      </p:grpSpPr>
+      <p:sp>
+        <p:nvSpPr>
+          <p:cNvPr id="2" name="Slide Image Placeholder 1"/>
+          <p:cNvSpPr>
+            <a:spLocks noGrp="1" noRot="1" noChangeAspect="1"/>
+          </p:cNvSpPr>
+          <p:nvPr>
+            <p:ph type="sldImg"/>
+          </p:nvPr>
+        </p:nvSpPr>
+        <p:spPr/>
+      </p:sp>
+      <p:sp>
+        <p:nvSpPr>
+          <p:cNvPr id="3" name="Notes Placeholder 2"/>
+          <p:cNvSpPr>
+            <a:spLocks noGrp="1"/>
+          </p:cNvSpPr>
+          <p:nvPr>
+            <p:ph type="body" idx="1"/>
+          </p:nvPr>
+        </p:nvSpPr>
+        <p:spPr/>
+        <p:txBody>
+          <a:bodyPr/>
+          <a:lstStyle/>
+          <a:p>
+            <a:r>
+              <a:rPr lang="en-GB" sz="1200" b="0" i="0" kern="1200" dirty="0">
+                <a:solidFill>
+                  <a:schemeClr val="tx1"/>
+                </a:solidFill>
+                <a:effectLst/>
+                <a:latin typeface="+mn-lt"/>
+                <a:ea typeface="+mn-ea"/>
+                <a:cs typeface="+mn-cs"/>
+              </a:rPr>
+              <a:t>an inexpensive measure that carries a risk of a slightly higher defect rate may be rejected in </a:t>
+            </a:r>
+            <a:r>
+              <a:rPr lang="en-GB" sz="1200" b="0" i="0" kern="1200" dirty="0" err="1">
+                <a:solidFill>
+                  <a:schemeClr val="tx1"/>
+                </a:solidFill>
+                <a:effectLst/>
+                <a:latin typeface="+mn-lt"/>
+                <a:ea typeface="+mn-ea"/>
+                <a:cs typeface="+mn-cs"/>
+              </a:rPr>
+              <a:t>favor</a:t>
+            </a:r>
+            <a:r>
+              <a:rPr lang="en-GB" sz="1200" b="0" i="0" kern="1200" dirty="0">
+                <a:solidFill>
+                  <a:schemeClr val="tx1"/>
+                </a:solidFill>
+                <a:effectLst/>
+                <a:latin typeface="+mn-lt"/>
+                <a:ea typeface="+mn-ea"/>
+                <a:cs typeface="+mn-cs"/>
+              </a:rPr>
+              <a:t> of a more expensive measure that helps to achieve Six Sigma, but adversely affects profitability.</a:t>
+            </a:r>
+            <a:endParaRPr lang="en-GB" dirty="0"/>
+          </a:p>
+        </p:txBody>
+      </p:sp>
+      <p:sp>
+        <p:nvSpPr>
+          <p:cNvPr id="4" name="Slide Number Placeholder 3"/>
+          <p:cNvSpPr>
+            <a:spLocks noGrp="1"/>
+          </p:cNvSpPr>
+          <p:nvPr>
+            <p:ph type="sldNum" sz="quarter" idx="5"/>
+          </p:nvPr>
+        </p:nvSpPr>
+        <p:spPr/>
+        <p:txBody>
+          <a:bodyPr/>
+          <a:lstStyle/>
+          <a:p>
+            <a:fld id="{978763BC-70F9-4DC5-A0B6-D9CB33184E00}" type="slidenum">
+              <a:rPr lang="en-GB" smtClean="0"/>
+              <a:t>8</a:t>
+            </a:fld>
+            <a:endParaRPr lang="en-GB"/>
+          </a:p>
+        </p:txBody>
+      </p:sp>
+    </p:spTree>
+    <p:extLst>
+      <p:ext uri="{BB962C8B-B14F-4D97-AF65-F5344CB8AC3E}">
+        <p14:creationId xmlns:p14="http://schemas.microsoft.com/office/powerpoint/2010/main" val="952433792"/>
       </p:ext>
     </p:extLst>
   </p:cSld>
@@ -8494,7 +8621,7 @@
         </p:nvGrpSpPr>
         <p:grpSpPr>
           <a:xfrm>
-            <a:off x="4933963" y="1231894"/>
+            <a:off x="5049707" y="1187886"/>
             <a:ext cx="1367363" cy="3678718"/>
             <a:chOff x="4868334" y="754997"/>
             <a:chExt cx="1367363" cy="3678718"/>
@@ -8530,11 +8657,17 @@
             <a:p>
               <a:r>
                 <a:rPr lang="el-GR" sz="10000" b="1" dirty="0">
+                  <a:solidFill>
+                    <a:srgbClr val="2A1A00"/>
+                  </a:solidFill>
                   <a:latin typeface="Impact" panose="020B0806030902050204" pitchFamily="34" charset="0"/>
                 </a:rPr>
                 <a:t>σ</a:t>
               </a:r>
               <a:endParaRPr lang="en-GB" sz="10000" dirty="0">
+                <a:solidFill>
+                  <a:srgbClr val="2A1A00"/>
+                </a:solidFill>
                 <a:latin typeface="Impact" panose="020B0806030902050204" pitchFamily="34" charset="0"/>
               </a:endParaRPr>
             </a:p>
@@ -8570,11 +8703,17 @@
             <a:p>
               <a:r>
                 <a:rPr lang="el-GR" sz="10000" b="1" dirty="0">
+                  <a:solidFill>
+                    <a:srgbClr val="2A1A00"/>
+                  </a:solidFill>
                   <a:latin typeface="Impact" panose="020B0806030902050204" pitchFamily="34" charset="0"/>
                 </a:rPr>
                 <a:t>σ</a:t>
               </a:r>
               <a:endParaRPr lang="en-GB" sz="10000" dirty="0">
+                <a:solidFill>
+                  <a:srgbClr val="2A1A00"/>
+                </a:solidFill>
                 <a:latin typeface="Impact" panose="020B0806030902050204" pitchFamily="34" charset="0"/>
               </a:endParaRPr>
             </a:p>
@@ -8610,11 +8749,17 @@
             <a:p>
               <a:r>
                 <a:rPr lang="el-GR" sz="10000" b="1" dirty="0">
+                  <a:solidFill>
+                    <a:srgbClr val="2A1A00"/>
+                  </a:solidFill>
                   <a:latin typeface="Impact" panose="020B0806030902050204" pitchFamily="34" charset="0"/>
                 </a:rPr>
                 <a:t>σ</a:t>
               </a:r>
               <a:endParaRPr lang="en-GB" sz="10000" dirty="0">
+                <a:solidFill>
+                  <a:srgbClr val="2A1A00"/>
+                </a:solidFill>
                 <a:latin typeface="Impact" panose="020B0806030902050204" pitchFamily="34" charset="0"/>
               </a:endParaRPr>
             </a:p>
@@ -8650,11 +8795,17 @@
             <a:p>
               <a:r>
                 <a:rPr lang="el-GR" sz="10000" b="1" dirty="0">
+                  <a:solidFill>
+                    <a:srgbClr val="2A1A00"/>
+                  </a:solidFill>
                   <a:latin typeface="Impact" panose="020B0806030902050204" pitchFamily="34" charset="0"/>
                 </a:rPr>
                 <a:t>σ</a:t>
               </a:r>
               <a:endParaRPr lang="en-GB" sz="10000" dirty="0">
+                <a:solidFill>
+                  <a:srgbClr val="2A1A00"/>
+                </a:solidFill>
                 <a:latin typeface="Impact" panose="020B0806030902050204" pitchFamily="34" charset="0"/>
               </a:endParaRPr>
             </a:p>
@@ -8690,11 +8841,17 @@
             <a:p>
               <a:r>
                 <a:rPr lang="el-GR" sz="10000" b="1" dirty="0">
+                  <a:solidFill>
+                    <a:srgbClr val="2A1A00"/>
+                  </a:solidFill>
                   <a:latin typeface="Impact" panose="020B0806030902050204" pitchFamily="34" charset="0"/>
                 </a:rPr>
                 <a:t>σ</a:t>
               </a:r>
               <a:endParaRPr lang="en-GB" sz="10000" dirty="0">
+                <a:solidFill>
+                  <a:srgbClr val="2A1A00"/>
+                </a:solidFill>
                 <a:latin typeface="Impact" panose="020B0806030902050204" pitchFamily="34" charset="0"/>
               </a:endParaRPr>
             </a:p>
@@ -8730,11 +8887,17 @@
             <a:p>
               <a:r>
                 <a:rPr lang="el-GR" sz="10000" b="1" dirty="0">
+                  <a:solidFill>
+                    <a:srgbClr val="2A1A00"/>
+                  </a:solidFill>
                   <a:latin typeface="Impact" panose="020B0806030902050204" pitchFamily="34" charset="0"/>
                 </a:rPr>
                 <a:t>σ</a:t>
               </a:r>
               <a:endParaRPr lang="en-GB" sz="10000" dirty="0">
+                <a:solidFill>
+                  <a:srgbClr val="2A1A00"/>
+                </a:solidFill>
                 <a:latin typeface="Impact" panose="020B0806030902050204" pitchFamily="34" charset="0"/>
               </a:endParaRPr>
             </a:p>
@@ -8745,6 +8908,6000 @@
     <p:extLst>
       <p:ext uri="{BB962C8B-B14F-4D97-AF65-F5344CB8AC3E}">
         <p14:creationId xmlns:p14="http://schemas.microsoft.com/office/powerpoint/2010/main" val="2795204834"/>
+      </p:ext>
+    </p:extLst>
+  </p:cSld>
+  <p:clrMapOvr>
+    <a:masterClrMapping/>
+  </p:clrMapOvr>
+</p:sld>
+</file>
+
+<file path=ppt/slides/slide10.xml><?xml version="1.0" encoding="utf-8"?>
+<p:sld xmlns:a="http://schemas.openxmlformats.org/drawingml/2006/main" xmlns:r="http://schemas.openxmlformats.org/officeDocument/2006/relationships" xmlns:p="http://schemas.openxmlformats.org/presentationml/2006/main">
+  <p:cSld>
+    <p:spTree>
+      <p:nvGrpSpPr>
+        <p:cNvPr id="1" name=""/>
+        <p:cNvGrpSpPr/>
+        <p:nvPr/>
+      </p:nvGrpSpPr>
+      <p:grpSpPr>
+        <a:xfrm>
+          <a:off x="0" y="0"/>
+          <a:ext cx="0" cy="0"/>
+          <a:chOff x="0" y="0"/>
+          <a:chExt cx="0" cy="0"/>
+        </a:xfrm>
+      </p:grpSpPr>
+      <p:sp>
+        <p:nvSpPr>
+          <p:cNvPr id="2" name="Title 1">
+            <a:extLst>
+              <a:ext uri="{FF2B5EF4-FFF2-40B4-BE49-F238E27FC236}">
+                <a16:creationId xmlns:a16="http://schemas.microsoft.com/office/drawing/2014/main" id="{66FCF53A-4102-42F9-8439-2F97AE69E81F}"/>
+              </a:ext>
+            </a:extLst>
+          </p:cNvPr>
+          <p:cNvSpPr>
+            <a:spLocks noGrp="1"/>
+          </p:cNvSpPr>
+          <p:nvPr>
+            <p:ph type="title"/>
+          </p:nvPr>
+        </p:nvSpPr>
+        <p:spPr/>
+        <p:txBody>
+          <a:bodyPr/>
+          <a:lstStyle/>
+          <a:p>
+            <a:r>
+              <a:rPr lang="en-GB" dirty="0"/>
+              <a:t>Questions?</a:t>
+            </a:r>
+          </a:p>
+        </p:txBody>
+      </p:sp>
+    </p:spTree>
+    <p:extLst>
+      <p:ext uri="{BB962C8B-B14F-4D97-AF65-F5344CB8AC3E}">
+        <p14:creationId xmlns:p14="http://schemas.microsoft.com/office/powerpoint/2010/main" val="1519075359"/>
+      </p:ext>
+    </p:extLst>
+  </p:cSld>
+  <p:clrMapOvr>
+    <a:masterClrMapping/>
+  </p:clrMapOvr>
+</p:sld>
+</file>
+
+<file path=ppt/slides/slide11.xml><?xml version="1.0" encoding="utf-8"?>
+<p:sld xmlns:a="http://schemas.openxmlformats.org/drawingml/2006/main" xmlns:r="http://schemas.openxmlformats.org/officeDocument/2006/relationships" xmlns:p="http://schemas.openxmlformats.org/presentationml/2006/main">
+  <p:cSld>
+    <p:spTree>
+      <p:nvGrpSpPr>
+        <p:cNvPr id="1" name=""/>
+        <p:cNvGrpSpPr/>
+        <p:nvPr/>
+      </p:nvGrpSpPr>
+      <p:grpSpPr>
+        <a:xfrm>
+          <a:off x="0" y="0"/>
+          <a:ext cx="0" cy="0"/>
+          <a:chOff x="0" y="0"/>
+          <a:chExt cx="0" cy="0"/>
+        </a:xfrm>
+      </p:grpSpPr>
+      <p:sp>
+        <p:nvSpPr>
+          <p:cNvPr id="2" name="Title 1">
+            <a:extLst>
+              <a:ext uri="{FF2B5EF4-FFF2-40B4-BE49-F238E27FC236}">
+                <a16:creationId xmlns:a16="http://schemas.microsoft.com/office/drawing/2014/main" id="{D056E76D-E481-4032-BBA9-11B89A63E35E}"/>
+              </a:ext>
+            </a:extLst>
+          </p:cNvPr>
+          <p:cNvSpPr>
+            <a:spLocks noGrp="1"/>
+          </p:cNvSpPr>
+          <p:nvPr>
+            <p:ph type="title"/>
+          </p:nvPr>
+        </p:nvSpPr>
+        <p:spPr/>
+        <p:txBody>
+          <a:bodyPr/>
+          <a:lstStyle/>
+          <a:p>
+            <a:r>
+              <a:rPr lang="en-GB" dirty="0"/>
+              <a:t>Is it applicable to developing safety critical systems?</a:t>
+            </a:r>
+          </a:p>
+        </p:txBody>
+      </p:sp>
+      <p:sp>
+        <p:nvSpPr>
+          <p:cNvPr id="3" name="Content Placeholder 2">
+            <a:extLst>
+              <a:ext uri="{FF2B5EF4-FFF2-40B4-BE49-F238E27FC236}">
+                <a16:creationId xmlns:a16="http://schemas.microsoft.com/office/drawing/2014/main" id="{B052D3EB-9B70-4A78-8C0D-D551DEE9CBDA}"/>
+              </a:ext>
+            </a:extLst>
+          </p:cNvPr>
+          <p:cNvSpPr>
+            <a:spLocks noGrp="1"/>
+          </p:cNvSpPr>
+          <p:nvPr>
+            <p:ph idx="1"/>
+          </p:nvPr>
+        </p:nvSpPr>
+        <p:spPr>
+          <a:xfrm>
+            <a:off x="1251678" y="2286001"/>
+            <a:ext cx="972776" cy="395653"/>
+          </a:xfrm>
+        </p:spPr>
+        <p:txBody>
+          <a:bodyPr>
+            <a:normAutofit fontScale="92500"/>
+          </a:bodyPr>
+          <a:lstStyle/>
+          <a:p>
+            <a:pPr marL="0" indent="0">
+              <a:buNone/>
+            </a:pPr>
+            <a:r>
+              <a:rPr lang="en-GB"/>
+              <a:t>Medical</a:t>
+            </a:r>
+            <a:endParaRPr lang="en-GB" dirty="0"/>
+          </a:p>
+        </p:txBody>
+      </p:sp>
+      <p:sp>
+        <p:nvSpPr>
+          <p:cNvPr id="4" name="Content Placeholder 2">
+            <a:extLst>
+              <a:ext uri="{FF2B5EF4-FFF2-40B4-BE49-F238E27FC236}">
+                <a16:creationId xmlns:a16="http://schemas.microsoft.com/office/drawing/2014/main" id="{A2EFCA5E-6338-4A4F-B4FC-14C346E412C4}"/>
+              </a:ext>
+            </a:extLst>
+          </p:cNvPr>
+          <p:cNvSpPr txBox="1">
+            <a:spLocks/>
+          </p:cNvSpPr>
+          <p:nvPr/>
+        </p:nvSpPr>
+        <p:spPr>
+          <a:xfrm>
+            <a:off x="3171331" y="3326425"/>
+            <a:ext cx="1268783" cy="392722"/>
+          </a:xfrm>
+          <a:prstGeom prst="rect">
+            <a:avLst/>
+          </a:prstGeom>
+        </p:spPr>
+        <p:txBody>
+          <a:bodyPr vert="horz" lIns="91440" tIns="45720" rIns="91440" bIns="45720" rtlCol="0">
+            <a:normAutofit fontScale="92500"/>
+          </a:bodyPr>
+          <a:lstStyle>
+            <a:lvl1pPr marL="228600" indent="-228600" algn="l" defTabSz="914400" rtl="0" eaLnBrk="1" latinLnBrk="0" hangingPunct="1">
+              <a:lnSpc>
+                <a:spcPct val="110000"/>
+              </a:lnSpc>
+              <a:spcBef>
+                <a:spcPts val="700"/>
+              </a:spcBef>
+              <a:buClr>
+                <a:schemeClr val="tx2"/>
+              </a:buClr>
+              <a:buFont typeface="Arial" panose="020B0604020202020204" pitchFamily="34" charset="0"/>
+              <a:buChar char="•"/>
+              <a:defRPr sz="2000" kern="1200">
+                <a:solidFill>
+                  <a:schemeClr val="tx1">
+                    <a:lumMod val="65000"/>
+                    <a:lumOff val="35000"/>
+                  </a:schemeClr>
+                </a:solidFill>
+                <a:latin typeface="+mn-lt"/>
+                <a:ea typeface="+mn-ea"/>
+                <a:cs typeface="+mn-cs"/>
+              </a:defRPr>
+            </a:lvl1pPr>
+            <a:lvl2pPr marL="685800" indent="-228600" algn="l" defTabSz="914400" rtl="0" eaLnBrk="1" latinLnBrk="0" hangingPunct="1">
+              <a:lnSpc>
+                <a:spcPct val="110000"/>
+              </a:lnSpc>
+              <a:spcBef>
+                <a:spcPts val="700"/>
+              </a:spcBef>
+              <a:buClr>
+                <a:schemeClr val="tx2"/>
+              </a:buClr>
+              <a:buFont typeface="Gill Sans MT" panose="020B0502020104020203" pitchFamily="34" charset="0"/>
+              <a:buChar char="–"/>
+              <a:defRPr sz="1800" kern="1200">
+                <a:solidFill>
+                  <a:schemeClr val="tx1">
+                    <a:lumMod val="65000"/>
+                    <a:lumOff val="35000"/>
+                  </a:schemeClr>
+                </a:solidFill>
+                <a:latin typeface="+mn-lt"/>
+                <a:ea typeface="+mn-ea"/>
+                <a:cs typeface="+mn-cs"/>
+              </a:defRPr>
+            </a:lvl2pPr>
+            <a:lvl3pPr marL="1143000" indent="-228600" algn="l" defTabSz="914400" rtl="0" eaLnBrk="1" latinLnBrk="0" hangingPunct="1">
+              <a:lnSpc>
+                <a:spcPct val="110000"/>
+              </a:lnSpc>
+              <a:spcBef>
+                <a:spcPts val="700"/>
+              </a:spcBef>
+              <a:buClr>
+                <a:schemeClr val="tx2"/>
+              </a:buClr>
+              <a:buFont typeface="Arial" panose="020B0604020202020204" pitchFamily="34" charset="0"/>
+              <a:buChar char="•"/>
+              <a:defRPr sz="1600" kern="1200">
+                <a:solidFill>
+                  <a:schemeClr val="tx1">
+                    <a:lumMod val="65000"/>
+                    <a:lumOff val="35000"/>
+                  </a:schemeClr>
+                </a:solidFill>
+                <a:latin typeface="+mn-lt"/>
+                <a:ea typeface="+mn-ea"/>
+                <a:cs typeface="+mn-cs"/>
+              </a:defRPr>
+            </a:lvl3pPr>
+            <a:lvl4pPr marL="1600200" indent="-228600" algn="l" defTabSz="914400" rtl="0" eaLnBrk="1" latinLnBrk="0" hangingPunct="1">
+              <a:lnSpc>
+                <a:spcPct val="110000"/>
+              </a:lnSpc>
+              <a:spcBef>
+                <a:spcPts val="700"/>
+              </a:spcBef>
+              <a:buClr>
+                <a:schemeClr val="tx2"/>
+              </a:buClr>
+              <a:buFont typeface="Gill Sans MT" panose="020B0502020104020203" pitchFamily="34" charset="0"/>
+              <a:buChar char="–"/>
+              <a:defRPr sz="1400" kern="1200">
+                <a:solidFill>
+                  <a:schemeClr val="tx1">
+                    <a:lumMod val="65000"/>
+                    <a:lumOff val="35000"/>
+                  </a:schemeClr>
+                </a:solidFill>
+                <a:latin typeface="+mn-lt"/>
+                <a:ea typeface="+mn-ea"/>
+                <a:cs typeface="+mn-cs"/>
+              </a:defRPr>
+            </a:lvl4pPr>
+            <a:lvl5pPr marL="2057400" indent="-228600" algn="l" defTabSz="914400" rtl="0" eaLnBrk="1" latinLnBrk="0" hangingPunct="1">
+              <a:lnSpc>
+                <a:spcPct val="110000"/>
+              </a:lnSpc>
+              <a:spcBef>
+                <a:spcPts val="700"/>
+              </a:spcBef>
+              <a:buClr>
+                <a:schemeClr val="tx2"/>
+              </a:buClr>
+              <a:buFont typeface="Arial" panose="020B0604020202020204" pitchFamily="34" charset="0"/>
+              <a:buChar char="•"/>
+              <a:defRPr sz="1400" kern="1200">
+                <a:solidFill>
+                  <a:schemeClr val="tx1">
+                    <a:lumMod val="65000"/>
+                    <a:lumOff val="35000"/>
+                  </a:schemeClr>
+                </a:solidFill>
+                <a:latin typeface="+mn-lt"/>
+                <a:ea typeface="+mn-ea"/>
+                <a:cs typeface="+mn-cs"/>
+              </a:defRPr>
+            </a:lvl5pPr>
+            <a:lvl6pPr marL="2514600" indent="-228600" algn="l" defTabSz="914400" rtl="0" eaLnBrk="1" latinLnBrk="0" hangingPunct="1">
+              <a:lnSpc>
+                <a:spcPct val="110000"/>
+              </a:lnSpc>
+              <a:spcBef>
+                <a:spcPts val="700"/>
+              </a:spcBef>
+              <a:buClr>
+                <a:schemeClr val="tx2"/>
+              </a:buClr>
+              <a:buFont typeface="Gill Sans MT" panose="020B0502020104020203" pitchFamily="34" charset="0"/>
+              <a:buChar char="–"/>
+              <a:defRPr sz="1400" kern="1200">
+                <a:solidFill>
+                  <a:schemeClr val="tx1">
+                    <a:lumMod val="65000"/>
+                    <a:lumOff val="35000"/>
+                  </a:schemeClr>
+                </a:solidFill>
+                <a:latin typeface="+mn-lt"/>
+                <a:ea typeface="+mn-ea"/>
+                <a:cs typeface="+mn-cs"/>
+              </a:defRPr>
+            </a:lvl6pPr>
+            <a:lvl7pPr marL="2971800" indent="-228600" algn="l" defTabSz="914400" rtl="0" eaLnBrk="1" latinLnBrk="0" hangingPunct="1">
+              <a:lnSpc>
+                <a:spcPct val="110000"/>
+              </a:lnSpc>
+              <a:spcBef>
+                <a:spcPts val="700"/>
+              </a:spcBef>
+              <a:buClr>
+                <a:schemeClr val="tx2"/>
+              </a:buClr>
+              <a:buFont typeface="Arial" panose="020B0604020202020204" pitchFamily="34" charset="0"/>
+              <a:buChar char="•"/>
+              <a:defRPr sz="1400" kern="1200">
+                <a:solidFill>
+                  <a:schemeClr val="tx1">
+                    <a:lumMod val="65000"/>
+                    <a:lumOff val="35000"/>
+                  </a:schemeClr>
+                </a:solidFill>
+                <a:latin typeface="+mn-lt"/>
+                <a:ea typeface="+mn-ea"/>
+                <a:cs typeface="+mn-cs"/>
+              </a:defRPr>
+            </a:lvl7pPr>
+            <a:lvl8pPr marL="3429000" indent="-228600" algn="l" defTabSz="914400" rtl="0" eaLnBrk="1" latinLnBrk="0" hangingPunct="1">
+              <a:lnSpc>
+                <a:spcPct val="110000"/>
+              </a:lnSpc>
+              <a:spcBef>
+                <a:spcPts val="700"/>
+              </a:spcBef>
+              <a:buClr>
+                <a:schemeClr val="tx2"/>
+              </a:buClr>
+              <a:buFont typeface="Gill Sans MT" panose="020B0502020104020203" pitchFamily="34" charset="0"/>
+              <a:buChar char="–"/>
+              <a:defRPr sz="1400" kern="1200" baseline="0">
+                <a:solidFill>
+                  <a:schemeClr val="tx1">
+                    <a:lumMod val="65000"/>
+                    <a:lumOff val="35000"/>
+                  </a:schemeClr>
+                </a:solidFill>
+                <a:latin typeface="+mn-lt"/>
+                <a:ea typeface="+mn-ea"/>
+                <a:cs typeface="+mn-cs"/>
+              </a:defRPr>
+            </a:lvl8pPr>
+            <a:lvl9pPr marL="3886200" indent="-228600" algn="l" defTabSz="914400" rtl="0" eaLnBrk="1" latinLnBrk="0" hangingPunct="1">
+              <a:lnSpc>
+                <a:spcPct val="110000"/>
+              </a:lnSpc>
+              <a:spcBef>
+                <a:spcPts val="700"/>
+              </a:spcBef>
+              <a:buClr>
+                <a:schemeClr val="tx2"/>
+              </a:buClr>
+              <a:buFont typeface="Arial" panose="020B0604020202020204" pitchFamily="34" charset="0"/>
+              <a:buChar char="•"/>
+              <a:defRPr sz="1400" kern="1200" baseline="0">
+                <a:solidFill>
+                  <a:schemeClr val="tx1">
+                    <a:lumMod val="65000"/>
+                    <a:lumOff val="35000"/>
+                  </a:schemeClr>
+                </a:solidFill>
+                <a:latin typeface="+mn-lt"/>
+                <a:ea typeface="+mn-ea"/>
+                <a:cs typeface="+mn-cs"/>
+              </a:defRPr>
+            </a:lvl9pPr>
+          </a:lstStyle>
+          <a:p>
+            <a:pPr marL="0" indent="0">
+              <a:buFont typeface="Arial" panose="020B0604020202020204" pitchFamily="34" charset="0"/>
+              <a:buNone/>
+            </a:pPr>
+            <a:r>
+              <a:rPr lang="en-GB" dirty="0"/>
+              <a:t>Aerospace</a:t>
+            </a:r>
+          </a:p>
+        </p:txBody>
+      </p:sp>
+      <p:sp>
+        <p:nvSpPr>
+          <p:cNvPr id="5" name="Content Placeholder 2">
+            <a:extLst>
+              <a:ext uri="{FF2B5EF4-FFF2-40B4-BE49-F238E27FC236}">
+                <a16:creationId xmlns:a16="http://schemas.microsoft.com/office/drawing/2014/main" id="{7A451CEB-84C6-4C46-A39C-70640270FF53}"/>
+              </a:ext>
+            </a:extLst>
+          </p:cNvPr>
+          <p:cNvSpPr txBox="1">
+            <a:spLocks/>
+          </p:cNvSpPr>
+          <p:nvPr/>
+        </p:nvSpPr>
+        <p:spPr>
+          <a:xfrm>
+            <a:off x="5072056" y="2335825"/>
+            <a:ext cx="1268783" cy="392722"/>
+          </a:xfrm>
+          <a:prstGeom prst="rect">
+            <a:avLst/>
+          </a:prstGeom>
+        </p:spPr>
+        <p:txBody>
+          <a:bodyPr vert="horz" lIns="91440" tIns="45720" rIns="91440" bIns="45720" rtlCol="0">
+            <a:normAutofit fontScale="85000" lnSpcReduction="10000"/>
+          </a:bodyPr>
+          <a:lstStyle>
+            <a:lvl1pPr marL="228600" indent="-228600" algn="l" defTabSz="914400" rtl="0" eaLnBrk="1" latinLnBrk="0" hangingPunct="1">
+              <a:lnSpc>
+                <a:spcPct val="110000"/>
+              </a:lnSpc>
+              <a:spcBef>
+                <a:spcPts val="700"/>
+              </a:spcBef>
+              <a:buClr>
+                <a:schemeClr val="tx2"/>
+              </a:buClr>
+              <a:buFont typeface="Arial" panose="020B0604020202020204" pitchFamily="34" charset="0"/>
+              <a:buChar char="•"/>
+              <a:defRPr sz="2000" kern="1200">
+                <a:solidFill>
+                  <a:schemeClr val="tx1">
+                    <a:lumMod val="65000"/>
+                    <a:lumOff val="35000"/>
+                  </a:schemeClr>
+                </a:solidFill>
+                <a:latin typeface="+mn-lt"/>
+                <a:ea typeface="+mn-ea"/>
+                <a:cs typeface="+mn-cs"/>
+              </a:defRPr>
+            </a:lvl1pPr>
+            <a:lvl2pPr marL="685800" indent="-228600" algn="l" defTabSz="914400" rtl="0" eaLnBrk="1" latinLnBrk="0" hangingPunct="1">
+              <a:lnSpc>
+                <a:spcPct val="110000"/>
+              </a:lnSpc>
+              <a:spcBef>
+                <a:spcPts val="700"/>
+              </a:spcBef>
+              <a:buClr>
+                <a:schemeClr val="tx2"/>
+              </a:buClr>
+              <a:buFont typeface="Gill Sans MT" panose="020B0502020104020203" pitchFamily="34" charset="0"/>
+              <a:buChar char="–"/>
+              <a:defRPr sz="1800" kern="1200">
+                <a:solidFill>
+                  <a:schemeClr val="tx1">
+                    <a:lumMod val="65000"/>
+                    <a:lumOff val="35000"/>
+                  </a:schemeClr>
+                </a:solidFill>
+                <a:latin typeface="+mn-lt"/>
+                <a:ea typeface="+mn-ea"/>
+                <a:cs typeface="+mn-cs"/>
+              </a:defRPr>
+            </a:lvl2pPr>
+            <a:lvl3pPr marL="1143000" indent="-228600" algn="l" defTabSz="914400" rtl="0" eaLnBrk="1" latinLnBrk="0" hangingPunct="1">
+              <a:lnSpc>
+                <a:spcPct val="110000"/>
+              </a:lnSpc>
+              <a:spcBef>
+                <a:spcPts val="700"/>
+              </a:spcBef>
+              <a:buClr>
+                <a:schemeClr val="tx2"/>
+              </a:buClr>
+              <a:buFont typeface="Arial" panose="020B0604020202020204" pitchFamily="34" charset="0"/>
+              <a:buChar char="•"/>
+              <a:defRPr sz="1600" kern="1200">
+                <a:solidFill>
+                  <a:schemeClr val="tx1">
+                    <a:lumMod val="65000"/>
+                    <a:lumOff val="35000"/>
+                  </a:schemeClr>
+                </a:solidFill>
+                <a:latin typeface="+mn-lt"/>
+                <a:ea typeface="+mn-ea"/>
+                <a:cs typeface="+mn-cs"/>
+              </a:defRPr>
+            </a:lvl3pPr>
+            <a:lvl4pPr marL="1600200" indent="-228600" algn="l" defTabSz="914400" rtl="0" eaLnBrk="1" latinLnBrk="0" hangingPunct="1">
+              <a:lnSpc>
+                <a:spcPct val="110000"/>
+              </a:lnSpc>
+              <a:spcBef>
+                <a:spcPts val="700"/>
+              </a:spcBef>
+              <a:buClr>
+                <a:schemeClr val="tx2"/>
+              </a:buClr>
+              <a:buFont typeface="Gill Sans MT" panose="020B0502020104020203" pitchFamily="34" charset="0"/>
+              <a:buChar char="–"/>
+              <a:defRPr sz="1400" kern="1200">
+                <a:solidFill>
+                  <a:schemeClr val="tx1">
+                    <a:lumMod val="65000"/>
+                    <a:lumOff val="35000"/>
+                  </a:schemeClr>
+                </a:solidFill>
+                <a:latin typeface="+mn-lt"/>
+                <a:ea typeface="+mn-ea"/>
+                <a:cs typeface="+mn-cs"/>
+              </a:defRPr>
+            </a:lvl4pPr>
+            <a:lvl5pPr marL="2057400" indent="-228600" algn="l" defTabSz="914400" rtl="0" eaLnBrk="1" latinLnBrk="0" hangingPunct="1">
+              <a:lnSpc>
+                <a:spcPct val="110000"/>
+              </a:lnSpc>
+              <a:spcBef>
+                <a:spcPts val="700"/>
+              </a:spcBef>
+              <a:buClr>
+                <a:schemeClr val="tx2"/>
+              </a:buClr>
+              <a:buFont typeface="Arial" panose="020B0604020202020204" pitchFamily="34" charset="0"/>
+              <a:buChar char="•"/>
+              <a:defRPr sz="1400" kern="1200">
+                <a:solidFill>
+                  <a:schemeClr val="tx1">
+                    <a:lumMod val="65000"/>
+                    <a:lumOff val="35000"/>
+                  </a:schemeClr>
+                </a:solidFill>
+                <a:latin typeface="+mn-lt"/>
+                <a:ea typeface="+mn-ea"/>
+                <a:cs typeface="+mn-cs"/>
+              </a:defRPr>
+            </a:lvl5pPr>
+            <a:lvl6pPr marL="2514600" indent="-228600" algn="l" defTabSz="914400" rtl="0" eaLnBrk="1" latinLnBrk="0" hangingPunct="1">
+              <a:lnSpc>
+                <a:spcPct val="110000"/>
+              </a:lnSpc>
+              <a:spcBef>
+                <a:spcPts val="700"/>
+              </a:spcBef>
+              <a:buClr>
+                <a:schemeClr val="tx2"/>
+              </a:buClr>
+              <a:buFont typeface="Gill Sans MT" panose="020B0502020104020203" pitchFamily="34" charset="0"/>
+              <a:buChar char="–"/>
+              <a:defRPr sz="1400" kern="1200">
+                <a:solidFill>
+                  <a:schemeClr val="tx1">
+                    <a:lumMod val="65000"/>
+                    <a:lumOff val="35000"/>
+                  </a:schemeClr>
+                </a:solidFill>
+                <a:latin typeface="+mn-lt"/>
+                <a:ea typeface="+mn-ea"/>
+                <a:cs typeface="+mn-cs"/>
+              </a:defRPr>
+            </a:lvl6pPr>
+            <a:lvl7pPr marL="2971800" indent="-228600" algn="l" defTabSz="914400" rtl="0" eaLnBrk="1" latinLnBrk="0" hangingPunct="1">
+              <a:lnSpc>
+                <a:spcPct val="110000"/>
+              </a:lnSpc>
+              <a:spcBef>
+                <a:spcPts val="700"/>
+              </a:spcBef>
+              <a:buClr>
+                <a:schemeClr val="tx2"/>
+              </a:buClr>
+              <a:buFont typeface="Arial" panose="020B0604020202020204" pitchFamily="34" charset="0"/>
+              <a:buChar char="•"/>
+              <a:defRPr sz="1400" kern="1200">
+                <a:solidFill>
+                  <a:schemeClr val="tx1">
+                    <a:lumMod val="65000"/>
+                    <a:lumOff val="35000"/>
+                  </a:schemeClr>
+                </a:solidFill>
+                <a:latin typeface="+mn-lt"/>
+                <a:ea typeface="+mn-ea"/>
+                <a:cs typeface="+mn-cs"/>
+              </a:defRPr>
+            </a:lvl7pPr>
+            <a:lvl8pPr marL="3429000" indent="-228600" algn="l" defTabSz="914400" rtl="0" eaLnBrk="1" latinLnBrk="0" hangingPunct="1">
+              <a:lnSpc>
+                <a:spcPct val="110000"/>
+              </a:lnSpc>
+              <a:spcBef>
+                <a:spcPts val="700"/>
+              </a:spcBef>
+              <a:buClr>
+                <a:schemeClr val="tx2"/>
+              </a:buClr>
+              <a:buFont typeface="Gill Sans MT" panose="020B0502020104020203" pitchFamily="34" charset="0"/>
+              <a:buChar char="–"/>
+              <a:defRPr sz="1400" kern="1200" baseline="0">
+                <a:solidFill>
+                  <a:schemeClr val="tx1">
+                    <a:lumMod val="65000"/>
+                    <a:lumOff val="35000"/>
+                  </a:schemeClr>
+                </a:solidFill>
+                <a:latin typeface="+mn-lt"/>
+                <a:ea typeface="+mn-ea"/>
+                <a:cs typeface="+mn-cs"/>
+              </a:defRPr>
+            </a:lvl8pPr>
+            <a:lvl9pPr marL="3886200" indent="-228600" algn="l" defTabSz="914400" rtl="0" eaLnBrk="1" latinLnBrk="0" hangingPunct="1">
+              <a:lnSpc>
+                <a:spcPct val="110000"/>
+              </a:lnSpc>
+              <a:spcBef>
+                <a:spcPts val="700"/>
+              </a:spcBef>
+              <a:buClr>
+                <a:schemeClr val="tx2"/>
+              </a:buClr>
+              <a:buFont typeface="Arial" panose="020B0604020202020204" pitchFamily="34" charset="0"/>
+              <a:buChar char="•"/>
+              <a:defRPr sz="1400" kern="1200" baseline="0">
+                <a:solidFill>
+                  <a:schemeClr val="tx1">
+                    <a:lumMod val="65000"/>
+                    <a:lumOff val="35000"/>
+                  </a:schemeClr>
+                </a:solidFill>
+                <a:latin typeface="+mn-lt"/>
+                <a:ea typeface="+mn-ea"/>
+                <a:cs typeface="+mn-cs"/>
+              </a:defRPr>
+            </a:lvl9pPr>
+          </a:lstStyle>
+          <a:p>
+            <a:pPr marL="0" indent="0">
+              <a:buFont typeface="Arial" panose="020B0604020202020204" pitchFamily="34" charset="0"/>
+              <a:buNone/>
+            </a:pPr>
+            <a:r>
+              <a:rPr lang="en-GB" dirty="0" err="1"/>
+              <a:t>Traineology</a:t>
+            </a:r>
+            <a:endParaRPr lang="en-GB" dirty="0"/>
+          </a:p>
+        </p:txBody>
+      </p:sp>
+      <p:sp>
+        <p:nvSpPr>
+          <p:cNvPr id="6" name="Content Placeholder 2">
+            <a:extLst>
+              <a:ext uri="{FF2B5EF4-FFF2-40B4-BE49-F238E27FC236}">
+                <a16:creationId xmlns:a16="http://schemas.microsoft.com/office/drawing/2014/main" id="{C6C906F5-88F7-4956-914A-5A02DA661988}"/>
+              </a:ext>
+            </a:extLst>
+          </p:cNvPr>
+          <p:cNvSpPr txBox="1">
+            <a:spLocks/>
+          </p:cNvSpPr>
+          <p:nvPr/>
+        </p:nvSpPr>
+        <p:spPr>
+          <a:xfrm>
+            <a:off x="7500078" y="4590762"/>
+            <a:ext cx="1268783" cy="392722"/>
+          </a:xfrm>
+          <a:prstGeom prst="rect">
+            <a:avLst/>
+          </a:prstGeom>
+        </p:spPr>
+        <p:txBody>
+          <a:bodyPr vert="horz" lIns="91440" tIns="45720" rIns="91440" bIns="45720" rtlCol="0">
+            <a:normAutofit fontScale="92500"/>
+          </a:bodyPr>
+          <a:lstStyle>
+            <a:lvl1pPr marL="228600" indent="-228600" algn="l" defTabSz="914400" rtl="0" eaLnBrk="1" latinLnBrk="0" hangingPunct="1">
+              <a:lnSpc>
+                <a:spcPct val="110000"/>
+              </a:lnSpc>
+              <a:spcBef>
+                <a:spcPts val="700"/>
+              </a:spcBef>
+              <a:buClr>
+                <a:schemeClr val="tx2"/>
+              </a:buClr>
+              <a:buFont typeface="Arial" panose="020B0604020202020204" pitchFamily="34" charset="0"/>
+              <a:buChar char="•"/>
+              <a:defRPr sz="2000" kern="1200">
+                <a:solidFill>
+                  <a:schemeClr val="tx1">
+                    <a:lumMod val="65000"/>
+                    <a:lumOff val="35000"/>
+                  </a:schemeClr>
+                </a:solidFill>
+                <a:latin typeface="+mn-lt"/>
+                <a:ea typeface="+mn-ea"/>
+                <a:cs typeface="+mn-cs"/>
+              </a:defRPr>
+            </a:lvl1pPr>
+            <a:lvl2pPr marL="685800" indent="-228600" algn="l" defTabSz="914400" rtl="0" eaLnBrk="1" latinLnBrk="0" hangingPunct="1">
+              <a:lnSpc>
+                <a:spcPct val="110000"/>
+              </a:lnSpc>
+              <a:spcBef>
+                <a:spcPts val="700"/>
+              </a:spcBef>
+              <a:buClr>
+                <a:schemeClr val="tx2"/>
+              </a:buClr>
+              <a:buFont typeface="Gill Sans MT" panose="020B0502020104020203" pitchFamily="34" charset="0"/>
+              <a:buChar char="–"/>
+              <a:defRPr sz="1800" kern="1200">
+                <a:solidFill>
+                  <a:schemeClr val="tx1">
+                    <a:lumMod val="65000"/>
+                    <a:lumOff val="35000"/>
+                  </a:schemeClr>
+                </a:solidFill>
+                <a:latin typeface="+mn-lt"/>
+                <a:ea typeface="+mn-ea"/>
+                <a:cs typeface="+mn-cs"/>
+              </a:defRPr>
+            </a:lvl2pPr>
+            <a:lvl3pPr marL="1143000" indent="-228600" algn="l" defTabSz="914400" rtl="0" eaLnBrk="1" latinLnBrk="0" hangingPunct="1">
+              <a:lnSpc>
+                <a:spcPct val="110000"/>
+              </a:lnSpc>
+              <a:spcBef>
+                <a:spcPts val="700"/>
+              </a:spcBef>
+              <a:buClr>
+                <a:schemeClr val="tx2"/>
+              </a:buClr>
+              <a:buFont typeface="Arial" panose="020B0604020202020204" pitchFamily="34" charset="0"/>
+              <a:buChar char="•"/>
+              <a:defRPr sz="1600" kern="1200">
+                <a:solidFill>
+                  <a:schemeClr val="tx1">
+                    <a:lumMod val="65000"/>
+                    <a:lumOff val="35000"/>
+                  </a:schemeClr>
+                </a:solidFill>
+                <a:latin typeface="+mn-lt"/>
+                <a:ea typeface="+mn-ea"/>
+                <a:cs typeface="+mn-cs"/>
+              </a:defRPr>
+            </a:lvl3pPr>
+            <a:lvl4pPr marL="1600200" indent="-228600" algn="l" defTabSz="914400" rtl="0" eaLnBrk="1" latinLnBrk="0" hangingPunct="1">
+              <a:lnSpc>
+                <a:spcPct val="110000"/>
+              </a:lnSpc>
+              <a:spcBef>
+                <a:spcPts val="700"/>
+              </a:spcBef>
+              <a:buClr>
+                <a:schemeClr val="tx2"/>
+              </a:buClr>
+              <a:buFont typeface="Gill Sans MT" panose="020B0502020104020203" pitchFamily="34" charset="0"/>
+              <a:buChar char="–"/>
+              <a:defRPr sz="1400" kern="1200">
+                <a:solidFill>
+                  <a:schemeClr val="tx1">
+                    <a:lumMod val="65000"/>
+                    <a:lumOff val="35000"/>
+                  </a:schemeClr>
+                </a:solidFill>
+                <a:latin typeface="+mn-lt"/>
+                <a:ea typeface="+mn-ea"/>
+                <a:cs typeface="+mn-cs"/>
+              </a:defRPr>
+            </a:lvl4pPr>
+            <a:lvl5pPr marL="2057400" indent="-228600" algn="l" defTabSz="914400" rtl="0" eaLnBrk="1" latinLnBrk="0" hangingPunct="1">
+              <a:lnSpc>
+                <a:spcPct val="110000"/>
+              </a:lnSpc>
+              <a:spcBef>
+                <a:spcPts val="700"/>
+              </a:spcBef>
+              <a:buClr>
+                <a:schemeClr val="tx2"/>
+              </a:buClr>
+              <a:buFont typeface="Arial" panose="020B0604020202020204" pitchFamily="34" charset="0"/>
+              <a:buChar char="•"/>
+              <a:defRPr sz="1400" kern="1200">
+                <a:solidFill>
+                  <a:schemeClr val="tx1">
+                    <a:lumMod val="65000"/>
+                    <a:lumOff val="35000"/>
+                  </a:schemeClr>
+                </a:solidFill>
+                <a:latin typeface="+mn-lt"/>
+                <a:ea typeface="+mn-ea"/>
+                <a:cs typeface="+mn-cs"/>
+              </a:defRPr>
+            </a:lvl5pPr>
+            <a:lvl6pPr marL="2514600" indent="-228600" algn="l" defTabSz="914400" rtl="0" eaLnBrk="1" latinLnBrk="0" hangingPunct="1">
+              <a:lnSpc>
+                <a:spcPct val="110000"/>
+              </a:lnSpc>
+              <a:spcBef>
+                <a:spcPts val="700"/>
+              </a:spcBef>
+              <a:buClr>
+                <a:schemeClr val="tx2"/>
+              </a:buClr>
+              <a:buFont typeface="Gill Sans MT" panose="020B0502020104020203" pitchFamily="34" charset="0"/>
+              <a:buChar char="–"/>
+              <a:defRPr sz="1400" kern="1200">
+                <a:solidFill>
+                  <a:schemeClr val="tx1">
+                    <a:lumMod val="65000"/>
+                    <a:lumOff val="35000"/>
+                  </a:schemeClr>
+                </a:solidFill>
+                <a:latin typeface="+mn-lt"/>
+                <a:ea typeface="+mn-ea"/>
+                <a:cs typeface="+mn-cs"/>
+              </a:defRPr>
+            </a:lvl6pPr>
+            <a:lvl7pPr marL="2971800" indent="-228600" algn="l" defTabSz="914400" rtl="0" eaLnBrk="1" latinLnBrk="0" hangingPunct="1">
+              <a:lnSpc>
+                <a:spcPct val="110000"/>
+              </a:lnSpc>
+              <a:spcBef>
+                <a:spcPts val="700"/>
+              </a:spcBef>
+              <a:buClr>
+                <a:schemeClr val="tx2"/>
+              </a:buClr>
+              <a:buFont typeface="Arial" panose="020B0604020202020204" pitchFamily="34" charset="0"/>
+              <a:buChar char="•"/>
+              <a:defRPr sz="1400" kern="1200">
+                <a:solidFill>
+                  <a:schemeClr val="tx1">
+                    <a:lumMod val="65000"/>
+                    <a:lumOff val="35000"/>
+                  </a:schemeClr>
+                </a:solidFill>
+                <a:latin typeface="+mn-lt"/>
+                <a:ea typeface="+mn-ea"/>
+                <a:cs typeface="+mn-cs"/>
+              </a:defRPr>
+            </a:lvl7pPr>
+            <a:lvl8pPr marL="3429000" indent="-228600" algn="l" defTabSz="914400" rtl="0" eaLnBrk="1" latinLnBrk="0" hangingPunct="1">
+              <a:lnSpc>
+                <a:spcPct val="110000"/>
+              </a:lnSpc>
+              <a:spcBef>
+                <a:spcPts val="700"/>
+              </a:spcBef>
+              <a:buClr>
+                <a:schemeClr val="tx2"/>
+              </a:buClr>
+              <a:buFont typeface="Gill Sans MT" panose="020B0502020104020203" pitchFamily="34" charset="0"/>
+              <a:buChar char="–"/>
+              <a:defRPr sz="1400" kern="1200" baseline="0">
+                <a:solidFill>
+                  <a:schemeClr val="tx1">
+                    <a:lumMod val="65000"/>
+                    <a:lumOff val="35000"/>
+                  </a:schemeClr>
+                </a:solidFill>
+                <a:latin typeface="+mn-lt"/>
+                <a:ea typeface="+mn-ea"/>
+                <a:cs typeface="+mn-cs"/>
+              </a:defRPr>
+            </a:lvl8pPr>
+            <a:lvl9pPr marL="3886200" indent="-228600" algn="l" defTabSz="914400" rtl="0" eaLnBrk="1" latinLnBrk="0" hangingPunct="1">
+              <a:lnSpc>
+                <a:spcPct val="110000"/>
+              </a:lnSpc>
+              <a:spcBef>
+                <a:spcPts val="700"/>
+              </a:spcBef>
+              <a:buClr>
+                <a:schemeClr val="tx2"/>
+              </a:buClr>
+              <a:buFont typeface="Arial" panose="020B0604020202020204" pitchFamily="34" charset="0"/>
+              <a:buChar char="•"/>
+              <a:defRPr sz="1400" kern="1200" baseline="0">
+                <a:solidFill>
+                  <a:schemeClr val="tx1">
+                    <a:lumMod val="65000"/>
+                    <a:lumOff val="35000"/>
+                  </a:schemeClr>
+                </a:solidFill>
+                <a:latin typeface="+mn-lt"/>
+                <a:ea typeface="+mn-ea"/>
+                <a:cs typeface="+mn-cs"/>
+              </a:defRPr>
+            </a:lvl9pPr>
+          </a:lstStyle>
+          <a:p>
+            <a:pPr marL="0" indent="0">
+              <a:buFont typeface="Arial" panose="020B0604020202020204" pitchFamily="34" charset="0"/>
+              <a:buNone/>
+            </a:pPr>
+            <a:r>
+              <a:rPr lang="en-GB" dirty="0"/>
+              <a:t>Food</a:t>
+            </a:r>
+          </a:p>
+        </p:txBody>
+      </p:sp>
+      <p:sp>
+        <p:nvSpPr>
+          <p:cNvPr id="7" name="Content Placeholder 2">
+            <a:extLst>
+              <a:ext uri="{FF2B5EF4-FFF2-40B4-BE49-F238E27FC236}">
+                <a16:creationId xmlns:a16="http://schemas.microsoft.com/office/drawing/2014/main" id="{74F512DD-677D-43DD-93CD-2077136DA13B}"/>
+              </a:ext>
+            </a:extLst>
+          </p:cNvPr>
+          <p:cNvSpPr txBox="1">
+            <a:spLocks/>
+          </p:cNvSpPr>
+          <p:nvPr/>
+        </p:nvSpPr>
+        <p:spPr>
+          <a:xfrm>
+            <a:off x="3803272" y="4974694"/>
+            <a:ext cx="1920519" cy="392722"/>
+          </a:xfrm>
+          <a:prstGeom prst="rect">
+            <a:avLst/>
+          </a:prstGeom>
+        </p:spPr>
+        <p:txBody>
+          <a:bodyPr vert="horz" lIns="91440" tIns="45720" rIns="91440" bIns="45720" rtlCol="0">
+            <a:normAutofit fontScale="92500"/>
+          </a:bodyPr>
+          <a:lstStyle>
+            <a:lvl1pPr marL="228600" indent="-228600" algn="l" defTabSz="914400" rtl="0" eaLnBrk="1" latinLnBrk="0" hangingPunct="1">
+              <a:lnSpc>
+                <a:spcPct val="110000"/>
+              </a:lnSpc>
+              <a:spcBef>
+                <a:spcPts val="700"/>
+              </a:spcBef>
+              <a:buClr>
+                <a:schemeClr val="tx2"/>
+              </a:buClr>
+              <a:buFont typeface="Arial" panose="020B0604020202020204" pitchFamily="34" charset="0"/>
+              <a:buChar char="•"/>
+              <a:defRPr sz="2000" kern="1200">
+                <a:solidFill>
+                  <a:schemeClr val="tx1">
+                    <a:lumMod val="65000"/>
+                    <a:lumOff val="35000"/>
+                  </a:schemeClr>
+                </a:solidFill>
+                <a:latin typeface="+mn-lt"/>
+                <a:ea typeface="+mn-ea"/>
+                <a:cs typeface="+mn-cs"/>
+              </a:defRPr>
+            </a:lvl1pPr>
+            <a:lvl2pPr marL="685800" indent="-228600" algn="l" defTabSz="914400" rtl="0" eaLnBrk="1" latinLnBrk="0" hangingPunct="1">
+              <a:lnSpc>
+                <a:spcPct val="110000"/>
+              </a:lnSpc>
+              <a:spcBef>
+                <a:spcPts val="700"/>
+              </a:spcBef>
+              <a:buClr>
+                <a:schemeClr val="tx2"/>
+              </a:buClr>
+              <a:buFont typeface="Gill Sans MT" panose="020B0502020104020203" pitchFamily="34" charset="0"/>
+              <a:buChar char="–"/>
+              <a:defRPr sz="1800" kern="1200">
+                <a:solidFill>
+                  <a:schemeClr val="tx1">
+                    <a:lumMod val="65000"/>
+                    <a:lumOff val="35000"/>
+                  </a:schemeClr>
+                </a:solidFill>
+                <a:latin typeface="+mn-lt"/>
+                <a:ea typeface="+mn-ea"/>
+                <a:cs typeface="+mn-cs"/>
+              </a:defRPr>
+            </a:lvl2pPr>
+            <a:lvl3pPr marL="1143000" indent="-228600" algn="l" defTabSz="914400" rtl="0" eaLnBrk="1" latinLnBrk="0" hangingPunct="1">
+              <a:lnSpc>
+                <a:spcPct val="110000"/>
+              </a:lnSpc>
+              <a:spcBef>
+                <a:spcPts val="700"/>
+              </a:spcBef>
+              <a:buClr>
+                <a:schemeClr val="tx2"/>
+              </a:buClr>
+              <a:buFont typeface="Arial" panose="020B0604020202020204" pitchFamily="34" charset="0"/>
+              <a:buChar char="•"/>
+              <a:defRPr sz="1600" kern="1200">
+                <a:solidFill>
+                  <a:schemeClr val="tx1">
+                    <a:lumMod val="65000"/>
+                    <a:lumOff val="35000"/>
+                  </a:schemeClr>
+                </a:solidFill>
+                <a:latin typeface="+mn-lt"/>
+                <a:ea typeface="+mn-ea"/>
+                <a:cs typeface="+mn-cs"/>
+              </a:defRPr>
+            </a:lvl3pPr>
+            <a:lvl4pPr marL="1600200" indent="-228600" algn="l" defTabSz="914400" rtl="0" eaLnBrk="1" latinLnBrk="0" hangingPunct="1">
+              <a:lnSpc>
+                <a:spcPct val="110000"/>
+              </a:lnSpc>
+              <a:spcBef>
+                <a:spcPts val="700"/>
+              </a:spcBef>
+              <a:buClr>
+                <a:schemeClr val="tx2"/>
+              </a:buClr>
+              <a:buFont typeface="Gill Sans MT" panose="020B0502020104020203" pitchFamily="34" charset="0"/>
+              <a:buChar char="–"/>
+              <a:defRPr sz="1400" kern="1200">
+                <a:solidFill>
+                  <a:schemeClr val="tx1">
+                    <a:lumMod val="65000"/>
+                    <a:lumOff val="35000"/>
+                  </a:schemeClr>
+                </a:solidFill>
+                <a:latin typeface="+mn-lt"/>
+                <a:ea typeface="+mn-ea"/>
+                <a:cs typeface="+mn-cs"/>
+              </a:defRPr>
+            </a:lvl4pPr>
+            <a:lvl5pPr marL="2057400" indent="-228600" algn="l" defTabSz="914400" rtl="0" eaLnBrk="1" latinLnBrk="0" hangingPunct="1">
+              <a:lnSpc>
+                <a:spcPct val="110000"/>
+              </a:lnSpc>
+              <a:spcBef>
+                <a:spcPts val="700"/>
+              </a:spcBef>
+              <a:buClr>
+                <a:schemeClr val="tx2"/>
+              </a:buClr>
+              <a:buFont typeface="Arial" panose="020B0604020202020204" pitchFamily="34" charset="0"/>
+              <a:buChar char="•"/>
+              <a:defRPr sz="1400" kern="1200">
+                <a:solidFill>
+                  <a:schemeClr val="tx1">
+                    <a:lumMod val="65000"/>
+                    <a:lumOff val="35000"/>
+                  </a:schemeClr>
+                </a:solidFill>
+                <a:latin typeface="+mn-lt"/>
+                <a:ea typeface="+mn-ea"/>
+                <a:cs typeface="+mn-cs"/>
+              </a:defRPr>
+            </a:lvl5pPr>
+            <a:lvl6pPr marL="2514600" indent="-228600" algn="l" defTabSz="914400" rtl="0" eaLnBrk="1" latinLnBrk="0" hangingPunct="1">
+              <a:lnSpc>
+                <a:spcPct val="110000"/>
+              </a:lnSpc>
+              <a:spcBef>
+                <a:spcPts val="700"/>
+              </a:spcBef>
+              <a:buClr>
+                <a:schemeClr val="tx2"/>
+              </a:buClr>
+              <a:buFont typeface="Gill Sans MT" panose="020B0502020104020203" pitchFamily="34" charset="0"/>
+              <a:buChar char="–"/>
+              <a:defRPr sz="1400" kern="1200">
+                <a:solidFill>
+                  <a:schemeClr val="tx1">
+                    <a:lumMod val="65000"/>
+                    <a:lumOff val="35000"/>
+                  </a:schemeClr>
+                </a:solidFill>
+                <a:latin typeface="+mn-lt"/>
+                <a:ea typeface="+mn-ea"/>
+                <a:cs typeface="+mn-cs"/>
+              </a:defRPr>
+            </a:lvl6pPr>
+            <a:lvl7pPr marL="2971800" indent="-228600" algn="l" defTabSz="914400" rtl="0" eaLnBrk="1" latinLnBrk="0" hangingPunct="1">
+              <a:lnSpc>
+                <a:spcPct val="110000"/>
+              </a:lnSpc>
+              <a:spcBef>
+                <a:spcPts val="700"/>
+              </a:spcBef>
+              <a:buClr>
+                <a:schemeClr val="tx2"/>
+              </a:buClr>
+              <a:buFont typeface="Arial" panose="020B0604020202020204" pitchFamily="34" charset="0"/>
+              <a:buChar char="•"/>
+              <a:defRPr sz="1400" kern="1200">
+                <a:solidFill>
+                  <a:schemeClr val="tx1">
+                    <a:lumMod val="65000"/>
+                    <a:lumOff val="35000"/>
+                  </a:schemeClr>
+                </a:solidFill>
+                <a:latin typeface="+mn-lt"/>
+                <a:ea typeface="+mn-ea"/>
+                <a:cs typeface="+mn-cs"/>
+              </a:defRPr>
+            </a:lvl7pPr>
+            <a:lvl8pPr marL="3429000" indent="-228600" algn="l" defTabSz="914400" rtl="0" eaLnBrk="1" latinLnBrk="0" hangingPunct="1">
+              <a:lnSpc>
+                <a:spcPct val="110000"/>
+              </a:lnSpc>
+              <a:spcBef>
+                <a:spcPts val="700"/>
+              </a:spcBef>
+              <a:buClr>
+                <a:schemeClr val="tx2"/>
+              </a:buClr>
+              <a:buFont typeface="Gill Sans MT" panose="020B0502020104020203" pitchFamily="34" charset="0"/>
+              <a:buChar char="–"/>
+              <a:defRPr sz="1400" kern="1200" baseline="0">
+                <a:solidFill>
+                  <a:schemeClr val="tx1">
+                    <a:lumMod val="65000"/>
+                    <a:lumOff val="35000"/>
+                  </a:schemeClr>
+                </a:solidFill>
+                <a:latin typeface="+mn-lt"/>
+                <a:ea typeface="+mn-ea"/>
+                <a:cs typeface="+mn-cs"/>
+              </a:defRPr>
+            </a:lvl8pPr>
+            <a:lvl9pPr marL="3886200" indent="-228600" algn="l" defTabSz="914400" rtl="0" eaLnBrk="1" latinLnBrk="0" hangingPunct="1">
+              <a:lnSpc>
+                <a:spcPct val="110000"/>
+              </a:lnSpc>
+              <a:spcBef>
+                <a:spcPts val="700"/>
+              </a:spcBef>
+              <a:buClr>
+                <a:schemeClr val="tx2"/>
+              </a:buClr>
+              <a:buFont typeface="Arial" panose="020B0604020202020204" pitchFamily="34" charset="0"/>
+              <a:buChar char="•"/>
+              <a:defRPr sz="1400" kern="1200" baseline="0">
+                <a:solidFill>
+                  <a:schemeClr val="tx1">
+                    <a:lumMod val="65000"/>
+                    <a:lumOff val="35000"/>
+                  </a:schemeClr>
+                </a:solidFill>
+                <a:latin typeface="+mn-lt"/>
+                <a:ea typeface="+mn-ea"/>
+                <a:cs typeface="+mn-cs"/>
+              </a:defRPr>
+            </a:lvl9pPr>
+          </a:lstStyle>
+          <a:p>
+            <a:pPr marL="0" indent="0">
+              <a:buFont typeface="Arial" panose="020B0604020202020204" pitchFamily="34" charset="0"/>
+              <a:buNone/>
+            </a:pPr>
+            <a:r>
+              <a:rPr lang="en-GB" dirty="0"/>
+              <a:t>Hair and Beauty</a:t>
+            </a:r>
+          </a:p>
+        </p:txBody>
+      </p:sp>
+      <p:sp>
+        <p:nvSpPr>
+          <p:cNvPr id="8" name="Content Placeholder 2">
+            <a:extLst>
+              <a:ext uri="{FF2B5EF4-FFF2-40B4-BE49-F238E27FC236}">
+                <a16:creationId xmlns:a16="http://schemas.microsoft.com/office/drawing/2014/main" id="{BB324946-CA4B-4232-9551-BE2F2A3231BC}"/>
+              </a:ext>
+            </a:extLst>
+          </p:cNvPr>
+          <p:cNvSpPr txBox="1">
+            <a:spLocks/>
+          </p:cNvSpPr>
+          <p:nvPr/>
+        </p:nvSpPr>
+        <p:spPr>
+          <a:xfrm>
+            <a:off x="9029939" y="2933703"/>
+            <a:ext cx="1268783" cy="392722"/>
+          </a:xfrm>
+          <a:prstGeom prst="rect">
+            <a:avLst/>
+          </a:prstGeom>
+        </p:spPr>
+        <p:txBody>
+          <a:bodyPr vert="horz" lIns="91440" tIns="45720" rIns="91440" bIns="45720" rtlCol="0">
+            <a:normAutofit fontScale="92500"/>
+          </a:bodyPr>
+          <a:lstStyle>
+            <a:lvl1pPr marL="228600" indent="-228600" algn="l" defTabSz="914400" rtl="0" eaLnBrk="1" latinLnBrk="0" hangingPunct="1">
+              <a:lnSpc>
+                <a:spcPct val="110000"/>
+              </a:lnSpc>
+              <a:spcBef>
+                <a:spcPts val="700"/>
+              </a:spcBef>
+              <a:buClr>
+                <a:schemeClr val="tx2"/>
+              </a:buClr>
+              <a:buFont typeface="Arial" panose="020B0604020202020204" pitchFamily="34" charset="0"/>
+              <a:buChar char="•"/>
+              <a:defRPr sz="2000" kern="1200">
+                <a:solidFill>
+                  <a:schemeClr val="tx1">
+                    <a:lumMod val="65000"/>
+                    <a:lumOff val="35000"/>
+                  </a:schemeClr>
+                </a:solidFill>
+                <a:latin typeface="+mn-lt"/>
+                <a:ea typeface="+mn-ea"/>
+                <a:cs typeface="+mn-cs"/>
+              </a:defRPr>
+            </a:lvl1pPr>
+            <a:lvl2pPr marL="685800" indent="-228600" algn="l" defTabSz="914400" rtl="0" eaLnBrk="1" latinLnBrk="0" hangingPunct="1">
+              <a:lnSpc>
+                <a:spcPct val="110000"/>
+              </a:lnSpc>
+              <a:spcBef>
+                <a:spcPts val="700"/>
+              </a:spcBef>
+              <a:buClr>
+                <a:schemeClr val="tx2"/>
+              </a:buClr>
+              <a:buFont typeface="Gill Sans MT" panose="020B0502020104020203" pitchFamily="34" charset="0"/>
+              <a:buChar char="–"/>
+              <a:defRPr sz="1800" kern="1200">
+                <a:solidFill>
+                  <a:schemeClr val="tx1">
+                    <a:lumMod val="65000"/>
+                    <a:lumOff val="35000"/>
+                  </a:schemeClr>
+                </a:solidFill>
+                <a:latin typeface="+mn-lt"/>
+                <a:ea typeface="+mn-ea"/>
+                <a:cs typeface="+mn-cs"/>
+              </a:defRPr>
+            </a:lvl2pPr>
+            <a:lvl3pPr marL="1143000" indent="-228600" algn="l" defTabSz="914400" rtl="0" eaLnBrk="1" latinLnBrk="0" hangingPunct="1">
+              <a:lnSpc>
+                <a:spcPct val="110000"/>
+              </a:lnSpc>
+              <a:spcBef>
+                <a:spcPts val="700"/>
+              </a:spcBef>
+              <a:buClr>
+                <a:schemeClr val="tx2"/>
+              </a:buClr>
+              <a:buFont typeface="Arial" panose="020B0604020202020204" pitchFamily="34" charset="0"/>
+              <a:buChar char="•"/>
+              <a:defRPr sz="1600" kern="1200">
+                <a:solidFill>
+                  <a:schemeClr val="tx1">
+                    <a:lumMod val="65000"/>
+                    <a:lumOff val="35000"/>
+                  </a:schemeClr>
+                </a:solidFill>
+                <a:latin typeface="+mn-lt"/>
+                <a:ea typeface="+mn-ea"/>
+                <a:cs typeface="+mn-cs"/>
+              </a:defRPr>
+            </a:lvl3pPr>
+            <a:lvl4pPr marL="1600200" indent="-228600" algn="l" defTabSz="914400" rtl="0" eaLnBrk="1" latinLnBrk="0" hangingPunct="1">
+              <a:lnSpc>
+                <a:spcPct val="110000"/>
+              </a:lnSpc>
+              <a:spcBef>
+                <a:spcPts val="700"/>
+              </a:spcBef>
+              <a:buClr>
+                <a:schemeClr val="tx2"/>
+              </a:buClr>
+              <a:buFont typeface="Gill Sans MT" panose="020B0502020104020203" pitchFamily="34" charset="0"/>
+              <a:buChar char="–"/>
+              <a:defRPr sz="1400" kern="1200">
+                <a:solidFill>
+                  <a:schemeClr val="tx1">
+                    <a:lumMod val="65000"/>
+                    <a:lumOff val="35000"/>
+                  </a:schemeClr>
+                </a:solidFill>
+                <a:latin typeface="+mn-lt"/>
+                <a:ea typeface="+mn-ea"/>
+                <a:cs typeface="+mn-cs"/>
+              </a:defRPr>
+            </a:lvl4pPr>
+            <a:lvl5pPr marL="2057400" indent="-228600" algn="l" defTabSz="914400" rtl="0" eaLnBrk="1" latinLnBrk="0" hangingPunct="1">
+              <a:lnSpc>
+                <a:spcPct val="110000"/>
+              </a:lnSpc>
+              <a:spcBef>
+                <a:spcPts val="700"/>
+              </a:spcBef>
+              <a:buClr>
+                <a:schemeClr val="tx2"/>
+              </a:buClr>
+              <a:buFont typeface="Arial" panose="020B0604020202020204" pitchFamily="34" charset="0"/>
+              <a:buChar char="•"/>
+              <a:defRPr sz="1400" kern="1200">
+                <a:solidFill>
+                  <a:schemeClr val="tx1">
+                    <a:lumMod val="65000"/>
+                    <a:lumOff val="35000"/>
+                  </a:schemeClr>
+                </a:solidFill>
+                <a:latin typeface="+mn-lt"/>
+                <a:ea typeface="+mn-ea"/>
+                <a:cs typeface="+mn-cs"/>
+              </a:defRPr>
+            </a:lvl5pPr>
+            <a:lvl6pPr marL="2514600" indent="-228600" algn="l" defTabSz="914400" rtl="0" eaLnBrk="1" latinLnBrk="0" hangingPunct="1">
+              <a:lnSpc>
+                <a:spcPct val="110000"/>
+              </a:lnSpc>
+              <a:spcBef>
+                <a:spcPts val="700"/>
+              </a:spcBef>
+              <a:buClr>
+                <a:schemeClr val="tx2"/>
+              </a:buClr>
+              <a:buFont typeface="Gill Sans MT" panose="020B0502020104020203" pitchFamily="34" charset="0"/>
+              <a:buChar char="–"/>
+              <a:defRPr sz="1400" kern="1200">
+                <a:solidFill>
+                  <a:schemeClr val="tx1">
+                    <a:lumMod val="65000"/>
+                    <a:lumOff val="35000"/>
+                  </a:schemeClr>
+                </a:solidFill>
+                <a:latin typeface="+mn-lt"/>
+                <a:ea typeface="+mn-ea"/>
+                <a:cs typeface="+mn-cs"/>
+              </a:defRPr>
+            </a:lvl6pPr>
+            <a:lvl7pPr marL="2971800" indent="-228600" algn="l" defTabSz="914400" rtl="0" eaLnBrk="1" latinLnBrk="0" hangingPunct="1">
+              <a:lnSpc>
+                <a:spcPct val="110000"/>
+              </a:lnSpc>
+              <a:spcBef>
+                <a:spcPts val="700"/>
+              </a:spcBef>
+              <a:buClr>
+                <a:schemeClr val="tx2"/>
+              </a:buClr>
+              <a:buFont typeface="Arial" panose="020B0604020202020204" pitchFamily="34" charset="0"/>
+              <a:buChar char="•"/>
+              <a:defRPr sz="1400" kern="1200">
+                <a:solidFill>
+                  <a:schemeClr val="tx1">
+                    <a:lumMod val="65000"/>
+                    <a:lumOff val="35000"/>
+                  </a:schemeClr>
+                </a:solidFill>
+                <a:latin typeface="+mn-lt"/>
+                <a:ea typeface="+mn-ea"/>
+                <a:cs typeface="+mn-cs"/>
+              </a:defRPr>
+            </a:lvl7pPr>
+            <a:lvl8pPr marL="3429000" indent="-228600" algn="l" defTabSz="914400" rtl="0" eaLnBrk="1" latinLnBrk="0" hangingPunct="1">
+              <a:lnSpc>
+                <a:spcPct val="110000"/>
+              </a:lnSpc>
+              <a:spcBef>
+                <a:spcPts val="700"/>
+              </a:spcBef>
+              <a:buClr>
+                <a:schemeClr val="tx2"/>
+              </a:buClr>
+              <a:buFont typeface="Gill Sans MT" panose="020B0502020104020203" pitchFamily="34" charset="0"/>
+              <a:buChar char="–"/>
+              <a:defRPr sz="1400" kern="1200" baseline="0">
+                <a:solidFill>
+                  <a:schemeClr val="tx1">
+                    <a:lumMod val="65000"/>
+                    <a:lumOff val="35000"/>
+                  </a:schemeClr>
+                </a:solidFill>
+                <a:latin typeface="+mn-lt"/>
+                <a:ea typeface="+mn-ea"/>
+                <a:cs typeface="+mn-cs"/>
+              </a:defRPr>
+            </a:lvl8pPr>
+            <a:lvl9pPr marL="3886200" indent="-228600" algn="l" defTabSz="914400" rtl="0" eaLnBrk="1" latinLnBrk="0" hangingPunct="1">
+              <a:lnSpc>
+                <a:spcPct val="110000"/>
+              </a:lnSpc>
+              <a:spcBef>
+                <a:spcPts val="700"/>
+              </a:spcBef>
+              <a:buClr>
+                <a:schemeClr val="tx2"/>
+              </a:buClr>
+              <a:buFont typeface="Arial" panose="020B0604020202020204" pitchFamily="34" charset="0"/>
+              <a:buChar char="•"/>
+              <a:defRPr sz="1400" kern="1200" baseline="0">
+                <a:solidFill>
+                  <a:schemeClr val="tx1">
+                    <a:lumMod val="65000"/>
+                    <a:lumOff val="35000"/>
+                  </a:schemeClr>
+                </a:solidFill>
+                <a:latin typeface="+mn-lt"/>
+                <a:ea typeface="+mn-ea"/>
+                <a:cs typeface="+mn-cs"/>
+              </a:defRPr>
+            </a:lvl9pPr>
+          </a:lstStyle>
+          <a:p>
+            <a:pPr marL="0" indent="0">
+              <a:buFont typeface="Arial" panose="020B0604020202020204" pitchFamily="34" charset="0"/>
+              <a:buNone/>
+            </a:pPr>
+            <a:r>
+              <a:rPr lang="en-GB" dirty="0"/>
+              <a:t>Nuclear</a:t>
+            </a:r>
+          </a:p>
+        </p:txBody>
+      </p:sp>
+      <p:sp>
+        <p:nvSpPr>
+          <p:cNvPr id="9" name="Content Placeholder 2">
+            <a:extLst>
+              <a:ext uri="{FF2B5EF4-FFF2-40B4-BE49-F238E27FC236}">
+                <a16:creationId xmlns:a16="http://schemas.microsoft.com/office/drawing/2014/main" id="{18F83ABD-549F-4C01-8D5F-E6011729F006}"/>
+              </a:ext>
+            </a:extLst>
+          </p:cNvPr>
+          <p:cNvSpPr txBox="1">
+            <a:spLocks/>
+          </p:cNvSpPr>
+          <p:nvPr/>
+        </p:nvSpPr>
+        <p:spPr>
+          <a:xfrm>
+            <a:off x="7274408" y="5846309"/>
+            <a:ext cx="4155592" cy="392722"/>
+          </a:xfrm>
+          <a:prstGeom prst="rect">
+            <a:avLst/>
+          </a:prstGeom>
+        </p:spPr>
+        <p:txBody>
+          <a:bodyPr vert="horz" lIns="91440" tIns="45720" rIns="91440" bIns="45720" rtlCol="0">
+            <a:normAutofit fontScale="85000" lnSpcReduction="10000"/>
+          </a:bodyPr>
+          <a:lstStyle>
+            <a:lvl1pPr marL="228600" indent="-228600" algn="l" defTabSz="914400" rtl="0" eaLnBrk="1" latinLnBrk="0" hangingPunct="1">
+              <a:lnSpc>
+                <a:spcPct val="110000"/>
+              </a:lnSpc>
+              <a:spcBef>
+                <a:spcPts val="700"/>
+              </a:spcBef>
+              <a:buClr>
+                <a:schemeClr val="tx2"/>
+              </a:buClr>
+              <a:buFont typeface="Arial" panose="020B0604020202020204" pitchFamily="34" charset="0"/>
+              <a:buChar char="•"/>
+              <a:defRPr sz="2000" kern="1200">
+                <a:solidFill>
+                  <a:schemeClr val="tx1">
+                    <a:lumMod val="65000"/>
+                    <a:lumOff val="35000"/>
+                  </a:schemeClr>
+                </a:solidFill>
+                <a:latin typeface="+mn-lt"/>
+                <a:ea typeface="+mn-ea"/>
+                <a:cs typeface="+mn-cs"/>
+              </a:defRPr>
+            </a:lvl1pPr>
+            <a:lvl2pPr marL="685800" indent="-228600" algn="l" defTabSz="914400" rtl="0" eaLnBrk="1" latinLnBrk="0" hangingPunct="1">
+              <a:lnSpc>
+                <a:spcPct val="110000"/>
+              </a:lnSpc>
+              <a:spcBef>
+                <a:spcPts val="700"/>
+              </a:spcBef>
+              <a:buClr>
+                <a:schemeClr val="tx2"/>
+              </a:buClr>
+              <a:buFont typeface="Gill Sans MT" panose="020B0502020104020203" pitchFamily="34" charset="0"/>
+              <a:buChar char="–"/>
+              <a:defRPr sz="1800" kern="1200">
+                <a:solidFill>
+                  <a:schemeClr val="tx1">
+                    <a:lumMod val="65000"/>
+                    <a:lumOff val="35000"/>
+                  </a:schemeClr>
+                </a:solidFill>
+                <a:latin typeface="+mn-lt"/>
+                <a:ea typeface="+mn-ea"/>
+                <a:cs typeface="+mn-cs"/>
+              </a:defRPr>
+            </a:lvl2pPr>
+            <a:lvl3pPr marL="1143000" indent="-228600" algn="l" defTabSz="914400" rtl="0" eaLnBrk="1" latinLnBrk="0" hangingPunct="1">
+              <a:lnSpc>
+                <a:spcPct val="110000"/>
+              </a:lnSpc>
+              <a:spcBef>
+                <a:spcPts val="700"/>
+              </a:spcBef>
+              <a:buClr>
+                <a:schemeClr val="tx2"/>
+              </a:buClr>
+              <a:buFont typeface="Arial" panose="020B0604020202020204" pitchFamily="34" charset="0"/>
+              <a:buChar char="•"/>
+              <a:defRPr sz="1600" kern="1200">
+                <a:solidFill>
+                  <a:schemeClr val="tx1">
+                    <a:lumMod val="65000"/>
+                    <a:lumOff val="35000"/>
+                  </a:schemeClr>
+                </a:solidFill>
+                <a:latin typeface="+mn-lt"/>
+                <a:ea typeface="+mn-ea"/>
+                <a:cs typeface="+mn-cs"/>
+              </a:defRPr>
+            </a:lvl3pPr>
+            <a:lvl4pPr marL="1600200" indent="-228600" algn="l" defTabSz="914400" rtl="0" eaLnBrk="1" latinLnBrk="0" hangingPunct="1">
+              <a:lnSpc>
+                <a:spcPct val="110000"/>
+              </a:lnSpc>
+              <a:spcBef>
+                <a:spcPts val="700"/>
+              </a:spcBef>
+              <a:buClr>
+                <a:schemeClr val="tx2"/>
+              </a:buClr>
+              <a:buFont typeface="Gill Sans MT" panose="020B0502020104020203" pitchFamily="34" charset="0"/>
+              <a:buChar char="–"/>
+              <a:defRPr sz="1400" kern="1200">
+                <a:solidFill>
+                  <a:schemeClr val="tx1">
+                    <a:lumMod val="65000"/>
+                    <a:lumOff val="35000"/>
+                  </a:schemeClr>
+                </a:solidFill>
+                <a:latin typeface="+mn-lt"/>
+                <a:ea typeface="+mn-ea"/>
+                <a:cs typeface="+mn-cs"/>
+              </a:defRPr>
+            </a:lvl4pPr>
+            <a:lvl5pPr marL="2057400" indent="-228600" algn="l" defTabSz="914400" rtl="0" eaLnBrk="1" latinLnBrk="0" hangingPunct="1">
+              <a:lnSpc>
+                <a:spcPct val="110000"/>
+              </a:lnSpc>
+              <a:spcBef>
+                <a:spcPts val="700"/>
+              </a:spcBef>
+              <a:buClr>
+                <a:schemeClr val="tx2"/>
+              </a:buClr>
+              <a:buFont typeface="Arial" panose="020B0604020202020204" pitchFamily="34" charset="0"/>
+              <a:buChar char="•"/>
+              <a:defRPr sz="1400" kern="1200">
+                <a:solidFill>
+                  <a:schemeClr val="tx1">
+                    <a:lumMod val="65000"/>
+                    <a:lumOff val="35000"/>
+                  </a:schemeClr>
+                </a:solidFill>
+                <a:latin typeface="+mn-lt"/>
+                <a:ea typeface="+mn-ea"/>
+                <a:cs typeface="+mn-cs"/>
+              </a:defRPr>
+            </a:lvl5pPr>
+            <a:lvl6pPr marL="2514600" indent="-228600" algn="l" defTabSz="914400" rtl="0" eaLnBrk="1" latinLnBrk="0" hangingPunct="1">
+              <a:lnSpc>
+                <a:spcPct val="110000"/>
+              </a:lnSpc>
+              <a:spcBef>
+                <a:spcPts val="700"/>
+              </a:spcBef>
+              <a:buClr>
+                <a:schemeClr val="tx2"/>
+              </a:buClr>
+              <a:buFont typeface="Gill Sans MT" panose="020B0502020104020203" pitchFamily="34" charset="0"/>
+              <a:buChar char="–"/>
+              <a:defRPr sz="1400" kern="1200">
+                <a:solidFill>
+                  <a:schemeClr val="tx1">
+                    <a:lumMod val="65000"/>
+                    <a:lumOff val="35000"/>
+                  </a:schemeClr>
+                </a:solidFill>
+                <a:latin typeface="+mn-lt"/>
+                <a:ea typeface="+mn-ea"/>
+                <a:cs typeface="+mn-cs"/>
+              </a:defRPr>
+            </a:lvl6pPr>
+            <a:lvl7pPr marL="2971800" indent="-228600" algn="l" defTabSz="914400" rtl="0" eaLnBrk="1" latinLnBrk="0" hangingPunct="1">
+              <a:lnSpc>
+                <a:spcPct val="110000"/>
+              </a:lnSpc>
+              <a:spcBef>
+                <a:spcPts val="700"/>
+              </a:spcBef>
+              <a:buClr>
+                <a:schemeClr val="tx2"/>
+              </a:buClr>
+              <a:buFont typeface="Arial" panose="020B0604020202020204" pitchFamily="34" charset="0"/>
+              <a:buChar char="•"/>
+              <a:defRPr sz="1400" kern="1200">
+                <a:solidFill>
+                  <a:schemeClr val="tx1">
+                    <a:lumMod val="65000"/>
+                    <a:lumOff val="35000"/>
+                  </a:schemeClr>
+                </a:solidFill>
+                <a:latin typeface="+mn-lt"/>
+                <a:ea typeface="+mn-ea"/>
+                <a:cs typeface="+mn-cs"/>
+              </a:defRPr>
+            </a:lvl7pPr>
+            <a:lvl8pPr marL="3429000" indent="-228600" algn="l" defTabSz="914400" rtl="0" eaLnBrk="1" latinLnBrk="0" hangingPunct="1">
+              <a:lnSpc>
+                <a:spcPct val="110000"/>
+              </a:lnSpc>
+              <a:spcBef>
+                <a:spcPts val="700"/>
+              </a:spcBef>
+              <a:buClr>
+                <a:schemeClr val="tx2"/>
+              </a:buClr>
+              <a:buFont typeface="Gill Sans MT" panose="020B0502020104020203" pitchFamily="34" charset="0"/>
+              <a:buChar char="–"/>
+              <a:defRPr sz="1400" kern="1200" baseline="0">
+                <a:solidFill>
+                  <a:schemeClr val="tx1">
+                    <a:lumMod val="65000"/>
+                    <a:lumOff val="35000"/>
+                  </a:schemeClr>
+                </a:solidFill>
+                <a:latin typeface="+mn-lt"/>
+                <a:ea typeface="+mn-ea"/>
+                <a:cs typeface="+mn-cs"/>
+              </a:defRPr>
+            </a:lvl8pPr>
+            <a:lvl9pPr marL="3886200" indent="-228600" algn="l" defTabSz="914400" rtl="0" eaLnBrk="1" latinLnBrk="0" hangingPunct="1">
+              <a:lnSpc>
+                <a:spcPct val="110000"/>
+              </a:lnSpc>
+              <a:spcBef>
+                <a:spcPts val="700"/>
+              </a:spcBef>
+              <a:buClr>
+                <a:schemeClr val="tx2"/>
+              </a:buClr>
+              <a:buFont typeface="Arial" panose="020B0604020202020204" pitchFamily="34" charset="0"/>
+              <a:buChar char="•"/>
+              <a:defRPr sz="1400" kern="1200" baseline="0">
+                <a:solidFill>
+                  <a:schemeClr val="tx1">
+                    <a:lumMod val="65000"/>
+                    <a:lumOff val="35000"/>
+                  </a:schemeClr>
+                </a:solidFill>
+                <a:latin typeface="+mn-lt"/>
+                <a:ea typeface="+mn-ea"/>
+                <a:cs typeface="+mn-cs"/>
+              </a:defRPr>
+            </a:lvl9pPr>
+          </a:lstStyle>
+          <a:p>
+            <a:pPr marL="0" indent="0">
+              <a:buFont typeface="Arial" panose="020B0604020202020204" pitchFamily="34" charset="0"/>
+              <a:buNone/>
+            </a:pPr>
+            <a:r>
+              <a:rPr lang="en-GB" dirty="0"/>
+              <a:t>Is space travel aerospace? – Because space</a:t>
+            </a:r>
+          </a:p>
+        </p:txBody>
+      </p:sp>
+      <p:sp>
+        <p:nvSpPr>
+          <p:cNvPr id="10" name="Content Placeholder 2">
+            <a:extLst>
+              <a:ext uri="{FF2B5EF4-FFF2-40B4-BE49-F238E27FC236}">
+                <a16:creationId xmlns:a16="http://schemas.microsoft.com/office/drawing/2014/main" id="{9132D726-FD0B-4A4A-B9CA-7E6355CC3C12}"/>
+              </a:ext>
+            </a:extLst>
+          </p:cNvPr>
+          <p:cNvSpPr txBox="1">
+            <a:spLocks/>
+          </p:cNvSpPr>
+          <p:nvPr/>
+        </p:nvSpPr>
+        <p:spPr>
+          <a:xfrm>
+            <a:off x="6340839" y="3380354"/>
+            <a:ext cx="1624992" cy="558599"/>
+          </a:xfrm>
+          <a:prstGeom prst="rect">
+            <a:avLst/>
+          </a:prstGeom>
+        </p:spPr>
+        <p:txBody>
+          <a:bodyPr vert="horz" lIns="91440" tIns="45720" rIns="91440" bIns="45720" rtlCol="0">
+            <a:normAutofit fontScale="85000" lnSpcReduction="10000"/>
+          </a:bodyPr>
+          <a:lstStyle>
+            <a:lvl1pPr marL="228600" indent="-228600" algn="l" defTabSz="914400" rtl="0" eaLnBrk="1" latinLnBrk="0" hangingPunct="1">
+              <a:lnSpc>
+                <a:spcPct val="110000"/>
+              </a:lnSpc>
+              <a:spcBef>
+                <a:spcPts val="700"/>
+              </a:spcBef>
+              <a:buClr>
+                <a:schemeClr val="tx2"/>
+              </a:buClr>
+              <a:buFont typeface="Arial" panose="020B0604020202020204" pitchFamily="34" charset="0"/>
+              <a:buChar char="•"/>
+              <a:defRPr sz="2000" kern="1200">
+                <a:solidFill>
+                  <a:schemeClr val="tx1">
+                    <a:lumMod val="65000"/>
+                    <a:lumOff val="35000"/>
+                  </a:schemeClr>
+                </a:solidFill>
+                <a:latin typeface="+mn-lt"/>
+                <a:ea typeface="+mn-ea"/>
+                <a:cs typeface="+mn-cs"/>
+              </a:defRPr>
+            </a:lvl1pPr>
+            <a:lvl2pPr marL="685800" indent="-228600" algn="l" defTabSz="914400" rtl="0" eaLnBrk="1" latinLnBrk="0" hangingPunct="1">
+              <a:lnSpc>
+                <a:spcPct val="110000"/>
+              </a:lnSpc>
+              <a:spcBef>
+                <a:spcPts val="700"/>
+              </a:spcBef>
+              <a:buClr>
+                <a:schemeClr val="tx2"/>
+              </a:buClr>
+              <a:buFont typeface="Gill Sans MT" panose="020B0502020104020203" pitchFamily="34" charset="0"/>
+              <a:buChar char="–"/>
+              <a:defRPr sz="1800" kern="1200">
+                <a:solidFill>
+                  <a:schemeClr val="tx1">
+                    <a:lumMod val="65000"/>
+                    <a:lumOff val="35000"/>
+                  </a:schemeClr>
+                </a:solidFill>
+                <a:latin typeface="+mn-lt"/>
+                <a:ea typeface="+mn-ea"/>
+                <a:cs typeface="+mn-cs"/>
+              </a:defRPr>
+            </a:lvl2pPr>
+            <a:lvl3pPr marL="1143000" indent="-228600" algn="l" defTabSz="914400" rtl="0" eaLnBrk="1" latinLnBrk="0" hangingPunct="1">
+              <a:lnSpc>
+                <a:spcPct val="110000"/>
+              </a:lnSpc>
+              <a:spcBef>
+                <a:spcPts val="700"/>
+              </a:spcBef>
+              <a:buClr>
+                <a:schemeClr val="tx2"/>
+              </a:buClr>
+              <a:buFont typeface="Arial" panose="020B0604020202020204" pitchFamily="34" charset="0"/>
+              <a:buChar char="•"/>
+              <a:defRPr sz="1600" kern="1200">
+                <a:solidFill>
+                  <a:schemeClr val="tx1">
+                    <a:lumMod val="65000"/>
+                    <a:lumOff val="35000"/>
+                  </a:schemeClr>
+                </a:solidFill>
+                <a:latin typeface="+mn-lt"/>
+                <a:ea typeface="+mn-ea"/>
+                <a:cs typeface="+mn-cs"/>
+              </a:defRPr>
+            </a:lvl3pPr>
+            <a:lvl4pPr marL="1600200" indent="-228600" algn="l" defTabSz="914400" rtl="0" eaLnBrk="1" latinLnBrk="0" hangingPunct="1">
+              <a:lnSpc>
+                <a:spcPct val="110000"/>
+              </a:lnSpc>
+              <a:spcBef>
+                <a:spcPts val="700"/>
+              </a:spcBef>
+              <a:buClr>
+                <a:schemeClr val="tx2"/>
+              </a:buClr>
+              <a:buFont typeface="Gill Sans MT" panose="020B0502020104020203" pitchFamily="34" charset="0"/>
+              <a:buChar char="–"/>
+              <a:defRPr sz="1400" kern="1200">
+                <a:solidFill>
+                  <a:schemeClr val="tx1">
+                    <a:lumMod val="65000"/>
+                    <a:lumOff val="35000"/>
+                  </a:schemeClr>
+                </a:solidFill>
+                <a:latin typeface="+mn-lt"/>
+                <a:ea typeface="+mn-ea"/>
+                <a:cs typeface="+mn-cs"/>
+              </a:defRPr>
+            </a:lvl4pPr>
+            <a:lvl5pPr marL="2057400" indent="-228600" algn="l" defTabSz="914400" rtl="0" eaLnBrk="1" latinLnBrk="0" hangingPunct="1">
+              <a:lnSpc>
+                <a:spcPct val="110000"/>
+              </a:lnSpc>
+              <a:spcBef>
+                <a:spcPts val="700"/>
+              </a:spcBef>
+              <a:buClr>
+                <a:schemeClr val="tx2"/>
+              </a:buClr>
+              <a:buFont typeface="Arial" panose="020B0604020202020204" pitchFamily="34" charset="0"/>
+              <a:buChar char="•"/>
+              <a:defRPr sz="1400" kern="1200">
+                <a:solidFill>
+                  <a:schemeClr val="tx1">
+                    <a:lumMod val="65000"/>
+                    <a:lumOff val="35000"/>
+                  </a:schemeClr>
+                </a:solidFill>
+                <a:latin typeface="+mn-lt"/>
+                <a:ea typeface="+mn-ea"/>
+                <a:cs typeface="+mn-cs"/>
+              </a:defRPr>
+            </a:lvl5pPr>
+            <a:lvl6pPr marL="2514600" indent="-228600" algn="l" defTabSz="914400" rtl="0" eaLnBrk="1" latinLnBrk="0" hangingPunct="1">
+              <a:lnSpc>
+                <a:spcPct val="110000"/>
+              </a:lnSpc>
+              <a:spcBef>
+                <a:spcPts val="700"/>
+              </a:spcBef>
+              <a:buClr>
+                <a:schemeClr val="tx2"/>
+              </a:buClr>
+              <a:buFont typeface="Gill Sans MT" panose="020B0502020104020203" pitchFamily="34" charset="0"/>
+              <a:buChar char="–"/>
+              <a:defRPr sz="1400" kern="1200">
+                <a:solidFill>
+                  <a:schemeClr val="tx1">
+                    <a:lumMod val="65000"/>
+                    <a:lumOff val="35000"/>
+                  </a:schemeClr>
+                </a:solidFill>
+                <a:latin typeface="+mn-lt"/>
+                <a:ea typeface="+mn-ea"/>
+                <a:cs typeface="+mn-cs"/>
+              </a:defRPr>
+            </a:lvl6pPr>
+            <a:lvl7pPr marL="2971800" indent="-228600" algn="l" defTabSz="914400" rtl="0" eaLnBrk="1" latinLnBrk="0" hangingPunct="1">
+              <a:lnSpc>
+                <a:spcPct val="110000"/>
+              </a:lnSpc>
+              <a:spcBef>
+                <a:spcPts val="700"/>
+              </a:spcBef>
+              <a:buClr>
+                <a:schemeClr val="tx2"/>
+              </a:buClr>
+              <a:buFont typeface="Arial" panose="020B0604020202020204" pitchFamily="34" charset="0"/>
+              <a:buChar char="•"/>
+              <a:defRPr sz="1400" kern="1200">
+                <a:solidFill>
+                  <a:schemeClr val="tx1">
+                    <a:lumMod val="65000"/>
+                    <a:lumOff val="35000"/>
+                  </a:schemeClr>
+                </a:solidFill>
+                <a:latin typeface="+mn-lt"/>
+                <a:ea typeface="+mn-ea"/>
+                <a:cs typeface="+mn-cs"/>
+              </a:defRPr>
+            </a:lvl7pPr>
+            <a:lvl8pPr marL="3429000" indent="-228600" algn="l" defTabSz="914400" rtl="0" eaLnBrk="1" latinLnBrk="0" hangingPunct="1">
+              <a:lnSpc>
+                <a:spcPct val="110000"/>
+              </a:lnSpc>
+              <a:spcBef>
+                <a:spcPts val="700"/>
+              </a:spcBef>
+              <a:buClr>
+                <a:schemeClr val="tx2"/>
+              </a:buClr>
+              <a:buFont typeface="Gill Sans MT" panose="020B0502020104020203" pitchFamily="34" charset="0"/>
+              <a:buChar char="–"/>
+              <a:defRPr sz="1400" kern="1200" baseline="0">
+                <a:solidFill>
+                  <a:schemeClr val="tx1">
+                    <a:lumMod val="65000"/>
+                    <a:lumOff val="35000"/>
+                  </a:schemeClr>
+                </a:solidFill>
+                <a:latin typeface="+mn-lt"/>
+                <a:ea typeface="+mn-ea"/>
+                <a:cs typeface="+mn-cs"/>
+              </a:defRPr>
+            </a:lvl8pPr>
+            <a:lvl9pPr marL="3886200" indent="-228600" algn="l" defTabSz="914400" rtl="0" eaLnBrk="1" latinLnBrk="0" hangingPunct="1">
+              <a:lnSpc>
+                <a:spcPct val="110000"/>
+              </a:lnSpc>
+              <a:spcBef>
+                <a:spcPts val="700"/>
+              </a:spcBef>
+              <a:buClr>
+                <a:schemeClr val="tx2"/>
+              </a:buClr>
+              <a:buFont typeface="Arial" panose="020B0604020202020204" pitchFamily="34" charset="0"/>
+              <a:buChar char="•"/>
+              <a:defRPr sz="1400" kern="1200" baseline="0">
+                <a:solidFill>
+                  <a:schemeClr val="tx1">
+                    <a:lumMod val="65000"/>
+                    <a:lumOff val="35000"/>
+                  </a:schemeClr>
+                </a:solidFill>
+                <a:latin typeface="+mn-lt"/>
+                <a:ea typeface="+mn-ea"/>
+                <a:cs typeface="+mn-cs"/>
+              </a:defRPr>
+            </a:lvl9pPr>
+          </a:lstStyle>
+          <a:p>
+            <a:pPr marL="0" indent="0">
+              <a:buFont typeface="Arial" panose="020B0604020202020204" pitchFamily="34" charset="0"/>
+              <a:buNone/>
+            </a:pPr>
+            <a:r>
+              <a:rPr lang="en-GB" dirty="0"/>
+              <a:t>Roller Coasters</a:t>
+            </a:r>
+          </a:p>
+        </p:txBody>
+      </p:sp>
+      <p:sp>
+        <p:nvSpPr>
+          <p:cNvPr id="11" name="Content Placeholder 2">
+            <a:extLst>
+              <a:ext uri="{FF2B5EF4-FFF2-40B4-BE49-F238E27FC236}">
+                <a16:creationId xmlns:a16="http://schemas.microsoft.com/office/drawing/2014/main" id="{623D928B-12F7-42F6-A7CB-1DD5B4034026}"/>
+              </a:ext>
+            </a:extLst>
+          </p:cNvPr>
+          <p:cNvSpPr txBox="1">
+            <a:spLocks/>
+          </p:cNvSpPr>
+          <p:nvPr/>
+        </p:nvSpPr>
+        <p:spPr>
+          <a:xfrm>
+            <a:off x="1738066" y="4214446"/>
+            <a:ext cx="838080" cy="558599"/>
+          </a:xfrm>
+          <a:prstGeom prst="rect">
+            <a:avLst/>
+          </a:prstGeom>
+        </p:spPr>
+        <p:txBody>
+          <a:bodyPr vert="horz" lIns="91440" tIns="45720" rIns="91440" bIns="45720" rtlCol="0">
+            <a:normAutofit/>
+          </a:bodyPr>
+          <a:lstStyle>
+            <a:lvl1pPr marL="228600" indent="-228600" algn="l" defTabSz="914400" rtl="0" eaLnBrk="1" latinLnBrk="0" hangingPunct="1">
+              <a:lnSpc>
+                <a:spcPct val="110000"/>
+              </a:lnSpc>
+              <a:spcBef>
+                <a:spcPts val="700"/>
+              </a:spcBef>
+              <a:buClr>
+                <a:schemeClr val="tx2"/>
+              </a:buClr>
+              <a:buFont typeface="Arial" panose="020B0604020202020204" pitchFamily="34" charset="0"/>
+              <a:buChar char="•"/>
+              <a:defRPr sz="2000" kern="1200">
+                <a:solidFill>
+                  <a:schemeClr val="tx1">
+                    <a:lumMod val="65000"/>
+                    <a:lumOff val="35000"/>
+                  </a:schemeClr>
+                </a:solidFill>
+                <a:latin typeface="+mn-lt"/>
+                <a:ea typeface="+mn-ea"/>
+                <a:cs typeface="+mn-cs"/>
+              </a:defRPr>
+            </a:lvl1pPr>
+            <a:lvl2pPr marL="685800" indent="-228600" algn="l" defTabSz="914400" rtl="0" eaLnBrk="1" latinLnBrk="0" hangingPunct="1">
+              <a:lnSpc>
+                <a:spcPct val="110000"/>
+              </a:lnSpc>
+              <a:spcBef>
+                <a:spcPts val="700"/>
+              </a:spcBef>
+              <a:buClr>
+                <a:schemeClr val="tx2"/>
+              </a:buClr>
+              <a:buFont typeface="Gill Sans MT" panose="020B0502020104020203" pitchFamily="34" charset="0"/>
+              <a:buChar char="–"/>
+              <a:defRPr sz="1800" kern="1200">
+                <a:solidFill>
+                  <a:schemeClr val="tx1">
+                    <a:lumMod val="65000"/>
+                    <a:lumOff val="35000"/>
+                  </a:schemeClr>
+                </a:solidFill>
+                <a:latin typeface="+mn-lt"/>
+                <a:ea typeface="+mn-ea"/>
+                <a:cs typeface="+mn-cs"/>
+              </a:defRPr>
+            </a:lvl2pPr>
+            <a:lvl3pPr marL="1143000" indent="-228600" algn="l" defTabSz="914400" rtl="0" eaLnBrk="1" latinLnBrk="0" hangingPunct="1">
+              <a:lnSpc>
+                <a:spcPct val="110000"/>
+              </a:lnSpc>
+              <a:spcBef>
+                <a:spcPts val="700"/>
+              </a:spcBef>
+              <a:buClr>
+                <a:schemeClr val="tx2"/>
+              </a:buClr>
+              <a:buFont typeface="Arial" panose="020B0604020202020204" pitchFamily="34" charset="0"/>
+              <a:buChar char="•"/>
+              <a:defRPr sz="1600" kern="1200">
+                <a:solidFill>
+                  <a:schemeClr val="tx1">
+                    <a:lumMod val="65000"/>
+                    <a:lumOff val="35000"/>
+                  </a:schemeClr>
+                </a:solidFill>
+                <a:latin typeface="+mn-lt"/>
+                <a:ea typeface="+mn-ea"/>
+                <a:cs typeface="+mn-cs"/>
+              </a:defRPr>
+            </a:lvl3pPr>
+            <a:lvl4pPr marL="1600200" indent="-228600" algn="l" defTabSz="914400" rtl="0" eaLnBrk="1" latinLnBrk="0" hangingPunct="1">
+              <a:lnSpc>
+                <a:spcPct val="110000"/>
+              </a:lnSpc>
+              <a:spcBef>
+                <a:spcPts val="700"/>
+              </a:spcBef>
+              <a:buClr>
+                <a:schemeClr val="tx2"/>
+              </a:buClr>
+              <a:buFont typeface="Gill Sans MT" panose="020B0502020104020203" pitchFamily="34" charset="0"/>
+              <a:buChar char="–"/>
+              <a:defRPr sz="1400" kern="1200">
+                <a:solidFill>
+                  <a:schemeClr val="tx1">
+                    <a:lumMod val="65000"/>
+                    <a:lumOff val="35000"/>
+                  </a:schemeClr>
+                </a:solidFill>
+                <a:latin typeface="+mn-lt"/>
+                <a:ea typeface="+mn-ea"/>
+                <a:cs typeface="+mn-cs"/>
+              </a:defRPr>
+            </a:lvl4pPr>
+            <a:lvl5pPr marL="2057400" indent="-228600" algn="l" defTabSz="914400" rtl="0" eaLnBrk="1" latinLnBrk="0" hangingPunct="1">
+              <a:lnSpc>
+                <a:spcPct val="110000"/>
+              </a:lnSpc>
+              <a:spcBef>
+                <a:spcPts val="700"/>
+              </a:spcBef>
+              <a:buClr>
+                <a:schemeClr val="tx2"/>
+              </a:buClr>
+              <a:buFont typeface="Arial" panose="020B0604020202020204" pitchFamily="34" charset="0"/>
+              <a:buChar char="•"/>
+              <a:defRPr sz="1400" kern="1200">
+                <a:solidFill>
+                  <a:schemeClr val="tx1">
+                    <a:lumMod val="65000"/>
+                    <a:lumOff val="35000"/>
+                  </a:schemeClr>
+                </a:solidFill>
+                <a:latin typeface="+mn-lt"/>
+                <a:ea typeface="+mn-ea"/>
+                <a:cs typeface="+mn-cs"/>
+              </a:defRPr>
+            </a:lvl5pPr>
+            <a:lvl6pPr marL="2514600" indent="-228600" algn="l" defTabSz="914400" rtl="0" eaLnBrk="1" latinLnBrk="0" hangingPunct="1">
+              <a:lnSpc>
+                <a:spcPct val="110000"/>
+              </a:lnSpc>
+              <a:spcBef>
+                <a:spcPts val="700"/>
+              </a:spcBef>
+              <a:buClr>
+                <a:schemeClr val="tx2"/>
+              </a:buClr>
+              <a:buFont typeface="Gill Sans MT" panose="020B0502020104020203" pitchFamily="34" charset="0"/>
+              <a:buChar char="–"/>
+              <a:defRPr sz="1400" kern="1200">
+                <a:solidFill>
+                  <a:schemeClr val="tx1">
+                    <a:lumMod val="65000"/>
+                    <a:lumOff val="35000"/>
+                  </a:schemeClr>
+                </a:solidFill>
+                <a:latin typeface="+mn-lt"/>
+                <a:ea typeface="+mn-ea"/>
+                <a:cs typeface="+mn-cs"/>
+              </a:defRPr>
+            </a:lvl6pPr>
+            <a:lvl7pPr marL="2971800" indent="-228600" algn="l" defTabSz="914400" rtl="0" eaLnBrk="1" latinLnBrk="0" hangingPunct="1">
+              <a:lnSpc>
+                <a:spcPct val="110000"/>
+              </a:lnSpc>
+              <a:spcBef>
+                <a:spcPts val="700"/>
+              </a:spcBef>
+              <a:buClr>
+                <a:schemeClr val="tx2"/>
+              </a:buClr>
+              <a:buFont typeface="Arial" panose="020B0604020202020204" pitchFamily="34" charset="0"/>
+              <a:buChar char="•"/>
+              <a:defRPr sz="1400" kern="1200">
+                <a:solidFill>
+                  <a:schemeClr val="tx1">
+                    <a:lumMod val="65000"/>
+                    <a:lumOff val="35000"/>
+                  </a:schemeClr>
+                </a:solidFill>
+                <a:latin typeface="+mn-lt"/>
+                <a:ea typeface="+mn-ea"/>
+                <a:cs typeface="+mn-cs"/>
+              </a:defRPr>
+            </a:lvl7pPr>
+            <a:lvl8pPr marL="3429000" indent="-228600" algn="l" defTabSz="914400" rtl="0" eaLnBrk="1" latinLnBrk="0" hangingPunct="1">
+              <a:lnSpc>
+                <a:spcPct val="110000"/>
+              </a:lnSpc>
+              <a:spcBef>
+                <a:spcPts val="700"/>
+              </a:spcBef>
+              <a:buClr>
+                <a:schemeClr val="tx2"/>
+              </a:buClr>
+              <a:buFont typeface="Gill Sans MT" panose="020B0502020104020203" pitchFamily="34" charset="0"/>
+              <a:buChar char="–"/>
+              <a:defRPr sz="1400" kern="1200" baseline="0">
+                <a:solidFill>
+                  <a:schemeClr val="tx1">
+                    <a:lumMod val="65000"/>
+                    <a:lumOff val="35000"/>
+                  </a:schemeClr>
+                </a:solidFill>
+                <a:latin typeface="+mn-lt"/>
+                <a:ea typeface="+mn-ea"/>
+                <a:cs typeface="+mn-cs"/>
+              </a:defRPr>
+            </a:lvl8pPr>
+            <a:lvl9pPr marL="3886200" indent="-228600" algn="l" defTabSz="914400" rtl="0" eaLnBrk="1" latinLnBrk="0" hangingPunct="1">
+              <a:lnSpc>
+                <a:spcPct val="110000"/>
+              </a:lnSpc>
+              <a:spcBef>
+                <a:spcPts val="700"/>
+              </a:spcBef>
+              <a:buClr>
+                <a:schemeClr val="tx2"/>
+              </a:buClr>
+              <a:buFont typeface="Arial" panose="020B0604020202020204" pitchFamily="34" charset="0"/>
+              <a:buChar char="•"/>
+              <a:defRPr sz="1400" kern="1200" baseline="0">
+                <a:solidFill>
+                  <a:schemeClr val="tx1">
+                    <a:lumMod val="65000"/>
+                    <a:lumOff val="35000"/>
+                  </a:schemeClr>
+                </a:solidFill>
+                <a:latin typeface="+mn-lt"/>
+                <a:ea typeface="+mn-ea"/>
+                <a:cs typeface="+mn-cs"/>
+              </a:defRPr>
+            </a:lvl9pPr>
+          </a:lstStyle>
+          <a:p>
+            <a:pPr marL="0" indent="0">
+              <a:buFont typeface="Arial" panose="020B0604020202020204" pitchFamily="34" charset="0"/>
+              <a:buNone/>
+            </a:pPr>
+            <a:r>
+              <a:rPr lang="en-GB" dirty="0"/>
+              <a:t>Cars</a:t>
+            </a:r>
+          </a:p>
+        </p:txBody>
+      </p:sp>
+      <p:sp>
+        <p:nvSpPr>
+          <p:cNvPr id="12" name="Content Placeholder 2">
+            <a:extLst>
+              <a:ext uri="{FF2B5EF4-FFF2-40B4-BE49-F238E27FC236}">
+                <a16:creationId xmlns:a16="http://schemas.microsoft.com/office/drawing/2014/main" id="{29A646F3-F896-434F-8F73-370A116CEAEE}"/>
+              </a:ext>
+            </a:extLst>
+          </p:cNvPr>
+          <p:cNvSpPr txBox="1">
+            <a:spLocks/>
+          </p:cNvSpPr>
+          <p:nvPr/>
+        </p:nvSpPr>
+        <p:spPr>
+          <a:xfrm>
+            <a:off x="2224454" y="5484071"/>
+            <a:ext cx="1227126" cy="558599"/>
+          </a:xfrm>
+          <a:prstGeom prst="rect">
+            <a:avLst/>
+          </a:prstGeom>
+        </p:spPr>
+        <p:txBody>
+          <a:bodyPr vert="horz" lIns="91440" tIns="45720" rIns="91440" bIns="45720" rtlCol="0">
+            <a:normAutofit fontScale="85000" lnSpcReduction="10000"/>
+          </a:bodyPr>
+          <a:lstStyle>
+            <a:lvl1pPr marL="228600" indent="-228600" algn="l" defTabSz="914400" rtl="0" eaLnBrk="1" latinLnBrk="0" hangingPunct="1">
+              <a:lnSpc>
+                <a:spcPct val="110000"/>
+              </a:lnSpc>
+              <a:spcBef>
+                <a:spcPts val="700"/>
+              </a:spcBef>
+              <a:buClr>
+                <a:schemeClr val="tx2"/>
+              </a:buClr>
+              <a:buFont typeface="Arial" panose="020B0604020202020204" pitchFamily="34" charset="0"/>
+              <a:buChar char="•"/>
+              <a:defRPr sz="2000" kern="1200">
+                <a:solidFill>
+                  <a:schemeClr val="tx1">
+                    <a:lumMod val="65000"/>
+                    <a:lumOff val="35000"/>
+                  </a:schemeClr>
+                </a:solidFill>
+                <a:latin typeface="+mn-lt"/>
+                <a:ea typeface="+mn-ea"/>
+                <a:cs typeface="+mn-cs"/>
+              </a:defRPr>
+            </a:lvl1pPr>
+            <a:lvl2pPr marL="685800" indent="-228600" algn="l" defTabSz="914400" rtl="0" eaLnBrk="1" latinLnBrk="0" hangingPunct="1">
+              <a:lnSpc>
+                <a:spcPct val="110000"/>
+              </a:lnSpc>
+              <a:spcBef>
+                <a:spcPts val="700"/>
+              </a:spcBef>
+              <a:buClr>
+                <a:schemeClr val="tx2"/>
+              </a:buClr>
+              <a:buFont typeface="Gill Sans MT" panose="020B0502020104020203" pitchFamily="34" charset="0"/>
+              <a:buChar char="–"/>
+              <a:defRPr sz="1800" kern="1200">
+                <a:solidFill>
+                  <a:schemeClr val="tx1">
+                    <a:lumMod val="65000"/>
+                    <a:lumOff val="35000"/>
+                  </a:schemeClr>
+                </a:solidFill>
+                <a:latin typeface="+mn-lt"/>
+                <a:ea typeface="+mn-ea"/>
+                <a:cs typeface="+mn-cs"/>
+              </a:defRPr>
+            </a:lvl2pPr>
+            <a:lvl3pPr marL="1143000" indent="-228600" algn="l" defTabSz="914400" rtl="0" eaLnBrk="1" latinLnBrk="0" hangingPunct="1">
+              <a:lnSpc>
+                <a:spcPct val="110000"/>
+              </a:lnSpc>
+              <a:spcBef>
+                <a:spcPts val="700"/>
+              </a:spcBef>
+              <a:buClr>
+                <a:schemeClr val="tx2"/>
+              </a:buClr>
+              <a:buFont typeface="Arial" panose="020B0604020202020204" pitchFamily="34" charset="0"/>
+              <a:buChar char="•"/>
+              <a:defRPr sz="1600" kern="1200">
+                <a:solidFill>
+                  <a:schemeClr val="tx1">
+                    <a:lumMod val="65000"/>
+                    <a:lumOff val="35000"/>
+                  </a:schemeClr>
+                </a:solidFill>
+                <a:latin typeface="+mn-lt"/>
+                <a:ea typeface="+mn-ea"/>
+                <a:cs typeface="+mn-cs"/>
+              </a:defRPr>
+            </a:lvl3pPr>
+            <a:lvl4pPr marL="1600200" indent="-228600" algn="l" defTabSz="914400" rtl="0" eaLnBrk="1" latinLnBrk="0" hangingPunct="1">
+              <a:lnSpc>
+                <a:spcPct val="110000"/>
+              </a:lnSpc>
+              <a:spcBef>
+                <a:spcPts val="700"/>
+              </a:spcBef>
+              <a:buClr>
+                <a:schemeClr val="tx2"/>
+              </a:buClr>
+              <a:buFont typeface="Gill Sans MT" panose="020B0502020104020203" pitchFamily="34" charset="0"/>
+              <a:buChar char="–"/>
+              <a:defRPr sz="1400" kern="1200">
+                <a:solidFill>
+                  <a:schemeClr val="tx1">
+                    <a:lumMod val="65000"/>
+                    <a:lumOff val="35000"/>
+                  </a:schemeClr>
+                </a:solidFill>
+                <a:latin typeface="+mn-lt"/>
+                <a:ea typeface="+mn-ea"/>
+                <a:cs typeface="+mn-cs"/>
+              </a:defRPr>
+            </a:lvl4pPr>
+            <a:lvl5pPr marL="2057400" indent="-228600" algn="l" defTabSz="914400" rtl="0" eaLnBrk="1" latinLnBrk="0" hangingPunct="1">
+              <a:lnSpc>
+                <a:spcPct val="110000"/>
+              </a:lnSpc>
+              <a:spcBef>
+                <a:spcPts val="700"/>
+              </a:spcBef>
+              <a:buClr>
+                <a:schemeClr val="tx2"/>
+              </a:buClr>
+              <a:buFont typeface="Arial" panose="020B0604020202020204" pitchFamily="34" charset="0"/>
+              <a:buChar char="•"/>
+              <a:defRPr sz="1400" kern="1200">
+                <a:solidFill>
+                  <a:schemeClr val="tx1">
+                    <a:lumMod val="65000"/>
+                    <a:lumOff val="35000"/>
+                  </a:schemeClr>
+                </a:solidFill>
+                <a:latin typeface="+mn-lt"/>
+                <a:ea typeface="+mn-ea"/>
+                <a:cs typeface="+mn-cs"/>
+              </a:defRPr>
+            </a:lvl5pPr>
+            <a:lvl6pPr marL="2514600" indent="-228600" algn="l" defTabSz="914400" rtl="0" eaLnBrk="1" latinLnBrk="0" hangingPunct="1">
+              <a:lnSpc>
+                <a:spcPct val="110000"/>
+              </a:lnSpc>
+              <a:spcBef>
+                <a:spcPts val="700"/>
+              </a:spcBef>
+              <a:buClr>
+                <a:schemeClr val="tx2"/>
+              </a:buClr>
+              <a:buFont typeface="Gill Sans MT" panose="020B0502020104020203" pitchFamily="34" charset="0"/>
+              <a:buChar char="–"/>
+              <a:defRPr sz="1400" kern="1200">
+                <a:solidFill>
+                  <a:schemeClr val="tx1">
+                    <a:lumMod val="65000"/>
+                    <a:lumOff val="35000"/>
+                  </a:schemeClr>
+                </a:solidFill>
+                <a:latin typeface="+mn-lt"/>
+                <a:ea typeface="+mn-ea"/>
+                <a:cs typeface="+mn-cs"/>
+              </a:defRPr>
+            </a:lvl6pPr>
+            <a:lvl7pPr marL="2971800" indent="-228600" algn="l" defTabSz="914400" rtl="0" eaLnBrk="1" latinLnBrk="0" hangingPunct="1">
+              <a:lnSpc>
+                <a:spcPct val="110000"/>
+              </a:lnSpc>
+              <a:spcBef>
+                <a:spcPts val="700"/>
+              </a:spcBef>
+              <a:buClr>
+                <a:schemeClr val="tx2"/>
+              </a:buClr>
+              <a:buFont typeface="Arial" panose="020B0604020202020204" pitchFamily="34" charset="0"/>
+              <a:buChar char="•"/>
+              <a:defRPr sz="1400" kern="1200">
+                <a:solidFill>
+                  <a:schemeClr val="tx1">
+                    <a:lumMod val="65000"/>
+                    <a:lumOff val="35000"/>
+                  </a:schemeClr>
+                </a:solidFill>
+                <a:latin typeface="+mn-lt"/>
+                <a:ea typeface="+mn-ea"/>
+                <a:cs typeface="+mn-cs"/>
+              </a:defRPr>
+            </a:lvl7pPr>
+            <a:lvl8pPr marL="3429000" indent="-228600" algn="l" defTabSz="914400" rtl="0" eaLnBrk="1" latinLnBrk="0" hangingPunct="1">
+              <a:lnSpc>
+                <a:spcPct val="110000"/>
+              </a:lnSpc>
+              <a:spcBef>
+                <a:spcPts val="700"/>
+              </a:spcBef>
+              <a:buClr>
+                <a:schemeClr val="tx2"/>
+              </a:buClr>
+              <a:buFont typeface="Gill Sans MT" panose="020B0502020104020203" pitchFamily="34" charset="0"/>
+              <a:buChar char="–"/>
+              <a:defRPr sz="1400" kern="1200" baseline="0">
+                <a:solidFill>
+                  <a:schemeClr val="tx1">
+                    <a:lumMod val="65000"/>
+                    <a:lumOff val="35000"/>
+                  </a:schemeClr>
+                </a:solidFill>
+                <a:latin typeface="+mn-lt"/>
+                <a:ea typeface="+mn-ea"/>
+                <a:cs typeface="+mn-cs"/>
+              </a:defRPr>
+            </a:lvl8pPr>
+            <a:lvl9pPr marL="3886200" indent="-228600" algn="l" defTabSz="914400" rtl="0" eaLnBrk="1" latinLnBrk="0" hangingPunct="1">
+              <a:lnSpc>
+                <a:spcPct val="110000"/>
+              </a:lnSpc>
+              <a:spcBef>
+                <a:spcPts val="700"/>
+              </a:spcBef>
+              <a:buClr>
+                <a:schemeClr val="tx2"/>
+              </a:buClr>
+              <a:buFont typeface="Arial" panose="020B0604020202020204" pitchFamily="34" charset="0"/>
+              <a:buChar char="•"/>
+              <a:defRPr sz="1400" kern="1200" baseline="0">
+                <a:solidFill>
+                  <a:schemeClr val="tx1">
+                    <a:lumMod val="65000"/>
+                    <a:lumOff val="35000"/>
+                  </a:schemeClr>
+                </a:solidFill>
+                <a:latin typeface="+mn-lt"/>
+                <a:ea typeface="+mn-ea"/>
+                <a:cs typeface="+mn-cs"/>
+              </a:defRPr>
+            </a:lvl9pPr>
+          </a:lstStyle>
+          <a:p>
+            <a:pPr marL="0" indent="0">
+              <a:buFont typeface="Arial" panose="020B0604020202020204" pitchFamily="34" charset="0"/>
+              <a:buNone/>
+            </a:pPr>
+            <a:r>
+              <a:rPr lang="en-GB" dirty="0"/>
+              <a:t>Parachutes</a:t>
+            </a:r>
+          </a:p>
+        </p:txBody>
+      </p:sp>
+      <p:sp>
+        <p:nvSpPr>
+          <p:cNvPr id="13" name="Content Placeholder 2">
+            <a:extLst>
+              <a:ext uri="{FF2B5EF4-FFF2-40B4-BE49-F238E27FC236}">
+                <a16:creationId xmlns:a16="http://schemas.microsoft.com/office/drawing/2014/main" id="{ED2E94C0-7CBC-4FB7-9F30-A4D0B8C4EE54}"/>
+              </a:ext>
+            </a:extLst>
+          </p:cNvPr>
+          <p:cNvSpPr txBox="1">
+            <a:spLocks/>
+          </p:cNvSpPr>
+          <p:nvPr/>
+        </p:nvSpPr>
+        <p:spPr>
+          <a:xfrm>
+            <a:off x="7520905" y="2056525"/>
+            <a:ext cx="2238557" cy="558599"/>
+          </a:xfrm>
+          <a:prstGeom prst="rect">
+            <a:avLst/>
+          </a:prstGeom>
+        </p:spPr>
+        <p:txBody>
+          <a:bodyPr vert="horz" lIns="91440" tIns="45720" rIns="91440" bIns="45720" rtlCol="0">
+            <a:normAutofit fontScale="85000" lnSpcReduction="10000"/>
+          </a:bodyPr>
+          <a:lstStyle>
+            <a:lvl1pPr marL="228600" indent="-228600" algn="l" defTabSz="914400" rtl="0" eaLnBrk="1" latinLnBrk="0" hangingPunct="1">
+              <a:lnSpc>
+                <a:spcPct val="110000"/>
+              </a:lnSpc>
+              <a:spcBef>
+                <a:spcPts val="700"/>
+              </a:spcBef>
+              <a:buClr>
+                <a:schemeClr val="tx2"/>
+              </a:buClr>
+              <a:buFont typeface="Arial" panose="020B0604020202020204" pitchFamily="34" charset="0"/>
+              <a:buChar char="•"/>
+              <a:defRPr sz="2000" kern="1200">
+                <a:solidFill>
+                  <a:schemeClr val="tx1">
+                    <a:lumMod val="65000"/>
+                    <a:lumOff val="35000"/>
+                  </a:schemeClr>
+                </a:solidFill>
+                <a:latin typeface="+mn-lt"/>
+                <a:ea typeface="+mn-ea"/>
+                <a:cs typeface="+mn-cs"/>
+              </a:defRPr>
+            </a:lvl1pPr>
+            <a:lvl2pPr marL="685800" indent="-228600" algn="l" defTabSz="914400" rtl="0" eaLnBrk="1" latinLnBrk="0" hangingPunct="1">
+              <a:lnSpc>
+                <a:spcPct val="110000"/>
+              </a:lnSpc>
+              <a:spcBef>
+                <a:spcPts val="700"/>
+              </a:spcBef>
+              <a:buClr>
+                <a:schemeClr val="tx2"/>
+              </a:buClr>
+              <a:buFont typeface="Gill Sans MT" panose="020B0502020104020203" pitchFamily="34" charset="0"/>
+              <a:buChar char="–"/>
+              <a:defRPr sz="1800" kern="1200">
+                <a:solidFill>
+                  <a:schemeClr val="tx1">
+                    <a:lumMod val="65000"/>
+                    <a:lumOff val="35000"/>
+                  </a:schemeClr>
+                </a:solidFill>
+                <a:latin typeface="+mn-lt"/>
+                <a:ea typeface="+mn-ea"/>
+                <a:cs typeface="+mn-cs"/>
+              </a:defRPr>
+            </a:lvl2pPr>
+            <a:lvl3pPr marL="1143000" indent="-228600" algn="l" defTabSz="914400" rtl="0" eaLnBrk="1" latinLnBrk="0" hangingPunct="1">
+              <a:lnSpc>
+                <a:spcPct val="110000"/>
+              </a:lnSpc>
+              <a:spcBef>
+                <a:spcPts val="700"/>
+              </a:spcBef>
+              <a:buClr>
+                <a:schemeClr val="tx2"/>
+              </a:buClr>
+              <a:buFont typeface="Arial" panose="020B0604020202020204" pitchFamily="34" charset="0"/>
+              <a:buChar char="•"/>
+              <a:defRPr sz="1600" kern="1200">
+                <a:solidFill>
+                  <a:schemeClr val="tx1">
+                    <a:lumMod val="65000"/>
+                    <a:lumOff val="35000"/>
+                  </a:schemeClr>
+                </a:solidFill>
+                <a:latin typeface="+mn-lt"/>
+                <a:ea typeface="+mn-ea"/>
+                <a:cs typeface="+mn-cs"/>
+              </a:defRPr>
+            </a:lvl3pPr>
+            <a:lvl4pPr marL="1600200" indent="-228600" algn="l" defTabSz="914400" rtl="0" eaLnBrk="1" latinLnBrk="0" hangingPunct="1">
+              <a:lnSpc>
+                <a:spcPct val="110000"/>
+              </a:lnSpc>
+              <a:spcBef>
+                <a:spcPts val="700"/>
+              </a:spcBef>
+              <a:buClr>
+                <a:schemeClr val="tx2"/>
+              </a:buClr>
+              <a:buFont typeface="Gill Sans MT" panose="020B0502020104020203" pitchFamily="34" charset="0"/>
+              <a:buChar char="–"/>
+              <a:defRPr sz="1400" kern="1200">
+                <a:solidFill>
+                  <a:schemeClr val="tx1">
+                    <a:lumMod val="65000"/>
+                    <a:lumOff val="35000"/>
+                  </a:schemeClr>
+                </a:solidFill>
+                <a:latin typeface="+mn-lt"/>
+                <a:ea typeface="+mn-ea"/>
+                <a:cs typeface="+mn-cs"/>
+              </a:defRPr>
+            </a:lvl4pPr>
+            <a:lvl5pPr marL="2057400" indent="-228600" algn="l" defTabSz="914400" rtl="0" eaLnBrk="1" latinLnBrk="0" hangingPunct="1">
+              <a:lnSpc>
+                <a:spcPct val="110000"/>
+              </a:lnSpc>
+              <a:spcBef>
+                <a:spcPts val="700"/>
+              </a:spcBef>
+              <a:buClr>
+                <a:schemeClr val="tx2"/>
+              </a:buClr>
+              <a:buFont typeface="Arial" panose="020B0604020202020204" pitchFamily="34" charset="0"/>
+              <a:buChar char="•"/>
+              <a:defRPr sz="1400" kern="1200">
+                <a:solidFill>
+                  <a:schemeClr val="tx1">
+                    <a:lumMod val="65000"/>
+                    <a:lumOff val="35000"/>
+                  </a:schemeClr>
+                </a:solidFill>
+                <a:latin typeface="+mn-lt"/>
+                <a:ea typeface="+mn-ea"/>
+                <a:cs typeface="+mn-cs"/>
+              </a:defRPr>
+            </a:lvl5pPr>
+            <a:lvl6pPr marL="2514600" indent="-228600" algn="l" defTabSz="914400" rtl="0" eaLnBrk="1" latinLnBrk="0" hangingPunct="1">
+              <a:lnSpc>
+                <a:spcPct val="110000"/>
+              </a:lnSpc>
+              <a:spcBef>
+                <a:spcPts val="700"/>
+              </a:spcBef>
+              <a:buClr>
+                <a:schemeClr val="tx2"/>
+              </a:buClr>
+              <a:buFont typeface="Gill Sans MT" panose="020B0502020104020203" pitchFamily="34" charset="0"/>
+              <a:buChar char="–"/>
+              <a:defRPr sz="1400" kern="1200">
+                <a:solidFill>
+                  <a:schemeClr val="tx1">
+                    <a:lumMod val="65000"/>
+                    <a:lumOff val="35000"/>
+                  </a:schemeClr>
+                </a:solidFill>
+                <a:latin typeface="+mn-lt"/>
+                <a:ea typeface="+mn-ea"/>
+                <a:cs typeface="+mn-cs"/>
+              </a:defRPr>
+            </a:lvl6pPr>
+            <a:lvl7pPr marL="2971800" indent="-228600" algn="l" defTabSz="914400" rtl="0" eaLnBrk="1" latinLnBrk="0" hangingPunct="1">
+              <a:lnSpc>
+                <a:spcPct val="110000"/>
+              </a:lnSpc>
+              <a:spcBef>
+                <a:spcPts val="700"/>
+              </a:spcBef>
+              <a:buClr>
+                <a:schemeClr val="tx2"/>
+              </a:buClr>
+              <a:buFont typeface="Arial" panose="020B0604020202020204" pitchFamily="34" charset="0"/>
+              <a:buChar char="•"/>
+              <a:defRPr sz="1400" kern="1200">
+                <a:solidFill>
+                  <a:schemeClr val="tx1">
+                    <a:lumMod val="65000"/>
+                    <a:lumOff val="35000"/>
+                  </a:schemeClr>
+                </a:solidFill>
+                <a:latin typeface="+mn-lt"/>
+                <a:ea typeface="+mn-ea"/>
+                <a:cs typeface="+mn-cs"/>
+              </a:defRPr>
+            </a:lvl7pPr>
+            <a:lvl8pPr marL="3429000" indent="-228600" algn="l" defTabSz="914400" rtl="0" eaLnBrk="1" latinLnBrk="0" hangingPunct="1">
+              <a:lnSpc>
+                <a:spcPct val="110000"/>
+              </a:lnSpc>
+              <a:spcBef>
+                <a:spcPts val="700"/>
+              </a:spcBef>
+              <a:buClr>
+                <a:schemeClr val="tx2"/>
+              </a:buClr>
+              <a:buFont typeface="Gill Sans MT" panose="020B0502020104020203" pitchFamily="34" charset="0"/>
+              <a:buChar char="–"/>
+              <a:defRPr sz="1400" kern="1200" baseline="0">
+                <a:solidFill>
+                  <a:schemeClr val="tx1">
+                    <a:lumMod val="65000"/>
+                    <a:lumOff val="35000"/>
+                  </a:schemeClr>
+                </a:solidFill>
+                <a:latin typeface="+mn-lt"/>
+                <a:ea typeface="+mn-ea"/>
+                <a:cs typeface="+mn-cs"/>
+              </a:defRPr>
+            </a:lvl8pPr>
+            <a:lvl9pPr marL="3886200" indent="-228600" algn="l" defTabSz="914400" rtl="0" eaLnBrk="1" latinLnBrk="0" hangingPunct="1">
+              <a:lnSpc>
+                <a:spcPct val="110000"/>
+              </a:lnSpc>
+              <a:spcBef>
+                <a:spcPts val="700"/>
+              </a:spcBef>
+              <a:buClr>
+                <a:schemeClr val="tx2"/>
+              </a:buClr>
+              <a:buFont typeface="Arial" panose="020B0604020202020204" pitchFamily="34" charset="0"/>
+              <a:buChar char="•"/>
+              <a:defRPr sz="1400" kern="1200" baseline="0">
+                <a:solidFill>
+                  <a:schemeClr val="tx1">
+                    <a:lumMod val="65000"/>
+                    <a:lumOff val="35000"/>
+                  </a:schemeClr>
+                </a:solidFill>
+                <a:latin typeface="+mn-lt"/>
+                <a:ea typeface="+mn-ea"/>
+                <a:cs typeface="+mn-cs"/>
+              </a:defRPr>
+            </a:lvl9pPr>
+          </a:lstStyle>
+          <a:p>
+            <a:pPr marL="0" indent="0">
+              <a:buFont typeface="Arial" panose="020B0604020202020204" pitchFamily="34" charset="0"/>
+              <a:buNone/>
+            </a:pPr>
+            <a:r>
+              <a:rPr lang="en-GB" dirty="0"/>
+              <a:t>Infrastructure Systems</a:t>
+            </a:r>
+          </a:p>
+        </p:txBody>
+      </p:sp>
+      <p:sp>
+        <p:nvSpPr>
+          <p:cNvPr id="14" name="Content Placeholder 2">
+            <a:extLst>
+              <a:ext uri="{FF2B5EF4-FFF2-40B4-BE49-F238E27FC236}">
+                <a16:creationId xmlns:a16="http://schemas.microsoft.com/office/drawing/2014/main" id="{7DD4DD9D-21C7-45B3-A03A-F484C454A9B0}"/>
+              </a:ext>
+            </a:extLst>
+          </p:cNvPr>
+          <p:cNvSpPr txBox="1">
+            <a:spLocks/>
+          </p:cNvSpPr>
+          <p:nvPr/>
+        </p:nvSpPr>
+        <p:spPr>
+          <a:xfrm>
+            <a:off x="3297180" y="2681078"/>
+            <a:ext cx="1189619" cy="558599"/>
+          </a:xfrm>
+          <a:prstGeom prst="rect">
+            <a:avLst/>
+          </a:prstGeom>
+        </p:spPr>
+        <p:txBody>
+          <a:bodyPr vert="horz" lIns="91440" tIns="45720" rIns="91440" bIns="45720" rtlCol="0">
+            <a:normAutofit/>
+          </a:bodyPr>
+          <a:lstStyle>
+            <a:lvl1pPr marL="228600" indent="-228600" algn="l" defTabSz="914400" rtl="0" eaLnBrk="1" latinLnBrk="0" hangingPunct="1">
+              <a:lnSpc>
+                <a:spcPct val="110000"/>
+              </a:lnSpc>
+              <a:spcBef>
+                <a:spcPts val="700"/>
+              </a:spcBef>
+              <a:buClr>
+                <a:schemeClr val="tx2"/>
+              </a:buClr>
+              <a:buFont typeface="Arial" panose="020B0604020202020204" pitchFamily="34" charset="0"/>
+              <a:buChar char="•"/>
+              <a:defRPr sz="2000" kern="1200">
+                <a:solidFill>
+                  <a:schemeClr val="tx1">
+                    <a:lumMod val="65000"/>
+                    <a:lumOff val="35000"/>
+                  </a:schemeClr>
+                </a:solidFill>
+                <a:latin typeface="+mn-lt"/>
+                <a:ea typeface="+mn-ea"/>
+                <a:cs typeface="+mn-cs"/>
+              </a:defRPr>
+            </a:lvl1pPr>
+            <a:lvl2pPr marL="685800" indent="-228600" algn="l" defTabSz="914400" rtl="0" eaLnBrk="1" latinLnBrk="0" hangingPunct="1">
+              <a:lnSpc>
+                <a:spcPct val="110000"/>
+              </a:lnSpc>
+              <a:spcBef>
+                <a:spcPts val="700"/>
+              </a:spcBef>
+              <a:buClr>
+                <a:schemeClr val="tx2"/>
+              </a:buClr>
+              <a:buFont typeface="Gill Sans MT" panose="020B0502020104020203" pitchFamily="34" charset="0"/>
+              <a:buChar char="–"/>
+              <a:defRPr sz="1800" kern="1200">
+                <a:solidFill>
+                  <a:schemeClr val="tx1">
+                    <a:lumMod val="65000"/>
+                    <a:lumOff val="35000"/>
+                  </a:schemeClr>
+                </a:solidFill>
+                <a:latin typeface="+mn-lt"/>
+                <a:ea typeface="+mn-ea"/>
+                <a:cs typeface="+mn-cs"/>
+              </a:defRPr>
+            </a:lvl2pPr>
+            <a:lvl3pPr marL="1143000" indent="-228600" algn="l" defTabSz="914400" rtl="0" eaLnBrk="1" latinLnBrk="0" hangingPunct="1">
+              <a:lnSpc>
+                <a:spcPct val="110000"/>
+              </a:lnSpc>
+              <a:spcBef>
+                <a:spcPts val="700"/>
+              </a:spcBef>
+              <a:buClr>
+                <a:schemeClr val="tx2"/>
+              </a:buClr>
+              <a:buFont typeface="Arial" panose="020B0604020202020204" pitchFamily="34" charset="0"/>
+              <a:buChar char="•"/>
+              <a:defRPr sz="1600" kern="1200">
+                <a:solidFill>
+                  <a:schemeClr val="tx1">
+                    <a:lumMod val="65000"/>
+                    <a:lumOff val="35000"/>
+                  </a:schemeClr>
+                </a:solidFill>
+                <a:latin typeface="+mn-lt"/>
+                <a:ea typeface="+mn-ea"/>
+                <a:cs typeface="+mn-cs"/>
+              </a:defRPr>
+            </a:lvl3pPr>
+            <a:lvl4pPr marL="1600200" indent="-228600" algn="l" defTabSz="914400" rtl="0" eaLnBrk="1" latinLnBrk="0" hangingPunct="1">
+              <a:lnSpc>
+                <a:spcPct val="110000"/>
+              </a:lnSpc>
+              <a:spcBef>
+                <a:spcPts val="700"/>
+              </a:spcBef>
+              <a:buClr>
+                <a:schemeClr val="tx2"/>
+              </a:buClr>
+              <a:buFont typeface="Gill Sans MT" panose="020B0502020104020203" pitchFamily="34" charset="0"/>
+              <a:buChar char="–"/>
+              <a:defRPr sz="1400" kern="1200">
+                <a:solidFill>
+                  <a:schemeClr val="tx1">
+                    <a:lumMod val="65000"/>
+                    <a:lumOff val="35000"/>
+                  </a:schemeClr>
+                </a:solidFill>
+                <a:latin typeface="+mn-lt"/>
+                <a:ea typeface="+mn-ea"/>
+                <a:cs typeface="+mn-cs"/>
+              </a:defRPr>
+            </a:lvl4pPr>
+            <a:lvl5pPr marL="2057400" indent="-228600" algn="l" defTabSz="914400" rtl="0" eaLnBrk="1" latinLnBrk="0" hangingPunct="1">
+              <a:lnSpc>
+                <a:spcPct val="110000"/>
+              </a:lnSpc>
+              <a:spcBef>
+                <a:spcPts val="700"/>
+              </a:spcBef>
+              <a:buClr>
+                <a:schemeClr val="tx2"/>
+              </a:buClr>
+              <a:buFont typeface="Arial" panose="020B0604020202020204" pitchFamily="34" charset="0"/>
+              <a:buChar char="•"/>
+              <a:defRPr sz="1400" kern="1200">
+                <a:solidFill>
+                  <a:schemeClr val="tx1">
+                    <a:lumMod val="65000"/>
+                    <a:lumOff val="35000"/>
+                  </a:schemeClr>
+                </a:solidFill>
+                <a:latin typeface="+mn-lt"/>
+                <a:ea typeface="+mn-ea"/>
+                <a:cs typeface="+mn-cs"/>
+              </a:defRPr>
+            </a:lvl5pPr>
+            <a:lvl6pPr marL="2514600" indent="-228600" algn="l" defTabSz="914400" rtl="0" eaLnBrk="1" latinLnBrk="0" hangingPunct="1">
+              <a:lnSpc>
+                <a:spcPct val="110000"/>
+              </a:lnSpc>
+              <a:spcBef>
+                <a:spcPts val="700"/>
+              </a:spcBef>
+              <a:buClr>
+                <a:schemeClr val="tx2"/>
+              </a:buClr>
+              <a:buFont typeface="Gill Sans MT" panose="020B0502020104020203" pitchFamily="34" charset="0"/>
+              <a:buChar char="–"/>
+              <a:defRPr sz="1400" kern="1200">
+                <a:solidFill>
+                  <a:schemeClr val="tx1">
+                    <a:lumMod val="65000"/>
+                    <a:lumOff val="35000"/>
+                  </a:schemeClr>
+                </a:solidFill>
+                <a:latin typeface="+mn-lt"/>
+                <a:ea typeface="+mn-ea"/>
+                <a:cs typeface="+mn-cs"/>
+              </a:defRPr>
+            </a:lvl6pPr>
+            <a:lvl7pPr marL="2971800" indent="-228600" algn="l" defTabSz="914400" rtl="0" eaLnBrk="1" latinLnBrk="0" hangingPunct="1">
+              <a:lnSpc>
+                <a:spcPct val="110000"/>
+              </a:lnSpc>
+              <a:spcBef>
+                <a:spcPts val="700"/>
+              </a:spcBef>
+              <a:buClr>
+                <a:schemeClr val="tx2"/>
+              </a:buClr>
+              <a:buFont typeface="Arial" panose="020B0604020202020204" pitchFamily="34" charset="0"/>
+              <a:buChar char="•"/>
+              <a:defRPr sz="1400" kern="1200">
+                <a:solidFill>
+                  <a:schemeClr val="tx1">
+                    <a:lumMod val="65000"/>
+                    <a:lumOff val="35000"/>
+                  </a:schemeClr>
+                </a:solidFill>
+                <a:latin typeface="+mn-lt"/>
+                <a:ea typeface="+mn-ea"/>
+                <a:cs typeface="+mn-cs"/>
+              </a:defRPr>
+            </a:lvl7pPr>
+            <a:lvl8pPr marL="3429000" indent="-228600" algn="l" defTabSz="914400" rtl="0" eaLnBrk="1" latinLnBrk="0" hangingPunct="1">
+              <a:lnSpc>
+                <a:spcPct val="110000"/>
+              </a:lnSpc>
+              <a:spcBef>
+                <a:spcPts val="700"/>
+              </a:spcBef>
+              <a:buClr>
+                <a:schemeClr val="tx2"/>
+              </a:buClr>
+              <a:buFont typeface="Gill Sans MT" panose="020B0502020104020203" pitchFamily="34" charset="0"/>
+              <a:buChar char="–"/>
+              <a:defRPr sz="1400" kern="1200" baseline="0">
+                <a:solidFill>
+                  <a:schemeClr val="tx1">
+                    <a:lumMod val="65000"/>
+                    <a:lumOff val="35000"/>
+                  </a:schemeClr>
+                </a:solidFill>
+                <a:latin typeface="+mn-lt"/>
+                <a:ea typeface="+mn-ea"/>
+                <a:cs typeface="+mn-cs"/>
+              </a:defRPr>
+            </a:lvl8pPr>
+            <a:lvl9pPr marL="3886200" indent="-228600" algn="l" defTabSz="914400" rtl="0" eaLnBrk="1" latinLnBrk="0" hangingPunct="1">
+              <a:lnSpc>
+                <a:spcPct val="110000"/>
+              </a:lnSpc>
+              <a:spcBef>
+                <a:spcPts val="700"/>
+              </a:spcBef>
+              <a:buClr>
+                <a:schemeClr val="tx2"/>
+              </a:buClr>
+              <a:buFont typeface="Arial" panose="020B0604020202020204" pitchFamily="34" charset="0"/>
+              <a:buChar char="•"/>
+              <a:defRPr sz="1400" kern="1200" baseline="0">
+                <a:solidFill>
+                  <a:schemeClr val="tx1">
+                    <a:lumMod val="65000"/>
+                    <a:lumOff val="35000"/>
+                  </a:schemeClr>
+                </a:solidFill>
+                <a:latin typeface="+mn-lt"/>
+                <a:ea typeface="+mn-ea"/>
+                <a:cs typeface="+mn-cs"/>
+              </a:defRPr>
+            </a:lvl9pPr>
+          </a:lstStyle>
+          <a:p>
+            <a:pPr marL="0" indent="0">
+              <a:buFont typeface="Arial" panose="020B0604020202020204" pitchFamily="34" charset="0"/>
+              <a:buNone/>
+            </a:pPr>
+            <a:r>
+              <a:rPr lang="en-GB" dirty="0"/>
+              <a:t>Building</a:t>
+            </a:r>
+          </a:p>
+        </p:txBody>
+      </p:sp>
+    </p:spTree>
+    <p:extLst>
+      <p:ext uri="{BB962C8B-B14F-4D97-AF65-F5344CB8AC3E}">
+        <p14:creationId xmlns:p14="http://schemas.microsoft.com/office/powerpoint/2010/main" val="3166568393"/>
+      </p:ext>
+    </p:extLst>
+  </p:cSld>
+  <p:clrMapOvr>
+    <a:masterClrMapping/>
+  </p:clrMapOvr>
+</p:sld>
+</file>
+
+<file path=ppt/slides/slide12.xml><?xml version="1.0" encoding="utf-8"?>
+<p:sld xmlns:a="http://schemas.openxmlformats.org/drawingml/2006/main" xmlns:r="http://schemas.openxmlformats.org/officeDocument/2006/relationships" xmlns:p="http://schemas.openxmlformats.org/presentationml/2006/main">
+  <p:cSld>
+    <p:spTree>
+      <p:nvGrpSpPr>
+        <p:cNvPr id="1" name=""/>
+        <p:cNvGrpSpPr/>
+        <p:nvPr/>
+      </p:nvGrpSpPr>
+      <p:grpSpPr>
+        <a:xfrm>
+          <a:off x="0" y="0"/>
+          <a:ext cx="0" cy="0"/>
+          <a:chOff x="0" y="0"/>
+          <a:chExt cx="0" cy="0"/>
+        </a:xfrm>
+      </p:grpSpPr>
+      <p:sp>
+        <p:nvSpPr>
+          <p:cNvPr id="2" name="Title 1">
+            <a:extLst>
+              <a:ext uri="{FF2B5EF4-FFF2-40B4-BE49-F238E27FC236}">
+                <a16:creationId xmlns:a16="http://schemas.microsoft.com/office/drawing/2014/main" id="{125AC0E0-745D-41C2-8F0D-8B86E29347EE}"/>
+              </a:ext>
+            </a:extLst>
+          </p:cNvPr>
+          <p:cNvSpPr>
+            <a:spLocks noGrp="1"/>
+          </p:cNvSpPr>
+          <p:nvPr>
+            <p:ph type="title"/>
+          </p:nvPr>
+        </p:nvSpPr>
+        <p:spPr/>
+        <p:txBody>
+          <a:bodyPr/>
+          <a:lstStyle/>
+          <a:p>
+            <a:r>
+              <a:rPr lang="en-GB" dirty="0"/>
+              <a:t>Is it applicable to developing safety critical systems?</a:t>
+            </a:r>
+          </a:p>
+        </p:txBody>
+      </p:sp>
+      <p:sp>
+        <p:nvSpPr>
+          <p:cNvPr id="3" name="Content Placeholder 2">
+            <a:extLst>
+              <a:ext uri="{FF2B5EF4-FFF2-40B4-BE49-F238E27FC236}">
+                <a16:creationId xmlns:a16="http://schemas.microsoft.com/office/drawing/2014/main" id="{DB2A9BD3-7410-4204-AAF8-DD22A18A8625}"/>
+              </a:ext>
+            </a:extLst>
+          </p:cNvPr>
+          <p:cNvSpPr>
+            <a:spLocks noGrp="1"/>
+          </p:cNvSpPr>
+          <p:nvPr>
+            <p:ph idx="1"/>
+          </p:nvPr>
+        </p:nvSpPr>
+        <p:spPr>
+          <a:xfrm>
+            <a:off x="1251678" y="2286002"/>
+            <a:ext cx="1201376" cy="545122"/>
+          </a:xfrm>
+        </p:spPr>
+        <p:txBody>
+          <a:bodyPr/>
+          <a:lstStyle/>
+          <a:p>
+            <a:pPr marL="0" indent="0">
+              <a:buNone/>
+            </a:pPr>
+            <a:r>
+              <a:rPr lang="en-GB" dirty="0"/>
+              <a:t>Waterfall</a:t>
+            </a:r>
+          </a:p>
+        </p:txBody>
+      </p:sp>
+      <p:sp>
+        <p:nvSpPr>
+          <p:cNvPr id="5" name="Content Placeholder 2">
+            <a:extLst>
+              <a:ext uri="{FF2B5EF4-FFF2-40B4-BE49-F238E27FC236}">
+                <a16:creationId xmlns:a16="http://schemas.microsoft.com/office/drawing/2014/main" id="{95D0863B-F78A-4FD1-ADB1-2AA267F0C5B6}"/>
+              </a:ext>
+            </a:extLst>
+          </p:cNvPr>
+          <p:cNvSpPr txBox="1">
+            <a:spLocks/>
+          </p:cNvSpPr>
+          <p:nvPr/>
+        </p:nvSpPr>
+        <p:spPr>
+          <a:xfrm>
+            <a:off x="3927469" y="3176956"/>
+            <a:ext cx="1201376" cy="545122"/>
+          </a:xfrm>
+          <a:prstGeom prst="rect">
+            <a:avLst/>
+          </a:prstGeom>
+        </p:spPr>
+        <p:txBody>
+          <a:bodyPr vert="horz" lIns="91440" tIns="45720" rIns="91440" bIns="45720" rtlCol="0">
+            <a:normAutofit/>
+          </a:bodyPr>
+          <a:lstStyle>
+            <a:lvl1pPr marL="228600" indent="-228600" algn="l" defTabSz="914400" rtl="0" eaLnBrk="1" latinLnBrk="0" hangingPunct="1">
+              <a:lnSpc>
+                <a:spcPct val="110000"/>
+              </a:lnSpc>
+              <a:spcBef>
+                <a:spcPts val="700"/>
+              </a:spcBef>
+              <a:buClr>
+                <a:schemeClr val="tx2"/>
+              </a:buClr>
+              <a:buFont typeface="Arial" panose="020B0604020202020204" pitchFamily="34" charset="0"/>
+              <a:buChar char="•"/>
+              <a:defRPr sz="2000" kern="1200">
+                <a:solidFill>
+                  <a:schemeClr val="tx1">
+                    <a:lumMod val="65000"/>
+                    <a:lumOff val="35000"/>
+                  </a:schemeClr>
+                </a:solidFill>
+                <a:latin typeface="+mn-lt"/>
+                <a:ea typeface="+mn-ea"/>
+                <a:cs typeface="+mn-cs"/>
+              </a:defRPr>
+            </a:lvl1pPr>
+            <a:lvl2pPr marL="685800" indent="-228600" algn="l" defTabSz="914400" rtl="0" eaLnBrk="1" latinLnBrk="0" hangingPunct="1">
+              <a:lnSpc>
+                <a:spcPct val="110000"/>
+              </a:lnSpc>
+              <a:spcBef>
+                <a:spcPts val="700"/>
+              </a:spcBef>
+              <a:buClr>
+                <a:schemeClr val="tx2"/>
+              </a:buClr>
+              <a:buFont typeface="Gill Sans MT" panose="020B0502020104020203" pitchFamily="34" charset="0"/>
+              <a:buChar char="–"/>
+              <a:defRPr sz="1800" kern="1200">
+                <a:solidFill>
+                  <a:schemeClr val="tx1">
+                    <a:lumMod val="65000"/>
+                    <a:lumOff val="35000"/>
+                  </a:schemeClr>
+                </a:solidFill>
+                <a:latin typeface="+mn-lt"/>
+                <a:ea typeface="+mn-ea"/>
+                <a:cs typeface="+mn-cs"/>
+              </a:defRPr>
+            </a:lvl2pPr>
+            <a:lvl3pPr marL="1143000" indent="-228600" algn="l" defTabSz="914400" rtl="0" eaLnBrk="1" latinLnBrk="0" hangingPunct="1">
+              <a:lnSpc>
+                <a:spcPct val="110000"/>
+              </a:lnSpc>
+              <a:spcBef>
+                <a:spcPts val="700"/>
+              </a:spcBef>
+              <a:buClr>
+                <a:schemeClr val="tx2"/>
+              </a:buClr>
+              <a:buFont typeface="Arial" panose="020B0604020202020204" pitchFamily="34" charset="0"/>
+              <a:buChar char="•"/>
+              <a:defRPr sz="1600" kern="1200">
+                <a:solidFill>
+                  <a:schemeClr val="tx1">
+                    <a:lumMod val="65000"/>
+                    <a:lumOff val="35000"/>
+                  </a:schemeClr>
+                </a:solidFill>
+                <a:latin typeface="+mn-lt"/>
+                <a:ea typeface="+mn-ea"/>
+                <a:cs typeface="+mn-cs"/>
+              </a:defRPr>
+            </a:lvl3pPr>
+            <a:lvl4pPr marL="1600200" indent="-228600" algn="l" defTabSz="914400" rtl="0" eaLnBrk="1" latinLnBrk="0" hangingPunct="1">
+              <a:lnSpc>
+                <a:spcPct val="110000"/>
+              </a:lnSpc>
+              <a:spcBef>
+                <a:spcPts val="700"/>
+              </a:spcBef>
+              <a:buClr>
+                <a:schemeClr val="tx2"/>
+              </a:buClr>
+              <a:buFont typeface="Gill Sans MT" panose="020B0502020104020203" pitchFamily="34" charset="0"/>
+              <a:buChar char="–"/>
+              <a:defRPr sz="1400" kern="1200">
+                <a:solidFill>
+                  <a:schemeClr val="tx1">
+                    <a:lumMod val="65000"/>
+                    <a:lumOff val="35000"/>
+                  </a:schemeClr>
+                </a:solidFill>
+                <a:latin typeface="+mn-lt"/>
+                <a:ea typeface="+mn-ea"/>
+                <a:cs typeface="+mn-cs"/>
+              </a:defRPr>
+            </a:lvl4pPr>
+            <a:lvl5pPr marL="2057400" indent="-228600" algn="l" defTabSz="914400" rtl="0" eaLnBrk="1" latinLnBrk="0" hangingPunct="1">
+              <a:lnSpc>
+                <a:spcPct val="110000"/>
+              </a:lnSpc>
+              <a:spcBef>
+                <a:spcPts val="700"/>
+              </a:spcBef>
+              <a:buClr>
+                <a:schemeClr val="tx2"/>
+              </a:buClr>
+              <a:buFont typeface="Arial" panose="020B0604020202020204" pitchFamily="34" charset="0"/>
+              <a:buChar char="•"/>
+              <a:defRPr sz="1400" kern="1200">
+                <a:solidFill>
+                  <a:schemeClr val="tx1">
+                    <a:lumMod val="65000"/>
+                    <a:lumOff val="35000"/>
+                  </a:schemeClr>
+                </a:solidFill>
+                <a:latin typeface="+mn-lt"/>
+                <a:ea typeface="+mn-ea"/>
+                <a:cs typeface="+mn-cs"/>
+              </a:defRPr>
+            </a:lvl5pPr>
+            <a:lvl6pPr marL="2514600" indent="-228600" algn="l" defTabSz="914400" rtl="0" eaLnBrk="1" latinLnBrk="0" hangingPunct="1">
+              <a:lnSpc>
+                <a:spcPct val="110000"/>
+              </a:lnSpc>
+              <a:spcBef>
+                <a:spcPts val="700"/>
+              </a:spcBef>
+              <a:buClr>
+                <a:schemeClr val="tx2"/>
+              </a:buClr>
+              <a:buFont typeface="Gill Sans MT" panose="020B0502020104020203" pitchFamily="34" charset="0"/>
+              <a:buChar char="–"/>
+              <a:defRPr sz="1400" kern="1200">
+                <a:solidFill>
+                  <a:schemeClr val="tx1">
+                    <a:lumMod val="65000"/>
+                    <a:lumOff val="35000"/>
+                  </a:schemeClr>
+                </a:solidFill>
+                <a:latin typeface="+mn-lt"/>
+                <a:ea typeface="+mn-ea"/>
+                <a:cs typeface="+mn-cs"/>
+              </a:defRPr>
+            </a:lvl6pPr>
+            <a:lvl7pPr marL="2971800" indent="-228600" algn="l" defTabSz="914400" rtl="0" eaLnBrk="1" latinLnBrk="0" hangingPunct="1">
+              <a:lnSpc>
+                <a:spcPct val="110000"/>
+              </a:lnSpc>
+              <a:spcBef>
+                <a:spcPts val="700"/>
+              </a:spcBef>
+              <a:buClr>
+                <a:schemeClr val="tx2"/>
+              </a:buClr>
+              <a:buFont typeface="Arial" panose="020B0604020202020204" pitchFamily="34" charset="0"/>
+              <a:buChar char="•"/>
+              <a:defRPr sz="1400" kern="1200">
+                <a:solidFill>
+                  <a:schemeClr val="tx1">
+                    <a:lumMod val="65000"/>
+                    <a:lumOff val="35000"/>
+                  </a:schemeClr>
+                </a:solidFill>
+                <a:latin typeface="+mn-lt"/>
+                <a:ea typeface="+mn-ea"/>
+                <a:cs typeface="+mn-cs"/>
+              </a:defRPr>
+            </a:lvl7pPr>
+            <a:lvl8pPr marL="3429000" indent="-228600" algn="l" defTabSz="914400" rtl="0" eaLnBrk="1" latinLnBrk="0" hangingPunct="1">
+              <a:lnSpc>
+                <a:spcPct val="110000"/>
+              </a:lnSpc>
+              <a:spcBef>
+                <a:spcPts val="700"/>
+              </a:spcBef>
+              <a:buClr>
+                <a:schemeClr val="tx2"/>
+              </a:buClr>
+              <a:buFont typeface="Gill Sans MT" panose="020B0502020104020203" pitchFamily="34" charset="0"/>
+              <a:buChar char="–"/>
+              <a:defRPr sz="1400" kern="1200" baseline="0">
+                <a:solidFill>
+                  <a:schemeClr val="tx1">
+                    <a:lumMod val="65000"/>
+                    <a:lumOff val="35000"/>
+                  </a:schemeClr>
+                </a:solidFill>
+                <a:latin typeface="+mn-lt"/>
+                <a:ea typeface="+mn-ea"/>
+                <a:cs typeface="+mn-cs"/>
+              </a:defRPr>
+            </a:lvl8pPr>
+            <a:lvl9pPr marL="3886200" indent="-228600" algn="l" defTabSz="914400" rtl="0" eaLnBrk="1" latinLnBrk="0" hangingPunct="1">
+              <a:lnSpc>
+                <a:spcPct val="110000"/>
+              </a:lnSpc>
+              <a:spcBef>
+                <a:spcPts val="700"/>
+              </a:spcBef>
+              <a:buClr>
+                <a:schemeClr val="tx2"/>
+              </a:buClr>
+              <a:buFont typeface="Arial" panose="020B0604020202020204" pitchFamily="34" charset="0"/>
+              <a:buChar char="•"/>
+              <a:defRPr sz="1400" kern="1200" baseline="0">
+                <a:solidFill>
+                  <a:schemeClr val="tx1">
+                    <a:lumMod val="65000"/>
+                    <a:lumOff val="35000"/>
+                  </a:schemeClr>
+                </a:solidFill>
+                <a:latin typeface="+mn-lt"/>
+                <a:ea typeface="+mn-ea"/>
+                <a:cs typeface="+mn-cs"/>
+              </a:defRPr>
+            </a:lvl9pPr>
+          </a:lstStyle>
+          <a:p>
+            <a:pPr marL="0" indent="0">
+              <a:buFont typeface="Arial" panose="020B0604020202020204" pitchFamily="34" charset="0"/>
+              <a:buNone/>
+            </a:pPr>
+            <a:r>
+              <a:rPr lang="en-GB" dirty="0"/>
+              <a:t>Analysis</a:t>
+            </a:r>
+          </a:p>
+        </p:txBody>
+      </p:sp>
+      <p:sp>
+        <p:nvSpPr>
+          <p:cNvPr id="6" name="Content Placeholder 2">
+            <a:extLst>
+              <a:ext uri="{FF2B5EF4-FFF2-40B4-BE49-F238E27FC236}">
+                <a16:creationId xmlns:a16="http://schemas.microsoft.com/office/drawing/2014/main" id="{8D136A10-503C-4D2D-88F6-C5E285EFF65C}"/>
+              </a:ext>
+            </a:extLst>
+          </p:cNvPr>
+          <p:cNvSpPr txBox="1">
+            <a:spLocks/>
+          </p:cNvSpPr>
+          <p:nvPr/>
+        </p:nvSpPr>
+        <p:spPr>
+          <a:xfrm>
+            <a:off x="7218724" y="2195148"/>
+            <a:ext cx="1201376" cy="545122"/>
+          </a:xfrm>
+          <a:prstGeom prst="rect">
+            <a:avLst/>
+          </a:prstGeom>
+        </p:spPr>
+        <p:txBody>
+          <a:bodyPr vert="horz" lIns="91440" tIns="45720" rIns="91440" bIns="45720" rtlCol="0">
+            <a:normAutofit/>
+          </a:bodyPr>
+          <a:lstStyle>
+            <a:lvl1pPr marL="228600" indent="-228600" algn="l" defTabSz="914400" rtl="0" eaLnBrk="1" latinLnBrk="0" hangingPunct="1">
+              <a:lnSpc>
+                <a:spcPct val="110000"/>
+              </a:lnSpc>
+              <a:spcBef>
+                <a:spcPts val="700"/>
+              </a:spcBef>
+              <a:buClr>
+                <a:schemeClr val="tx2"/>
+              </a:buClr>
+              <a:buFont typeface="Arial" panose="020B0604020202020204" pitchFamily="34" charset="0"/>
+              <a:buChar char="•"/>
+              <a:defRPr sz="2000" kern="1200">
+                <a:solidFill>
+                  <a:schemeClr val="tx1">
+                    <a:lumMod val="65000"/>
+                    <a:lumOff val="35000"/>
+                  </a:schemeClr>
+                </a:solidFill>
+                <a:latin typeface="+mn-lt"/>
+                <a:ea typeface="+mn-ea"/>
+                <a:cs typeface="+mn-cs"/>
+              </a:defRPr>
+            </a:lvl1pPr>
+            <a:lvl2pPr marL="685800" indent="-228600" algn="l" defTabSz="914400" rtl="0" eaLnBrk="1" latinLnBrk="0" hangingPunct="1">
+              <a:lnSpc>
+                <a:spcPct val="110000"/>
+              </a:lnSpc>
+              <a:spcBef>
+                <a:spcPts val="700"/>
+              </a:spcBef>
+              <a:buClr>
+                <a:schemeClr val="tx2"/>
+              </a:buClr>
+              <a:buFont typeface="Gill Sans MT" panose="020B0502020104020203" pitchFamily="34" charset="0"/>
+              <a:buChar char="–"/>
+              <a:defRPr sz="1800" kern="1200">
+                <a:solidFill>
+                  <a:schemeClr val="tx1">
+                    <a:lumMod val="65000"/>
+                    <a:lumOff val="35000"/>
+                  </a:schemeClr>
+                </a:solidFill>
+                <a:latin typeface="+mn-lt"/>
+                <a:ea typeface="+mn-ea"/>
+                <a:cs typeface="+mn-cs"/>
+              </a:defRPr>
+            </a:lvl2pPr>
+            <a:lvl3pPr marL="1143000" indent="-228600" algn="l" defTabSz="914400" rtl="0" eaLnBrk="1" latinLnBrk="0" hangingPunct="1">
+              <a:lnSpc>
+                <a:spcPct val="110000"/>
+              </a:lnSpc>
+              <a:spcBef>
+                <a:spcPts val="700"/>
+              </a:spcBef>
+              <a:buClr>
+                <a:schemeClr val="tx2"/>
+              </a:buClr>
+              <a:buFont typeface="Arial" panose="020B0604020202020204" pitchFamily="34" charset="0"/>
+              <a:buChar char="•"/>
+              <a:defRPr sz="1600" kern="1200">
+                <a:solidFill>
+                  <a:schemeClr val="tx1">
+                    <a:lumMod val="65000"/>
+                    <a:lumOff val="35000"/>
+                  </a:schemeClr>
+                </a:solidFill>
+                <a:latin typeface="+mn-lt"/>
+                <a:ea typeface="+mn-ea"/>
+                <a:cs typeface="+mn-cs"/>
+              </a:defRPr>
+            </a:lvl3pPr>
+            <a:lvl4pPr marL="1600200" indent="-228600" algn="l" defTabSz="914400" rtl="0" eaLnBrk="1" latinLnBrk="0" hangingPunct="1">
+              <a:lnSpc>
+                <a:spcPct val="110000"/>
+              </a:lnSpc>
+              <a:spcBef>
+                <a:spcPts val="700"/>
+              </a:spcBef>
+              <a:buClr>
+                <a:schemeClr val="tx2"/>
+              </a:buClr>
+              <a:buFont typeface="Gill Sans MT" panose="020B0502020104020203" pitchFamily="34" charset="0"/>
+              <a:buChar char="–"/>
+              <a:defRPr sz="1400" kern="1200">
+                <a:solidFill>
+                  <a:schemeClr val="tx1">
+                    <a:lumMod val="65000"/>
+                    <a:lumOff val="35000"/>
+                  </a:schemeClr>
+                </a:solidFill>
+                <a:latin typeface="+mn-lt"/>
+                <a:ea typeface="+mn-ea"/>
+                <a:cs typeface="+mn-cs"/>
+              </a:defRPr>
+            </a:lvl4pPr>
+            <a:lvl5pPr marL="2057400" indent="-228600" algn="l" defTabSz="914400" rtl="0" eaLnBrk="1" latinLnBrk="0" hangingPunct="1">
+              <a:lnSpc>
+                <a:spcPct val="110000"/>
+              </a:lnSpc>
+              <a:spcBef>
+                <a:spcPts val="700"/>
+              </a:spcBef>
+              <a:buClr>
+                <a:schemeClr val="tx2"/>
+              </a:buClr>
+              <a:buFont typeface="Arial" panose="020B0604020202020204" pitchFamily="34" charset="0"/>
+              <a:buChar char="•"/>
+              <a:defRPr sz="1400" kern="1200">
+                <a:solidFill>
+                  <a:schemeClr val="tx1">
+                    <a:lumMod val="65000"/>
+                    <a:lumOff val="35000"/>
+                  </a:schemeClr>
+                </a:solidFill>
+                <a:latin typeface="+mn-lt"/>
+                <a:ea typeface="+mn-ea"/>
+                <a:cs typeface="+mn-cs"/>
+              </a:defRPr>
+            </a:lvl5pPr>
+            <a:lvl6pPr marL="2514600" indent="-228600" algn="l" defTabSz="914400" rtl="0" eaLnBrk="1" latinLnBrk="0" hangingPunct="1">
+              <a:lnSpc>
+                <a:spcPct val="110000"/>
+              </a:lnSpc>
+              <a:spcBef>
+                <a:spcPts val="700"/>
+              </a:spcBef>
+              <a:buClr>
+                <a:schemeClr val="tx2"/>
+              </a:buClr>
+              <a:buFont typeface="Gill Sans MT" panose="020B0502020104020203" pitchFamily="34" charset="0"/>
+              <a:buChar char="–"/>
+              <a:defRPr sz="1400" kern="1200">
+                <a:solidFill>
+                  <a:schemeClr val="tx1">
+                    <a:lumMod val="65000"/>
+                    <a:lumOff val="35000"/>
+                  </a:schemeClr>
+                </a:solidFill>
+                <a:latin typeface="+mn-lt"/>
+                <a:ea typeface="+mn-ea"/>
+                <a:cs typeface="+mn-cs"/>
+              </a:defRPr>
+            </a:lvl6pPr>
+            <a:lvl7pPr marL="2971800" indent="-228600" algn="l" defTabSz="914400" rtl="0" eaLnBrk="1" latinLnBrk="0" hangingPunct="1">
+              <a:lnSpc>
+                <a:spcPct val="110000"/>
+              </a:lnSpc>
+              <a:spcBef>
+                <a:spcPts val="700"/>
+              </a:spcBef>
+              <a:buClr>
+                <a:schemeClr val="tx2"/>
+              </a:buClr>
+              <a:buFont typeface="Arial" panose="020B0604020202020204" pitchFamily="34" charset="0"/>
+              <a:buChar char="•"/>
+              <a:defRPr sz="1400" kern="1200">
+                <a:solidFill>
+                  <a:schemeClr val="tx1">
+                    <a:lumMod val="65000"/>
+                    <a:lumOff val="35000"/>
+                  </a:schemeClr>
+                </a:solidFill>
+                <a:latin typeface="+mn-lt"/>
+                <a:ea typeface="+mn-ea"/>
+                <a:cs typeface="+mn-cs"/>
+              </a:defRPr>
+            </a:lvl7pPr>
+            <a:lvl8pPr marL="3429000" indent="-228600" algn="l" defTabSz="914400" rtl="0" eaLnBrk="1" latinLnBrk="0" hangingPunct="1">
+              <a:lnSpc>
+                <a:spcPct val="110000"/>
+              </a:lnSpc>
+              <a:spcBef>
+                <a:spcPts val="700"/>
+              </a:spcBef>
+              <a:buClr>
+                <a:schemeClr val="tx2"/>
+              </a:buClr>
+              <a:buFont typeface="Gill Sans MT" panose="020B0502020104020203" pitchFamily="34" charset="0"/>
+              <a:buChar char="–"/>
+              <a:defRPr sz="1400" kern="1200" baseline="0">
+                <a:solidFill>
+                  <a:schemeClr val="tx1">
+                    <a:lumMod val="65000"/>
+                    <a:lumOff val="35000"/>
+                  </a:schemeClr>
+                </a:solidFill>
+                <a:latin typeface="+mn-lt"/>
+                <a:ea typeface="+mn-ea"/>
+                <a:cs typeface="+mn-cs"/>
+              </a:defRPr>
+            </a:lvl8pPr>
+            <a:lvl9pPr marL="3886200" indent="-228600" algn="l" defTabSz="914400" rtl="0" eaLnBrk="1" latinLnBrk="0" hangingPunct="1">
+              <a:lnSpc>
+                <a:spcPct val="110000"/>
+              </a:lnSpc>
+              <a:spcBef>
+                <a:spcPts val="700"/>
+              </a:spcBef>
+              <a:buClr>
+                <a:schemeClr val="tx2"/>
+              </a:buClr>
+              <a:buFont typeface="Arial" panose="020B0604020202020204" pitchFamily="34" charset="0"/>
+              <a:buChar char="•"/>
+              <a:defRPr sz="1400" kern="1200" baseline="0">
+                <a:solidFill>
+                  <a:schemeClr val="tx1">
+                    <a:lumMod val="65000"/>
+                    <a:lumOff val="35000"/>
+                  </a:schemeClr>
+                </a:solidFill>
+                <a:latin typeface="+mn-lt"/>
+                <a:ea typeface="+mn-ea"/>
+                <a:cs typeface="+mn-cs"/>
+              </a:defRPr>
+            </a:lvl9pPr>
+          </a:lstStyle>
+          <a:p>
+            <a:pPr marL="0" indent="0">
+              <a:buFont typeface="Arial" panose="020B0604020202020204" pitchFamily="34" charset="0"/>
+              <a:buNone/>
+            </a:pPr>
+            <a:r>
+              <a:rPr lang="en-GB" dirty="0"/>
+              <a:t>Proactive</a:t>
+            </a:r>
+          </a:p>
+        </p:txBody>
+      </p:sp>
+      <p:sp>
+        <p:nvSpPr>
+          <p:cNvPr id="7" name="Content Placeholder 2">
+            <a:extLst>
+              <a:ext uri="{FF2B5EF4-FFF2-40B4-BE49-F238E27FC236}">
+                <a16:creationId xmlns:a16="http://schemas.microsoft.com/office/drawing/2014/main" id="{FE8063E8-FB32-42E4-B1C7-FE9DCAD71E6A}"/>
+              </a:ext>
+            </a:extLst>
+          </p:cNvPr>
+          <p:cNvSpPr txBox="1">
+            <a:spLocks/>
+          </p:cNvSpPr>
+          <p:nvPr/>
+        </p:nvSpPr>
+        <p:spPr>
+          <a:xfrm>
+            <a:off x="8593494" y="3168163"/>
+            <a:ext cx="1684714" cy="744414"/>
+          </a:xfrm>
+          <a:prstGeom prst="rect">
+            <a:avLst/>
+          </a:prstGeom>
+        </p:spPr>
+        <p:txBody>
+          <a:bodyPr vert="horz" lIns="91440" tIns="45720" rIns="91440" bIns="45720" rtlCol="0">
+            <a:normAutofit/>
+          </a:bodyPr>
+          <a:lstStyle>
+            <a:lvl1pPr marL="228600" indent="-228600" algn="l" defTabSz="914400" rtl="0" eaLnBrk="1" latinLnBrk="0" hangingPunct="1">
+              <a:lnSpc>
+                <a:spcPct val="110000"/>
+              </a:lnSpc>
+              <a:spcBef>
+                <a:spcPts val="700"/>
+              </a:spcBef>
+              <a:buClr>
+                <a:schemeClr val="tx2"/>
+              </a:buClr>
+              <a:buFont typeface="Arial" panose="020B0604020202020204" pitchFamily="34" charset="0"/>
+              <a:buChar char="•"/>
+              <a:defRPr sz="2000" kern="1200">
+                <a:solidFill>
+                  <a:schemeClr val="tx1">
+                    <a:lumMod val="65000"/>
+                    <a:lumOff val="35000"/>
+                  </a:schemeClr>
+                </a:solidFill>
+                <a:latin typeface="+mn-lt"/>
+                <a:ea typeface="+mn-ea"/>
+                <a:cs typeface="+mn-cs"/>
+              </a:defRPr>
+            </a:lvl1pPr>
+            <a:lvl2pPr marL="685800" indent="-228600" algn="l" defTabSz="914400" rtl="0" eaLnBrk="1" latinLnBrk="0" hangingPunct="1">
+              <a:lnSpc>
+                <a:spcPct val="110000"/>
+              </a:lnSpc>
+              <a:spcBef>
+                <a:spcPts val="700"/>
+              </a:spcBef>
+              <a:buClr>
+                <a:schemeClr val="tx2"/>
+              </a:buClr>
+              <a:buFont typeface="Gill Sans MT" panose="020B0502020104020203" pitchFamily="34" charset="0"/>
+              <a:buChar char="–"/>
+              <a:defRPr sz="1800" kern="1200">
+                <a:solidFill>
+                  <a:schemeClr val="tx1">
+                    <a:lumMod val="65000"/>
+                    <a:lumOff val="35000"/>
+                  </a:schemeClr>
+                </a:solidFill>
+                <a:latin typeface="+mn-lt"/>
+                <a:ea typeface="+mn-ea"/>
+                <a:cs typeface="+mn-cs"/>
+              </a:defRPr>
+            </a:lvl2pPr>
+            <a:lvl3pPr marL="1143000" indent="-228600" algn="l" defTabSz="914400" rtl="0" eaLnBrk="1" latinLnBrk="0" hangingPunct="1">
+              <a:lnSpc>
+                <a:spcPct val="110000"/>
+              </a:lnSpc>
+              <a:spcBef>
+                <a:spcPts val="700"/>
+              </a:spcBef>
+              <a:buClr>
+                <a:schemeClr val="tx2"/>
+              </a:buClr>
+              <a:buFont typeface="Arial" panose="020B0604020202020204" pitchFamily="34" charset="0"/>
+              <a:buChar char="•"/>
+              <a:defRPr sz="1600" kern="1200">
+                <a:solidFill>
+                  <a:schemeClr val="tx1">
+                    <a:lumMod val="65000"/>
+                    <a:lumOff val="35000"/>
+                  </a:schemeClr>
+                </a:solidFill>
+                <a:latin typeface="+mn-lt"/>
+                <a:ea typeface="+mn-ea"/>
+                <a:cs typeface="+mn-cs"/>
+              </a:defRPr>
+            </a:lvl3pPr>
+            <a:lvl4pPr marL="1600200" indent="-228600" algn="l" defTabSz="914400" rtl="0" eaLnBrk="1" latinLnBrk="0" hangingPunct="1">
+              <a:lnSpc>
+                <a:spcPct val="110000"/>
+              </a:lnSpc>
+              <a:spcBef>
+                <a:spcPts val="700"/>
+              </a:spcBef>
+              <a:buClr>
+                <a:schemeClr val="tx2"/>
+              </a:buClr>
+              <a:buFont typeface="Gill Sans MT" panose="020B0502020104020203" pitchFamily="34" charset="0"/>
+              <a:buChar char="–"/>
+              <a:defRPr sz="1400" kern="1200">
+                <a:solidFill>
+                  <a:schemeClr val="tx1">
+                    <a:lumMod val="65000"/>
+                    <a:lumOff val="35000"/>
+                  </a:schemeClr>
+                </a:solidFill>
+                <a:latin typeface="+mn-lt"/>
+                <a:ea typeface="+mn-ea"/>
+                <a:cs typeface="+mn-cs"/>
+              </a:defRPr>
+            </a:lvl4pPr>
+            <a:lvl5pPr marL="2057400" indent="-228600" algn="l" defTabSz="914400" rtl="0" eaLnBrk="1" latinLnBrk="0" hangingPunct="1">
+              <a:lnSpc>
+                <a:spcPct val="110000"/>
+              </a:lnSpc>
+              <a:spcBef>
+                <a:spcPts val="700"/>
+              </a:spcBef>
+              <a:buClr>
+                <a:schemeClr val="tx2"/>
+              </a:buClr>
+              <a:buFont typeface="Arial" panose="020B0604020202020204" pitchFamily="34" charset="0"/>
+              <a:buChar char="•"/>
+              <a:defRPr sz="1400" kern="1200">
+                <a:solidFill>
+                  <a:schemeClr val="tx1">
+                    <a:lumMod val="65000"/>
+                    <a:lumOff val="35000"/>
+                  </a:schemeClr>
+                </a:solidFill>
+                <a:latin typeface="+mn-lt"/>
+                <a:ea typeface="+mn-ea"/>
+                <a:cs typeface="+mn-cs"/>
+              </a:defRPr>
+            </a:lvl5pPr>
+            <a:lvl6pPr marL="2514600" indent="-228600" algn="l" defTabSz="914400" rtl="0" eaLnBrk="1" latinLnBrk="0" hangingPunct="1">
+              <a:lnSpc>
+                <a:spcPct val="110000"/>
+              </a:lnSpc>
+              <a:spcBef>
+                <a:spcPts val="700"/>
+              </a:spcBef>
+              <a:buClr>
+                <a:schemeClr val="tx2"/>
+              </a:buClr>
+              <a:buFont typeface="Gill Sans MT" panose="020B0502020104020203" pitchFamily="34" charset="0"/>
+              <a:buChar char="–"/>
+              <a:defRPr sz="1400" kern="1200">
+                <a:solidFill>
+                  <a:schemeClr val="tx1">
+                    <a:lumMod val="65000"/>
+                    <a:lumOff val="35000"/>
+                  </a:schemeClr>
+                </a:solidFill>
+                <a:latin typeface="+mn-lt"/>
+                <a:ea typeface="+mn-ea"/>
+                <a:cs typeface="+mn-cs"/>
+              </a:defRPr>
+            </a:lvl6pPr>
+            <a:lvl7pPr marL="2971800" indent="-228600" algn="l" defTabSz="914400" rtl="0" eaLnBrk="1" latinLnBrk="0" hangingPunct="1">
+              <a:lnSpc>
+                <a:spcPct val="110000"/>
+              </a:lnSpc>
+              <a:spcBef>
+                <a:spcPts val="700"/>
+              </a:spcBef>
+              <a:buClr>
+                <a:schemeClr val="tx2"/>
+              </a:buClr>
+              <a:buFont typeface="Arial" panose="020B0604020202020204" pitchFamily="34" charset="0"/>
+              <a:buChar char="•"/>
+              <a:defRPr sz="1400" kern="1200">
+                <a:solidFill>
+                  <a:schemeClr val="tx1">
+                    <a:lumMod val="65000"/>
+                    <a:lumOff val="35000"/>
+                  </a:schemeClr>
+                </a:solidFill>
+                <a:latin typeface="+mn-lt"/>
+                <a:ea typeface="+mn-ea"/>
+                <a:cs typeface="+mn-cs"/>
+              </a:defRPr>
+            </a:lvl7pPr>
+            <a:lvl8pPr marL="3429000" indent="-228600" algn="l" defTabSz="914400" rtl="0" eaLnBrk="1" latinLnBrk="0" hangingPunct="1">
+              <a:lnSpc>
+                <a:spcPct val="110000"/>
+              </a:lnSpc>
+              <a:spcBef>
+                <a:spcPts val="700"/>
+              </a:spcBef>
+              <a:buClr>
+                <a:schemeClr val="tx2"/>
+              </a:buClr>
+              <a:buFont typeface="Gill Sans MT" panose="020B0502020104020203" pitchFamily="34" charset="0"/>
+              <a:buChar char="–"/>
+              <a:defRPr sz="1400" kern="1200" baseline="0">
+                <a:solidFill>
+                  <a:schemeClr val="tx1">
+                    <a:lumMod val="65000"/>
+                    <a:lumOff val="35000"/>
+                  </a:schemeClr>
+                </a:solidFill>
+                <a:latin typeface="+mn-lt"/>
+                <a:ea typeface="+mn-ea"/>
+                <a:cs typeface="+mn-cs"/>
+              </a:defRPr>
+            </a:lvl8pPr>
+            <a:lvl9pPr marL="3886200" indent="-228600" algn="l" defTabSz="914400" rtl="0" eaLnBrk="1" latinLnBrk="0" hangingPunct="1">
+              <a:lnSpc>
+                <a:spcPct val="110000"/>
+              </a:lnSpc>
+              <a:spcBef>
+                <a:spcPts val="700"/>
+              </a:spcBef>
+              <a:buClr>
+                <a:schemeClr val="tx2"/>
+              </a:buClr>
+              <a:buFont typeface="Arial" panose="020B0604020202020204" pitchFamily="34" charset="0"/>
+              <a:buChar char="•"/>
+              <a:defRPr sz="1400" kern="1200" baseline="0">
+                <a:solidFill>
+                  <a:schemeClr val="tx1">
+                    <a:lumMod val="65000"/>
+                    <a:lumOff val="35000"/>
+                  </a:schemeClr>
+                </a:solidFill>
+                <a:latin typeface="+mn-lt"/>
+                <a:ea typeface="+mn-ea"/>
+                <a:cs typeface="+mn-cs"/>
+              </a:defRPr>
+            </a:lvl9pPr>
+          </a:lstStyle>
+          <a:p>
+            <a:pPr marL="0" indent="0">
+              <a:buFont typeface="Arial" panose="020B0604020202020204" pitchFamily="34" charset="0"/>
+              <a:buNone/>
+            </a:pPr>
+            <a:r>
+              <a:rPr lang="en-GB" dirty="0"/>
+              <a:t>Late defects unacceptable</a:t>
+            </a:r>
+          </a:p>
+        </p:txBody>
+      </p:sp>
+      <p:sp>
+        <p:nvSpPr>
+          <p:cNvPr id="8" name="Content Placeholder 2">
+            <a:extLst>
+              <a:ext uri="{FF2B5EF4-FFF2-40B4-BE49-F238E27FC236}">
+                <a16:creationId xmlns:a16="http://schemas.microsoft.com/office/drawing/2014/main" id="{E5BDF7B6-9516-4414-A218-7E5BDA98059E}"/>
+              </a:ext>
+            </a:extLst>
+          </p:cNvPr>
+          <p:cNvSpPr txBox="1">
+            <a:spLocks/>
+          </p:cNvSpPr>
+          <p:nvPr/>
+        </p:nvSpPr>
+        <p:spPr>
+          <a:xfrm>
+            <a:off x="5740151" y="4420778"/>
+            <a:ext cx="1201376" cy="545122"/>
+          </a:xfrm>
+          <a:prstGeom prst="rect">
+            <a:avLst/>
+          </a:prstGeom>
+        </p:spPr>
+        <p:txBody>
+          <a:bodyPr vert="horz" lIns="91440" tIns="45720" rIns="91440" bIns="45720" rtlCol="0">
+            <a:normAutofit fontScale="77500" lnSpcReduction="20000"/>
+          </a:bodyPr>
+          <a:lstStyle>
+            <a:lvl1pPr marL="228600" indent="-228600" algn="l" defTabSz="914400" rtl="0" eaLnBrk="1" latinLnBrk="0" hangingPunct="1">
+              <a:lnSpc>
+                <a:spcPct val="110000"/>
+              </a:lnSpc>
+              <a:spcBef>
+                <a:spcPts val="700"/>
+              </a:spcBef>
+              <a:buClr>
+                <a:schemeClr val="tx2"/>
+              </a:buClr>
+              <a:buFont typeface="Arial" panose="020B0604020202020204" pitchFamily="34" charset="0"/>
+              <a:buChar char="•"/>
+              <a:defRPr sz="2000" kern="1200">
+                <a:solidFill>
+                  <a:schemeClr val="tx1">
+                    <a:lumMod val="65000"/>
+                    <a:lumOff val="35000"/>
+                  </a:schemeClr>
+                </a:solidFill>
+                <a:latin typeface="+mn-lt"/>
+                <a:ea typeface="+mn-ea"/>
+                <a:cs typeface="+mn-cs"/>
+              </a:defRPr>
+            </a:lvl1pPr>
+            <a:lvl2pPr marL="685800" indent="-228600" algn="l" defTabSz="914400" rtl="0" eaLnBrk="1" latinLnBrk="0" hangingPunct="1">
+              <a:lnSpc>
+                <a:spcPct val="110000"/>
+              </a:lnSpc>
+              <a:spcBef>
+                <a:spcPts val="700"/>
+              </a:spcBef>
+              <a:buClr>
+                <a:schemeClr val="tx2"/>
+              </a:buClr>
+              <a:buFont typeface="Gill Sans MT" panose="020B0502020104020203" pitchFamily="34" charset="0"/>
+              <a:buChar char="–"/>
+              <a:defRPr sz="1800" kern="1200">
+                <a:solidFill>
+                  <a:schemeClr val="tx1">
+                    <a:lumMod val="65000"/>
+                    <a:lumOff val="35000"/>
+                  </a:schemeClr>
+                </a:solidFill>
+                <a:latin typeface="+mn-lt"/>
+                <a:ea typeface="+mn-ea"/>
+                <a:cs typeface="+mn-cs"/>
+              </a:defRPr>
+            </a:lvl2pPr>
+            <a:lvl3pPr marL="1143000" indent="-228600" algn="l" defTabSz="914400" rtl="0" eaLnBrk="1" latinLnBrk="0" hangingPunct="1">
+              <a:lnSpc>
+                <a:spcPct val="110000"/>
+              </a:lnSpc>
+              <a:spcBef>
+                <a:spcPts val="700"/>
+              </a:spcBef>
+              <a:buClr>
+                <a:schemeClr val="tx2"/>
+              </a:buClr>
+              <a:buFont typeface="Arial" panose="020B0604020202020204" pitchFamily="34" charset="0"/>
+              <a:buChar char="•"/>
+              <a:defRPr sz="1600" kern="1200">
+                <a:solidFill>
+                  <a:schemeClr val="tx1">
+                    <a:lumMod val="65000"/>
+                    <a:lumOff val="35000"/>
+                  </a:schemeClr>
+                </a:solidFill>
+                <a:latin typeface="+mn-lt"/>
+                <a:ea typeface="+mn-ea"/>
+                <a:cs typeface="+mn-cs"/>
+              </a:defRPr>
+            </a:lvl3pPr>
+            <a:lvl4pPr marL="1600200" indent="-228600" algn="l" defTabSz="914400" rtl="0" eaLnBrk="1" latinLnBrk="0" hangingPunct="1">
+              <a:lnSpc>
+                <a:spcPct val="110000"/>
+              </a:lnSpc>
+              <a:spcBef>
+                <a:spcPts val="700"/>
+              </a:spcBef>
+              <a:buClr>
+                <a:schemeClr val="tx2"/>
+              </a:buClr>
+              <a:buFont typeface="Gill Sans MT" panose="020B0502020104020203" pitchFamily="34" charset="0"/>
+              <a:buChar char="–"/>
+              <a:defRPr sz="1400" kern="1200">
+                <a:solidFill>
+                  <a:schemeClr val="tx1">
+                    <a:lumMod val="65000"/>
+                    <a:lumOff val="35000"/>
+                  </a:schemeClr>
+                </a:solidFill>
+                <a:latin typeface="+mn-lt"/>
+                <a:ea typeface="+mn-ea"/>
+                <a:cs typeface="+mn-cs"/>
+              </a:defRPr>
+            </a:lvl4pPr>
+            <a:lvl5pPr marL="2057400" indent="-228600" algn="l" defTabSz="914400" rtl="0" eaLnBrk="1" latinLnBrk="0" hangingPunct="1">
+              <a:lnSpc>
+                <a:spcPct val="110000"/>
+              </a:lnSpc>
+              <a:spcBef>
+                <a:spcPts val="700"/>
+              </a:spcBef>
+              <a:buClr>
+                <a:schemeClr val="tx2"/>
+              </a:buClr>
+              <a:buFont typeface="Arial" panose="020B0604020202020204" pitchFamily="34" charset="0"/>
+              <a:buChar char="•"/>
+              <a:defRPr sz="1400" kern="1200">
+                <a:solidFill>
+                  <a:schemeClr val="tx1">
+                    <a:lumMod val="65000"/>
+                    <a:lumOff val="35000"/>
+                  </a:schemeClr>
+                </a:solidFill>
+                <a:latin typeface="+mn-lt"/>
+                <a:ea typeface="+mn-ea"/>
+                <a:cs typeface="+mn-cs"/>
+              </a:defRPr>
+            </a:lvl5pPr>
+            <a:lvl6pPr marL="2514600" indent="-228600" algn="l" defTabSz="914400" rtl="0" eaLnBrk="1" latinLnBrk="0" hangingPunct="1">
+              <a:lnSpc>
+                <a:spcPct val="110000"/>
+              </a:lnSpc>
+              <a:spcBef>
+                <a:spcPts val="700"/>
+              </a:spcBef>
+              <a:buClr>
+                <a:schemeClr val="tx2"/>
+              </a:buClr>
+              <a:buFont typeface="Gill Sans MT" panose="020B0502020104020203" pitchFamily="34" charset="0"/>
+              <a:buChar char="–"/>
+              <a:defRPr sz="1400" kern="1200">
+                <a:solidFill>
+                  <a:schemeClr val="tx1">
+                    <a:lumMod val="65000"/>
+                    <a:lumOff val="35000"/>
+                  </a:schemeClr>
+                </a:solidFill>
+                <a:latin typeface="+mn-lt"/>
+                <a:ea typeface="+mn-ea"/>
+                <a:cs typeface="+mn-cs"/>
+              </a:defRPr>
+            </a:lvl6pPr>
+            <a:lvl7pPr marL="2971800" indent="-228600" algn="l" defTabSz="914400" rtl="0" eaLnBrk="1" latinLnBrk="0" hangingPunct="1">
+              <a:lnSpc>
+                <a:spcPct val="110000"/>
+              </a:lnSpc>
+              <a:spcBef>
+                <a:spcPts val="700"/>
+              </a:spcBef>
+              <a:buClr>
+                <a:schemeClr val="tx2"/>
+              </a:buClr>
+              <a:buFont typeface="Arial" panose="020B0604020202020204" pitchFamily="34" charset="0"/>
+              <a:buChar char="•"/>
+              <a:defRPr sz="1400" kern="1200">
+                <a:solidFill>
+                  <a:schemeClr val="tx1">
+                    <a:lumMod val="65000"/>
+                    <a:lumOff val="35000"/>
+                  </a:schemeClr>
+                </a:solidFill>
+                <a:latin typeface="+mn-lt"/>
+                <a:ea typeface="+mn-ea"/>
+                <a:cs typeface="+mn-cs"/>
+              </a:defRPr>
+            </a:lvl7pPr>
+            <a:lvl8pPr marL="3429000" indent="-228600" algn="l" defTabSz="914400" rtl="0" eaLnBrk="1" latinLnBrk="0" hangingPunct="1">
+              <a:lnSpc>
+                <a:spcPct val="110000"/>
+              </a:lnSpc>
+              <a:spcBef>
+                <a:spcPts val="700"/>
+              </a:spcBef>
+              <a:buClr>
+                <a:schemeClr val="tx2"/>
+              </a:buClr>
+              <a:buFont typeface="Gill Sans MT" panose="020B0502020104020203" pitchFamily="34" charset="0"/>
+              <a:buChar char="–"/>
+              <a:defRPr sz="1400" kern="1200" baseline="0">
+                <a:solidFill>
+                  <a:schemeClr val="tx1">
+                    <a:lumMod val="65000"/>
+                    <a:lumOff val="35000"/>
+                  </a:schemeClr>
+                </a:solidFill>
+                <a:latin typeface="+mn-lt"/>
+                <a:ea typeface="+mn-ea"/>
+                <a:cs typeface="+mn-cs"/>
+              </a:defRPr>
+            </a:lvl8pPr>
+            <a:lvl9pPr marL="3886200" indent="-228600" algn="l" defTabSz="914400" rtl="0" eaLnBrk="1" latinLnBrk="0" hangingPunct="1">
+              <a:lnSpc>
+                <a:spcPct val="110000"/>
+              </a:lnSpc>
+              <a:spcBef>
+                <a:spcPts val="700"/>
+              </a:spcBef>
+              <a:buClr>
+                <a:schemeClr val="tx2"/>
+              </a:buClr>
+              <a:buFont typeface="Arial" panose="020B0604020202020204" pitchFamily="34" charset="0"/>
+              <a:buChar char="•"/>
+              <a:defRPr sz="1400" kern="1200" baseline="0">
+                <a:solidFill>
+                  <a:schemeClr val="tx1">
+                    <a:lumMod val="65000"/>
+                    <a:lumOff val="35000"/>
+                  </a:schemeClr>
+                </a:solidFill>
+                <a:latin typeface="+mn-lt"/>
+                <a:ea typeface="+mn-ea"/>
+                <a:cs typeface="+mn-cs"/>
+              </a:defRPr>
+            </a:lvl9pPr>
+          </a:lstStyle>
+          <a:p>
+            <a:pPr marL="0" indent="0">
+              <a:buFont typeface="Arial" panose="020B0604020202020204" pitchFamily="34" charset="0"/>
+              <a:buNone/>
+            </a:pPr>
+            <a:r>
+              <a:rPr lang="en-GB" dirty="0"/>
+              <a:t>Customer Focused</a:t>
+            </a:r>
+          </a:p>
+        </p:txBody>
+      </p:sp>
+      <p:sp>
+        <p:nvSpPr>
+          <p:cNvPr id="9" name="Content Placeholder 2">
+            <a:extLst>
+              <a:ext uri="{FF2B5EF4-FFF2-40B4-BE49-F238E27FC236}">
+                <a16:creationId xmlns:a16="http://schemas.microsoft.com/office/drawing/2014/main" id="{2CEF8E2E-10C9-486E-BBFF-FCC43D570E52}"/>
+              </a:ext>
+            </a:extLst>
+          </p:cNvPr>
+          <p:cNvSpPr txBox="1">
+            <a:spLocks/>
+          </p:cNvSpPr>
+          <p:nvPr/>
+        </p:nvSpPr>
+        <p:spPr>
+          <a:xfrm>
+            <a:off x="1591408" y="4016332"/>
+            <a:ext cx="1723292" cy="808892"/>
+          </a:xfrm>
+          <a:prstGeom prst="rect">
+            <a:avLst/>
+          </a:prstGeom>
+        </p:spPr>
+        <p:txBody>
+          <a:bodyPr vert="horz" lIns="91440" tIns="45720" rIns="91440" bIns="45720" rtlCol="0">
+            <a:normAutofit/>
+          </a:bodyPr>
+          <a:lstStyle>
+            <a:lvl1pPr marL="228600" indent="-228600" algn="l" defTabSz="914400" rtl="0" eaLnBrk="1" latinLnBrk="0" hangingPunct="1">
+              <a:lnSpc>
+                <a:spcPct val="110000"/>
+              </a:lnSpc>
+              <a:spcBef>
+                <a:spcPts val="700"/>
+              </a:spcBef>
+              <a:buClr>
+                <a:schemeClr val="tx2"/>
+              </a:buClr>
+              <a:buFont typeface="Arial" panose="020B0604020202020204" pitchFamily="34" charset="0"/>
+              <a:buChar char="•"/>
+              <a:defRPr sz="2000" kern="1200">
+                <a:solidFill>
+                  <a:schemeClr val="tx1">
+                    <a:lumMod val="65000"/>
+                    <a:lumOff val="35000"/>
+                  </a:schemeClr>
+                </a:solidFill>
+                <a:latin typeface="+mn-lt"/>
+                <a:ea typeface="+mn-ea"/>
+                <a:cs typeface="+mn-cs"/>
+              </a:defRPr>
+            </a:lvl1pPr>
+            <a:lvl2pPr marL="685800" indent="-228600" algn="l" defTabSz="914400" rtl="0" eaLnBrk="1" latinLnBrk="0" hangingPunct="1">
+              <a:lnSpc>
+                <a:spcPct val="110000"/>
+              </a:lnSpc>
+              <a:spcBef>
+                <a:spcPts val="700"/>
+              </a:spcBef>
+              <a:buClr>
+                <a:schemeClr val="tx2"/>
+              </a:buClr>
+              <a:buFont typeface="Gill Sans MT" panose="020B0502020104020203" pitchFamily="34" charset="0"/>
+              <a:buChar char="–"/>
+              <a:defRPr sz="1800" kern="1200">
+                <a:solidFill>
+                  <a:schemeClr val="tx1">
+                    <a:lumMod val="65000"/>
+                    <a:lumOff val="35000"/>
+                  </a:schemeClr>
+                </a:solidFill>
+                <a:latin typeface="+mn-lt"/>
+                <a:ea typeface="+mn-ea"/>
+                <a:cs typeface="+mn-cs"/>
+              </a:defRPr>
+            </a:lvl2pPr>
+            <a:lvl3pPr marL="1143000" indent="-228600" algn="l" defTabSz="914400" rtl="0" eaLnBrk="1" latinLnBrk="0" hangingPunct="1">
+              <a:lnSpc>
+                <a:spcPct val="110000"/>
+              </a:lnSpc>
+              <a:spcBef>
+                <a:spcPts val="700"/>
+              </a:spcBef>
+              <a:buClr>
+                <a:schemeClr val="tx2"/>
+              </a:buClr>
+              <a:buFont typeface="Arial" panose="020B0604020202020204" pitchFamily="34" charset="0"/>
+              <a:buChar char="•"/>
+              <a:defRPr sz="1600" kern="1200">
+                <a:solidFill>
+                  <a:schemeClr val="tx1">
+                    <a:lumMod val="65000"/>
+                    <a:lumOff val="35000"/>
+                  </a:schemeClr>
+                </a:solidFill>
+                <a:latin typeface="+mn-lt"/>
+                <a:ea typeface="+mn-ea"/>
+                <a:cs typeface="+mn-cs"/>
+              </a:defRPr>
+            </a:lvl3pPr>
+            <a:lvl4pPr marL="1600200" indent="-228600" algn="l" defTabSz="914400" rtl="0" eaLnBrk="1" latinLnBrk="0" hangingPunct="1">
+              <a:lnSpc>
+                <a:spcPct val="110000"/>
+              </a:lnSpc>
+              <a:spcBef>
+                <a:spcPts val="700"/>
+              </a:spcBef>
+              <a:buClr>
+                <a:schemeClr val="tx2"/>
+              </a:buClr>
+              <a:buFont typeface="Gill Sans MT" panose="020B0502020104020203" pitchFamily="34" charset="0"/>
+              <a:buChar char="–"/>
+              <a:defRPr sz="1400" kern="1200">
+                <a:solidFill>
+                  <a:schemeClr val="tx1">
+                    <a:lumMod val="65000"/>
+                    <a:lumOff val="35000"/>
+                  </a:schemeClr>
+                </a:solidFill>
+                <a:latin typeface="+mn-lt"/>
+                <a:ea typeface="+mn-ea"/>
+                <a:cs typeface="+mn-cs"/>
+              </a:defRPr>
+            </a:lvl4pPr>
+            <a:lvl5pPr marL="2057400" indent="-228600" algn="l" defTabSz="914400" rtl="0" eaLnBrk="1" latinLnBrk="0" hangingPunct="1">
+              <a:lnSpc>
+                <a:spcPct val="110000"/>
+              </a:lnSpc>
+              <a:spcBef>
+                <a:spcPts val="700"/>
+              </a:spcBef>
+              <a:buClr>
+                <a:schemeClr val="tx2"/>
+              </a:buClr>
+              <a:buFont typeface="Arial" panose="020B0604020202020204" pitchFamily="34" charset="0"/>
+              <a:buChar char="•"/>
+              <a:defRPr sz="1400" kern="1200">
+                <a:solidFill>
+                  <a:schemeClr val="tx1">
+                    <a:lumMod val="65000"/>
+                    <a:lumOff val="35000"/>
+                  </a:schemeClr>
+                </a:solidFill>
+                <a:latin typeface="+mn-lt"/>
+                <a:ea typeface="+mn-ea"/>
+                <a:cs typeface="+mn-cs"/>
+              </a:defRPr>
+            </a:lvl5pPr>
+            <a:lvl6pPr marL="2514600" indent="-228600" algn="l" defTabSz="914400" rtl="0" eaLnBrk="1" latinLnBrk="0" hangingPunct="1">
+              <a:lnSpc>
+                <a:spcPct val="110000"/>
+              </a:lnSpc>
+              <a:spcBef>
+                <a:spcPts val="700"/>
+              </a:spcBef>
+              <a:buClr>
+                <a:schemeClr val="tx2"/>
+              </a:buClr>
+              <a:buFont typeface="Gill Sans MT" panose="020B0502020104020203" pitchFamily="34" charset="0"/>
+              <a:buChar char="–"/>
+              <a:defRPr sz="1400" kern="1200">
+                <a:solidFill>
+                  <a:schemeClr val="tx1">
+                    <a:lumMod val="65000"/>
+                    <a:lumOff val="35000"/>
+                  </a:schemeClr>
+                </a:solidFill>
+                <a:latin typeface="+mn-lt"/>
+                <a:ea typeface="+mn-ea"/>
+                <a:cs typeface="+mn-cs"/>
+              </a:defRPr>
+            </a:lvl6pPr>
+            <a:lvl7pPr marL="2971800" indent="-228600" algn="l" defTabSz="914400" rtl="0" eaLnBrk="1" latinLnBrk="0" hangingPunct="1">
+              <a:lnSpc>
+                <a:spcPct val="110000"/>
+              </a:lnSpc>
+              <a:spcBef>
+                <a:spcPts val="700"/>
+              </a:spcBef>
+              <a:buClr>
+                <a:schemeClr val="tx2"/>
+              </a:buClr>
+              <a:buFont typeface="Arial" panose="020B0604020202020204" pitchFamily="34" charset="0"/>
+              <a:buChar char="•"/>
+              <a:defRPr sz="1400" kern="1200">
+                <a:solidFill>
+                  <a:schemeClr val="tx1">
+                    <a:lumMod val="65000"/>
+                    <a:lumOff val="35000"/>
+                  </a:schemeClr>
+                </a:solidFill>
+                <a:latin typeface="+mn-lt"/>
+                <a:ea typeface="+mn-ea"/>
+                <a:cs typeface="+mn-cs"/>
+              </a:defRPr>
+            </a:lvl7pPr>
+            <a:lvl8pPr marL="3429000" indent="-228600" algn="l" defTabSz="914400" rtl="0" eaLnBrk="1" latinLnBrk="0" hangingPunct="1">
+              <a:lnSpc>
+                <a:spcPct val="110000"/>
+              </a:lnSpc>
+              <a:spcBef>
+                <a:spcPts val="700"/>
+              </a:spcBef>
+              <a:buClr>
+                <a:schemeClr val="tx2"/>
+              </a:buClr>
+              <a:buFont typeface="Gill Sans MT" panose="020B0502020104020203" pitchFamily="34" charset="0"/>
+              <a:buChar char="–"/>
+              <a:defRPr sz="1400" kern="1200" baseline="0">
+                <a:solidFill>
+                  <a:schemeClr val="tx1">
+                    <a:lumMod val="65000"/>
+                    <a:lumOff val="35000"/>
+                  </a:schemeClr>
+                </a:solidFill>
+                <a:latin typeface="+mn-lt"/>
+                <a:ea typeface="+mn-ea"/>
+                <a:cs typeface="+mn-cs"/>
+              </a:defRPr>
+            </a:lvl8pPr>
+            <a:lvl9pPr marL="3886200" indent="-228600" algn="l" defTabSz="914400" rtl="0" eaLnBrk="1" latinLnBrk="0" hangingPunct="1">
+              <a:lnSpc>
+                <a:spcPct val="110000"/>
+              </a:lnSpc>
+              <a:spcBef>
+                <a:spcPts val="700"/>
+              </a:spcBef>
+              <a:buClr>
+                <a:schemeClr val="tx2"/>
+              </a:buClr>
+              <a:buFont typeface="Arial" panose="020B0604020202020204" pitchFamily="34" charset="0"/>
+              <a:buChar char="•"/>
+              <a:defRPr sz="1400" kern="1200" baseline="0">
+                <a:solidFill>
+                  <a:schemeClr val="tx1">
+                    <a:lumMod val="65000"/>
+                    <a:lumOff val="35000"/>
+                  </a:schemeClr>
+                </a:solidFill>
+                <a:latin typeface="+mn-lt"/>
+                <a:ea typeface="+mn-ea"/>
+                <a:cs typeface="+mn-cs"/>
+              </a:defRPr>
+            </a:lvl9pPr>
+          </a:lstStyle>
+          <a:p>
+            <a:pPr marL="0" indent="0">
+              <a:buFont typeface="Arial" panose="020B0604020202020204" pitchFamily="34" charset="0"/>
+              <a:buNone/>
+            </a:pPr>
+            <a:r>
+              <a:rPr lang="en-GB" dirty="0"/>
+              <a:t>Many different models</a:t>
+            </a:r>
+          </a:p>
+        </p:txBody>
+      </p:sp>
+      <p:sp>
+        <p:nvSpPr>
+          <p:cNvPr id="10" name="Content Placeholder 2">
+            <a:extLst>
+              <a:ext uri="{FF2B5EF4-FFF2-40B4-BE49-F238E27FC236}">
+                <a16:creationId xmlns:a16="http://schemas.microsoft.com/office/drawing/2014/main" id="{10E7DFC1-8571-4163-B80E-02A2872A57E0}"/>
+              </a:ext>
+            </a:extLst>
+          </p:cNvPr>
+          <p:cNvSpPr txBox="1">
+            <a:spLocks/>
+          </p:cNvSpPr>
+          <p:nvPr/>
+        </p:nvSpPr>
+        <p:spPr>
+          <a:xfrm>
+            <a:off x="8754208" y="5809962"/>
+            <a:ext cx="2605454" cy="512884"/>
+          </a:xfrm>
+          <a:prstGeom prst="rect">
+            <a:avLst/>
+          </a:prstGeom>
+        </p:spPr>
+        <p:txBody>
+          <a:bodyPr vert="horz" lIns="91440" tIns="45720" rIns="91440" bIns="45720" rtlCol="0">
+            <a:normAutofit/>
+          </a:bodyPr>
+          <a:lstStyle>
+            <a:lvl1pPr marL="228600" indent="-228600" algn="l" defTabSz="914400" rtl="0" eaLnBrk="1" latinLnBrk="0" hangingPunct="1">
+              <a:lnSpc>
+                <a:spcPct val="110000"/>
+              </a:lnSpc>
+              <a:spcBef>
+                <a:spcPts val="700"/>
+              </a:spcBef>
+              <a:buClr>
+                <a:schemeClr val="tx2"/>
+              </a:buClr>
+              <a:buFont typeface="Arial" panose="020B0604020202020204" pitchFamily="34" charset="0"/>
+              <a:buChar char="•"/>
+              <a:defRPr sz="2000" kern="1200">
+                <a:solidFill>
+                  <a:schemeClr val="tx1">
+                    <a:lumMod val="65000"/>
+                    <a:lumOff val="35000"/>
+                  </a:schemeClr>
+                </a:solidFill>
+                <a:latin typeface="+mn-lt"/>
+                <a:ea typeface="+mn-ea"/>
+                <a:cs typeface="+mn-cs"/>
+              </a:defRPr>
+            </a:lvl1pPr>
+            <a:lvl2pPr marL="685800" indent="-228600" algn="l" defTabSz="914400" rtl="0" eaLnBrk="1" latinLnBrk="0" hangingPunct="1">
+              <a:lnSpc>
+                <a:spcPct val="110000"/>
+              </a:lnSpc>
+              <a:spcBef>
+                <a:spcPts val="700"/>
+              </a:spcBef>
+              <a:buClr>
+                <a:schemeClr val="tx2"/>
+              </a:buClr>
+              <a:buFont typeface="Gill Sans MT" panose="020B0502020104020203" pitchFamily="34" charset="0"/>
+              <a:buChar char="–"/>
+              <a:defRPr sz="1800" kern="1200">
+                <a:solidFill>
+                  <a:schemeClr val="tx1">
+                    <a:lumMod val="65000"/>
+                    <a:lumOff val="35000"/>
+                  </a:schemeClr>
+                </a:solidFill>
+                <a:latin typeface="+mn-lt"/>
+                <a:ea typeface="+mn-ea"/>
+                <a:cs typeface="+mn-cs"/>
+              </a:defRPr>
+            </a:lvl2pPr>
+            <a:lvl3pPr marL="1143000" indent="-228600" algn="l" defTabSz="914400" rtl="0" eaLnBrk="1" latinLnBrk="0" hangingPunct="1">
+              <a:lnSpc>
+                <a:spcPct val="110000"/>
+              </a:lnSpc>
+              <a:spcBef>
+                <a:spcPts val="700"/>
+              </a:spcBef>
+              <a:buClr>
+                <a:schemeClr val="tx2"/>
+              </a:buClr>
+              <a:buFont typeface="Arial" panose="020B0604020202020204" pitchFamily="34" charset="0"/>
+              <a:buChar char="•"/>
+              <a:defRPr sz="1600" kern="1200">
+                <a:solidFill>
+                  <a:schemeClr val="tx1">
+                    <a:lumMod val="65000"/>
+                    <a:lumOff val="35000"/>
+                  </a:schemeClr>
+                </a:solidFill>
+                <a:latin typeface="+mn-lt"/>
+                <a:ea typeface="+mn-ea"/>
+                <a:cs typeface="+mn-cs"/>
+              </a:defRPr>
+            </a:lvl3pPr>
+            <a:lvl4pPr marL="1600200" indent="-228600" algn="l" defTabSz="914400" rtl="0" eaLnBrk="1" latinLnBrk="0" hangingPunct="1">
+              <a:lnSpc>
+                <a:spcPct val="110000"/>
+              </a:lnSpc>
+              <a:spcBef>
+                <a:spcPts val="700"/>
+              </a:spcBef>
+              <a:buClr>
+                <a:schemeClr val="tx2"/>
+              </a:buClr>
+              <a:buFont typeface="Gill Sans MT" panose="020B0502020104020203" pitchFamily="34" charset="0"/>
+              <a:buChar char="–"/>
+              <a:defRPr sz="1400" kern="1200">
+                <a:solidFill>
+                  <a:schemeClr val="tx1">
+                    <a:lumMod val="65000"/>
+                    <a:lumOff val="35000"/>
+                  </a:schemeClr>
+                </a:solidFill>
+                <a:latin typeface="+mn-lt"/>
+                <a:ea typeface="+mn-ea"/>
+                <a:cs typeface="+mn-cs"/>
+              </a:defRPr>
+            </a:lvl4pPr>
+            <a:lvl5pPr marL="2057400" indent="-228600" algn="l" defTabSz="914400" rtl="0" eaLnBrk="1" latinLnBrk="0" hangingPunct="1">
+              <a:lnSpc>
+                <a:spcPct val="110000"/>
+              </a:lnSpc>
+              <a:spcBef>
+                <a:spcPts val="700"/>
+              </a:spcBef>
+              <a:buClr>
+                <a:schemeClr val="tx2"/>
+              </a:buClr>
+              <a:buFont typeface="Arial" panose="020B0604020202020204" pitchFamily="34" charset="0"/>
+              <a:buChar char="•"/>
+              <a:defRPr sz="1400" kern="1200">
+                <a:solidFill>
+                  <a:schemeClr val="tx1">
+                    <a:lumMod val="65000"/>
+                    <a:lumOff val="35000"/>
+                  </a:schemeClr>
+                </a:solidFill>
+                <a:latin typeface="+mn-lt"/>
+                <a:ea typeface="+mn-ea"/>
+                <a:cs typeface="+mn-cs"/>
+              </a:defRPr>
+            </a:lvl5pPr>
+            <a:lvl6pPr marL="2514600" indent="-228600" algn="l" defTabSz="914400" rtl="0" eaLnBrk="1" latinLnBrk="0" hangingPunct="1">
+              <a:lnSpc>
+                <a:spcPct val="110000"/>
+              </a:lnSpc>
+              <a:spcBef>
+                <a:spcPts val="700"/>
+              </a:spcBef>
+              <a:buClr>
+                <a:schemeClr val="tx2"/>
+              </a:buClr>
+              <a:buFont typeface="Gill Sans MT" panose="020B0502020104020203" pitchFamily="34" charset="0"/>
+              <a:buChar char="–"/>
+              <a:defRPr sz="1400" kern="1200">
+                <a:solidFill>
+                  <a:schemeClr val="tx1">
+                    <a:lumMod val="65000"/>
+                    <a:lumOff val="35000"/>
+                  </a:schemeClr>
+                </a:solidFill>
+                <a:latin typeface="+mn-lt"/>
+                <a:ea typeface="+mn-ea"/>
+                <a:cs typeface="+mn-cs"/>
+              </a:defRPr>
+            </a:lvl6pPr>
+            <a:lvl7pPr marL="2971800" indent="-228600" algn="l" defTabSz="914400" rtl="0" eaLnBrk="1" latinLnBrk="0" hangingPunct="1">
+              <a:lnSpc>
+                <a:spcPct val="110000"/>
+              </a:lnSpc>
+              <a:spcBef>
+                <a:spcPts val="700"/>
+              </a:spcBef>
+              <a:buClr>
+                <a:schemeClr val="tx2"/>
+              </a:buClr>
+              <a:buFont typeface="Arial" panose="020B0604020202020204" pitchFamily="34" charset="0"/>
+              <a:buChar char="•"/>
+              <a:defRPr sz="1400" kern="1200">
+                <a:solidFill>
+                  <a:schemeClr val="tx1">
+                    <a:lumMod val="65000"/>
+                    <a:lumOff val="35000"/>
+                  </a:schemeClr>
+                </a:solidFill>
+                <a:latin typeface="+mn-lt"/>
+                <a:ea typeface="+mn-ea"/>
+                <a:cs typeface="+mn-cs"/>
+              </a:defRPr>
+            </a:lvl7pPr>
+            <a:lvl8pPr marL="3429000" indent="-228600" algn="l" defTabSz="914400" rtl="0" eaLnBrk="1" latinLnBrk="0" hangingPunct="1">
+              <a:lnSpc>
+                <a:spcPct val="110000"/>
+              </a:lnSpc>
+              <a:spcBef>
+                <a:spcPts val="700"/>
+              </a:spcBef>
+              <a:buClr>
+                <a:schemeClr val="tx2"/>
+              </a:buClr>
+              <a:buFont typeface="Gill Sans MT" panose="020B0502020104020203" pitchFamily="34" charset="0"/>
+              <a:buChar char="–"/>
+              <a:defRPr sz="1400" kern="1200" baseline="0">
+                <a:solidFill>
+                  <a:schemeClr val="tx1">
+                    <a:lumMod val="65000"/>
+                    <a:lumOff val="35000"/>
+                  </a:schemeClr>
+                </a:solidFill>
+                <a:latin typeface="+mn-lt"/>
+                <a:ea typeface="+mn-ea"/>
+                <a:cs typeface="+mn-cs"/>
+              </a:defRPr>
+            </a:lvl8pPr>
+            <a:lvl9pPr marL="3886200" indent="-228600" algn="l" defTabSz="914400" rtl="0" eaLnBrk="1" latinLnBrk="0" hangingPunct="1">
+              <a:lnSpc>
+                <a:spcPct val="110000"/>
+              </a:lnSpc>
+              <a:spcBef>
+                <a:spcPts val="700"/>
+              </a:spcBef>
+              <a:buClr>
+                <a:schemeClr val="tx2"/>
+              </a:buClr>
+              <a:buFont typeface="Arial" panose="020B0604020202020204" pitchFamily="34" charset="0"/>
+              <a:buChar char="•"/>
+              <a:defRPr sz="1400" kern="1200" baseline="0">
+                <a:solidFill>
+                  <a:schemeClr val="tx1">
+                    <a:lumMod val="65000"/>
+                    <a:lumOff val="35000"/>
+                  </a:schemeClr>
+                </a:solidFill>
+                <a:latin typeface="+mn-lt"/>
+                <a:ea typeface="+mn-ea"/>
+                <a:cs typeface="+mn-cs"/>
+              </a:defRPr>
+            </a:lvl9pPr>
+          </a:lstStyle>
+          <a:p>
+            <a:pPr marL="0" indent="0">
+              <a:buFont typeface="Arial" panose="020B0604020202020204" pitchFamily="34" charset="0"/>
+              <a:buNone/>
+            </a:pPr>
+            <a:r>
+              <a:rPr lang="en-GB" dirty="0"/>
+              <a:t>Constant re-evaluation</a:t>
+            </a:r>
+          </a:p>
+        </p:txBody>
+      </p:sp>
+      <p:sp>
+        <p:nvSpPr>
+          <p:cNvPr id="11" name="Content Placeholder 2">
+            <a:extLst>
+              <a:ext uri="{FF2B5EF4-FFF2-40B4-BE49-F238E27FC236}">
+                <a16:creationId xmlns:a16="http://schemas.microsoft.com/office/drawing/2014/main" id="{DC63ECB7-8F6E-4245-AC7A-E0CE7A68C05F}"/>
+              </a:ext>
+            </a:extLst>
+          </p:cNvPr>
+          <p:cNvSpPr txBox="1">
+            <a:spLocks/>
+          </p:cNvSpPr>
+          <p:nvPr/>
+        </p:nvSpPr>
+        <p:spPr>
+          <a:xfrm>
+            <a:off x="6471378" y="3176956"/>
+            <a:ext cx="1201376" cy="545122"/>
+          </a:xfrm>
+          <a:prstGeom prst="rect">
+            <a:avLst/>
+          </a:prstGeom>
+        </p:spPr>
+        <p:txBody>
+          <a:bodyPr vert="horz" lIns="91440" tIns="45720" rIns="91440" bIns="45720" rtlCol="0">
+            <a:normAutofit fontScale="77500" lnSpcReduction="20000"/>
+          </a:bodyPr>
+          <a:lstStyle>
+            <a:lvl1pPr marL="228600" indent="-228600" algn="l" defTabSz="914400" rtl="0" eaLnBrk="1" latinLnBrk="0" hangingPunct="1">
+              <a:lnSpc>
+                <a:spcPct val="110000"/>
+              </a:lnSpc>
+              <a:spcBef>
+                <a:spcPts val="700"/>
+              </a:spcBef>
+              <a:buClr>
+                <a:schemeClr val="tx2"/>
+              </a:buClr>
+              <a:buFont typeface="Arial" panose="020B0604020202020204" pitchFamily="34" charset="0"/>
+              <a:buChar char="•"/>
+              <a:defRPr sz="2000" kern="1200">
+                <a:solidFill>
+                  <a:schemeClr val="tx1">
+                    <a:lumMod val="65000"/>
+                    <a:lumOff val="35000"/>
+                  </a:schemeClr>
+                </a:solidFill>
+                <a:latin typeface="+mn-lt"/>
+                <a:ea typeface="+mn-ea"/>
+                <a:cs typeface="+mn-cs"/>
+              </a:defRPr>
+            </a:lvl1pPr>
+            <a:lvl2pPr marL="685800" indent="-228600" algn="l" defTabSz="914400" rtl="0" eaLnBrk="1" latinLnBrk="0" hangingPunct="1">
+              <a:lnSpc>
+                <a:spcPct val="110000"/>
+              </a:lnSpc>
+              <a:spcBef>
+                <a:spcPts val="700"/>
+              </a:spcBef>
+              <a:buClr>
+                <a:schemeClr val="tx2"/>
+              </a:buClr>
+              <a:buFont typeface="Gill Sans MT" panose="020B0502020104020203" pitchFamily="34" charset="0"/>
+              <a:buChar char="–"/>
+              <a:defRPr sz="1800" kern="1200">
+                <a:solidFill>
+                  <a:schemeClr val="tx1">
+                    <a:lumMod val="65000"/>
+                    <a:lumOff val="35000"/>
+                  </a:schemeClr>
+                </a:solidFill>
+                <a:latin typeface="+mn-lt"/>
+                <a:ea typeface="+mn-ea"/>
+                <a:cs typeface="+mn-cs"/>
+              </a:defRPr>
+            </a:lvl2pPr>
+            <a:lvl3pPr marL="1143000" indent="-228600" algn="l" defTabSz="914400" rtl="0" eaLnBrk="1" latinLnBrk="0" hangingPunct="1">
+              <a:lnSpc>
+                <a:spcPct val="110000"/>
+              </a:lnSpc>
+              <a:spcBef>
+                <a:spcPts val="700"/>
+              </a:spcBef>
+              <a:buClr>
+                <a:schemeClr val="tx2"/>
+              </a:buClr>
+              <a:buFont typeface="Arial" panose="020B0604020202020204" pitchFamily="34" charset="0"/>
+              <a:buChar char="•"/>
+              <a:defRPr sz="1600" kern="1200">
+                <a:solidFill>
+                  <a:schemeClr val="tx1">
+                    <a:lumMod val="65000"/>
+                    <a:lumOff val="35000"/>
+                  </a:schemeClr>
+                </a:solidFill>
+                <a:latin typeface="+mn-lt"/>
+                <a:ea typeface="+mn-ea"/>
+                <a:cs typeface="+mn-cs"/>
+              </a:defRPr>
+            </a:lvl3pPr>
+            <a:lvl4pPr marL="1600200" indent="-228600" algn="l" defTabSz="914400" rtl="0" eaLnBrk="1" latinLnBrk="0" hangingPunct="1">
+              <a:lnSpc>
+                <a:spcPct val="110000"/>
+              </a:lnSpc>
+              <a:spcBef>
+                <a:spcPts val="700"/>
+              </a:spcBef>
+              <a:buClr>
+                <a:schemeClr val="tx2"/>
+              </a:buClr>
+              <a:buFont typeface="Gill Sans MT" panose="020B0502020104020203" pitchFamily="34" charset="0"/>
+              <a:buChar char="–"/>
+              <a:defRPr sz="1400" kern="1200">
+                <a:solidFill>
+                  <a:schemeClr val="tx1">
+                    <a:lumMod val="65000"/>
+                    <a:lumOff val="35000"/>
+                  </a:schemeClr>
+                </a:solidFill>
+                <a:latin typeface="+mn-lt"/>
+                <a:ea typeface="+mn-ea"/>
+                <a:cs typeface="+mn-cs"/>
+              </a:defRPr>
+            </a:lvl4pPr>
+            <a:lvl5pPr marL="2057400" indent="-228600" algn="l" defTabSz="914400" rtl="0" eaLnBrk="1" latinLnBrk="0" hangingPunct="1">
+              <a:lnSpc>
+                <a:spcPct val="110000"/>
+              </a:lnSpc>
+              <a:spcBef>
+                <a:spcPts val="700"/>
+              </a:spcBef>
+              <a:buClr>
+                <a:schemeClr val="tx2"/>
+              </a:buClr>
+              <a:buFont typeface="Arial" panose="020B0604020202020204" pitchFamily="34" charset="0"/>
+              <a:buChar char="•"/>
+              <a:defRPr sz="1400" kern="1200">
+                <a:solidFill>
+                  <a:schemeClr val="tx1">
+                    <a:lumMod val="65000"/>
+                    <a:lumOff val="35000"/>
+                  </a:schemeClr>
+                </a:solidFill>
+                <a:latin typeface="+mn-lt"/>
+                <a:ea typeface="+mn-ea"/>
+                <a:cs typeface="+mn-cs"/>
+              </a:defRPr>
+            </a:lvl5pPr>
+            <a:lvl6pPr marL="2514600" indent="-228600" algn="l" defTabSz="914400" rtl="0" eaLnBrk="1" latinLnBrk="0" hangingPunct="1">
+              <a:lnSpc>
+                <a:spcPct val="110000"/>
+              </a:lnSpc>
+              <a:spcBef>
+                <a:spcPts val="700"/>
+              </a:spcBef>
+              <a:buClr>
+                <a:schemeClr val="tx2"/>
+              </a:buClr>
+              <a:buFont typeface="Gill Sans MT" panose="020B0502020104020203" pitchFamily="34" charset="0"/>
+              <a:buChar char="–"/>
+              <a:defRPr sz="1400" kern="1200">
+                <a:solidFill>
+                  <a:schemeClr val="tx1">
+                    <a:lumMod val="65000"/>
+                    <a:lumOff val="35000"/>
+                  </a:schemeClr>
+                </a:solidFill>
+                <a:latin typeface="+mn-lt"/>
+                <a:ea typeface="+mn-ea"/>
+                <a:cs typeface="+mn-cs"/>
+              </a:defRPr>
+            </a:lvl6pPr>
+            <a:lvl7pPr marL="2971800" indent="-228600" algn="l" defTabSz="914400" rtl="0" eaLnBrk="1" latinLnBrk="0" hangingPunct="1">
+              <a:lnSpc>
+                <a:spcPct val="110000"/>
+              </a:lnSpc>
+              <a:spcBef>
+                <a:spcPts val="700"/>
+              </a:spcBef>
+              <a:buClr>
+                <a:schemeClr val="tx2"/>
+              </a:buClr>
+              <a:buFont typeface="Arial" panose="020B0604020202020204" pitchFamily="34" charset="0"/>
+              <a:buChar char="•"/>
+              <a:defRPr sz="1400" kern="1200">
+                <a:solidFill>
+                  <a:schemeClr val="tx1">
+                    <a:lumMod val="65000"/>
+                    <a:lumOff val="35000"/>
+                  </a:schemeClr>
+                </a:solidFill>
+                <a:latin typeface="+mn-lt"/>
+                <a:ea typeface="+mn-ea"/>
+                <a:cs typeface="+mn-cs"/>
+              </a:defRPr>
+            </a:lvl7pPr>
+            <a:lvl8pPr marL="3429000" indent="-228600" algn="l" defTabSz="914400" rtl="0" eaLnBrk="1" latinLnBrk="0" hangingPunct="1">
+              <a:lnSpc>
+                <a:spcPct val="110000"/>
+              </a:lnSpc>
+              <a:spcBef>
+                <a:spcPts val="700"/>
+              </a:spcBef>
+              <a:buClr>
+                <a:schemeClr val="tx2"/>
+              </a:buClr>
+              <a:buFont typeface="Gill Sans MT" panose="020B0502020104020203" pitchFamily="34" charset="0"/>
+              <a:buChar char="–"/>
+              <a:defRPr sz="1400" kern="1200" baseline="0">
+                <a:solidFill>
+                  <a:schemeClr val="tx1">
+                    <a:lumMod val="65000"/>
+                    <a:lumOff val="35000"/>
+                  </a:schemeClr>
+                </a:solidFill>
+                <a:latin typeface="+mn-lt"/>
+                <a:ea typeface="+mn-ea"/>
+                <a:cs typeface="+mn-cs"/>
+              </a:defRPr>
+            </a:lvl8pPr>
+            <a:lvl9pPr marL="3886200" indent="-228600" algn="l" defTabSz="914400" rtl="0" eaLnBrk="1" latinLnBrk="0" hangingPunct="1">
+              <a:lnSpc>
+                <a:spcPct val="110000"/>
+              </a:lnSpc>
+              <a:spcBef>
+                <a:spcPts val="700"/>
+              </a:spcBef>
+              <a:buClr>
+                <a:schemeClr val="tx2"/>
+              </a:buClr>
+              <a:buFont typeface="Arial" panose="020B0604020202020204" pitchFamily="34" charset="0"/>
+              <a:buChar char="•"/>
+              <a:defRPr sz="1400" kern="1200" baseline="0">
+                <a:solidFill>
+                  <a:schemeClr val="tx1">
+                    <a:lumMod val="65000"/>
+                    <a:lumOff val="35000"/>
+                  </a:schemeClr>
+                </a:solidFill>
+                <a:latin typeface="+mn-lt"/>
+                <a:ea typeface="+mn-ea"/>
+                <a:cs typeface="+mn-cs"/>
+              </a:defRPr>
+            </a:lvl9pPr>
+          </a:lstStyle>
+          <a:p>
+            <a:pPr marL="0" indent="0">
+              <a:buFont typeface="Arial" panose="020B0604020202020204" pitchFamily="34" charset="0"/>
+              <a:buNone/>
+            </a:pPr>
+            <a:r>
+              <a:rPr lang="en-GB" dirty="0"/>
+              <a:t>Data Driven</a:t>
+            </a:r>
+          </a:p>
+        </p:txBody>
+      </p:sp>
+      <p:sp>
+        <p:nvSpPr>
+          <p:cNvPr id="12" name="Content Placeholder 2">
+            <a:extLst>
+              <a:ext uri="{FF2B5EF4-FFF2-40B4-BE49-F238E27FC236}">
+                <a16:creationId xmlns:a16="http://schemas.microsoft.com/office/drawing/2014/main" id="{43F839AA-BECD-44BC-A0E9-9961F7C43BE6}"/>
+              </a:ext>
+            </a:extLst>
+          </p:cNvPr>
+          <p:cNvSpPr txBox="1">
+            <a:spLocks/>
+          </p:cNvSpPr>
+          <p:nvPr/>
+        </p:nvSpPr>
+        <p:spPr>
+          <a:xfrm>
+            <a:off x="3927469" y="5035089"/>
+            <a:ext cx="1201376" cy="344652"/>
+          </a:xfrm>
+          <a:prstGeom prst="rect">
+            <a:avLst/>
+          </a:prstGeom>
+        </p:spPr>
+        <p:txBody>
+          <a:bodyPr vert="horz" lIns="91440" tIns="45720" rIns="91440" bIns="45720" rtlCol="0">
+            <a:normAutofit fontScale="77500" lnSpcReduction="20000"/>
+          </a:bodyPr>
+          <a:lstStyle>
+            <a:lvl1pPr marL="228600" indent="-228600" algn="l" defTabSz="914400" rtl="0" eaLnBrk="1" latinLnBrk="0" hangingPunct="1">
+              <a:lnSpc>
+                <a:spcPct val="110000"/>
+              </a:lnSpc>
+              <a:spcBef>
+                <a:spcPts val="700"/>
+              </a:spcBef>
+              <a:buClr>
+                <a:schemeClr val="tx2"/>
+              </a:buClr>
+              <a:buFont typeface="Arial" panose="020B0604020202020204" pitchFamily="34" charset="0"/>
+              <a:buChar char="•"/>
+              <a:defRPr sz="2000" kern="1200">
+                <a:solidFill>
+                  <a:schemeClr val="tx1">
+                    <a:lumMod val="65000"/>
+                    <a:lumOff val="35000"/>
+                  </a:schemeClr>
+                </a:solidFill>
+                <a:latin typeface="+mn-lt"/>
+                <a:ea typeface="+mn-ea"/>
+                <a:cs typeface="+mn-cs"/>
+              </a:defRPr>
+            </a:lvl1pPr>
+            <a:lvl2pPr marL="685800" indent="-228600" algn="l" defTabSz="914400" rtl="0" eaLnBrk="1" latinLnBrk="0" hangingPunct="1">
+              <a:lnSpc>
+                <a:spcPct val="110000"/>
+              </a:lnSpc>
+              <a:spcBef>
+                <a:spcPts val="700"/>
+              </a:spcBef>
+              <a:buClr>
+                <a:schemeClr val="tx2"/>
+              </a:buClr>
+              <a:buFont typeface="Gill Sans MT" panose="020B0502020104020203" pitchFamily="34" charset="0"/>
+              <a:buChar char="–"/>
+              <a:defRPr sz="1800" kern="1200">
+                <a:solidFill>
+                  <a:schemeClr val="tx1">
+                    <a:lumMod val="65000"/>
+                    <a:lumOff val="35000"/>
+                  </a:schemeClr>
+                </a:solidFill>
+                <a:latin typeface="+mn-lt"/>
+                <a:ea typeface="+mn-ea"/>
+                <a:cs typeface="+mn-cs"/>
+              </a:defRPr>
+            </a:lvl2pPr>
+            <a:lvl3pPr marL="1143000" indent="-228600" algn="l" defTabSz="914400" rtl="0" eaLnBrk="1" latinLnBrk="0" hangingPunct="1">
+              <a:lnSpc>
+                <a:spcPct val="110000"/>
+              </a:lnSpc>
+              <a:spcBef>
+                <a:spcPts val="700"/>
+              </a:spcBef>
+              <a:buClr>
+                <a:schemeClr val="tx2"/>
+              </a:buClr>
+              <a:buFont typeface="Arial" panose="020B0604020202020204" pitchFamily="34" charset="0"/>
+              <a:buChar char="•"/>
+              <a:defRPr sz="1600" kern="1200">
+                <a:solidFill>
+                  <a:schemeClr val="tx1">
+                    <a:lumMod val="65000"/>
+                    <a:lumOff val="35000"/>
+                  </a:schemeClr>
+                </a:solidFill>
+                <a:latin typeface="+mn-lt"/>
+                <a:ea typeface="+mn-ea"/>
+                <a:cs typeface="+mn-cs"/>
+              </a:defRPr>
+            </a:lvl3pPr>
+            <a:lvl4pPr marL="1600200" indent="-228600" algn="l" defTabSz="914400" rtl="0" eaLnBrk="1" latinLnBrk="0" hangingPunct="1">
+              <a:lnSpc>
+                <a:spcPct val="110000"/>
+              </a:lnSpc>
+              <a:spcBef>
+                <a:spcPts val="700"/>
+              </a:spcBef>
+              <a:buClr>
+                <a:schemeClr val="tx2"/>
+              </a:buClr>
+              <a:buFont typeface="Gill Sans MT" panose="020B0502020104020203" pitchFamily="34" charset="0"/>
+              <a:buChar char="–"/>
+              <a:defRPr sz="1400" kern="1200">
+                <a:solidFill>
+                  <a:schemeClr val="tx1">
+                    <a:lumMod val="65000"/>
+                    <a:lumOff val="35000"/>
+                  </a:schemeClr>
+                </a:solidFill>
+                <a:latin typeface="+mn-lt"/>
+                <a:ea typeface="+mn-ea"/>
+                <a:cs typeface="+mn-cs"/>
+              </a:defRPr>
+            </a:lvl4pPr>
+            <a:lvl5pPr marL="2057400" indent="-228600" algn="l" defTabSz="914400" rtl="0" eaLnBrk="1" latinLnBrk="0" hangingPunct="1">
+              <a:lnSpc>
+                <a:spcPct val="110000"/>
+              </a:lnSpc>
+              <a:spcBef>
+                <a:spcPts val="700"/>
+              </a:spcBef>
+              <a:buClr>
+                <a:schemeClr val="tx2"/>
+              </a:buClr>
+              <a:buFont typeface="Arial" panose="020B0604020202020204" pitchFamily="34" charset="0"/>
+              <a:buChar char="•"/>
+              <a:defRPr sz="1400" kern="1200">
+                <a:solidFill>
+                  <a:schemeClr val="tx1">
+                    <a:lumMod val="65000"/>
+                    <a:lumOff val="35000"/>
+                  </a:schemeClr>
+                </a:solidFill>
+                <a:latin typeface="+mn-lt"/>
+                <a:ea typeface="+mn-ea"/>
+                <a:cs typeface="+mn-cs"/>
+              </a:defRPr>
+            </a:lvl5pPr>
+            <a:lvl6pPr marL="2514600" indent="-228600" algn="l" defTabSz="914400" rtl="0" eaLnBrk="1" latinLnBrk="0" hangingPunct="1">
+              <a:lnSpc>
+                <a:spcPct val="110000"/>
+              </a:lnSpc>
+              <a:spcBef>
+                <a:spcPts val="700"/>
+              </a:spcBef>
+              <a:buClr>
+                <a:schemeClr val="tx2"/>
+              </a:buClr>
+              <a:buFont typeface="Gill Sans MT" panose="020B0502020104020203" pitchFamily="34" charset="0"/>
+              <a:buChar char="–"/>
+              <a:defRPr sz="1400" kern="1200">
+                <a:solidFill>
+                  <a:schemeClr val="tx1">
+                    <a:lumMod val="65000"/>
+                    <a:lumOff val="35000"/>
+                  </a:schemeClr>
+                </a:solidFill>
+                <a:latin typeface="+mn-lt"/>
+                <a:ea typeface="+mn-ea"/>
+                <a:cs typeface="+mn-cs"/>
+              </a:defRPr>
+            </a:lvl6pPr>
+            <a:lvl7pPr marL="2971800" indent="-228600" algn="l" defTabSz="914400" rtl="0" eaLnBrk="1" latinLnBrk="0" hangingPunct="1">
+              <a:lnSpc>
+                <a:spcPct val="110000"/>
+              </a:lnSpc>
+              <a:spcBef>
+                <a:spcPts val="700"/>
+              </a:spcBef>
+              <a:buClr>
+                <a:schemeClr val="tx2"/>
+              </a:buClr>
+              <a:buFont typeface="Arial" panose="020B0604020202020204" pitchFamily="34" charset="0"/>
+              <a:buChar char="•"/>
+              <a:defRPr sz="1400" kern="1200">
+                <a:solidFill>
+                  <a:schemeClr val="tx1">
+                    <a:lumMod val="65000"/>
+                    <a:lumOff val="35000"/>
+                  </a:schemeClr>
+                </a:solidFill>
+                <a:latin typeface="+mn-lt"/>
+                <a:ea typeface="+mn-ea"/>
+                <a:cs typeface="+mn-cs"/>
+              </a:defRPr>
+            </a:lvl7pPr>
+            <a:lvl8pPr marL="3429000" indent="-228600" algn="l" defTabSz="914400" rtl="0" eaLnBrk="1" latinLnBrk="0" hangingPunct="1">
+              <a:lnSpc>
+                <a:spcPct val="110000"/>
+              </a:lnSpc>
+              <a:spcBef>
+                <a:spcPts val="700"/>
+              </a:spcBef>
+              <a:buClr>
+                <a:schemeClr val="tx2"/>
+              </a:buClr>
+              <a:buFont typeface="Gill Sans MT" panose="020B0502020104020203" pitchFamily="34" charset="0"/>
+              <a:buChar char="–"/>
+              <a:defRPr sz="1400" kern="1200" baseline="0">
+                <a:solidFill>
+                  <a:schemeClr val="tx1">
+                    <a:lumMod val="65000"/>
+                    <a:lumOff val="35000"/>
+                  </a:schemeClr>
+                </a:solidFill>
+                <a:latin typeface="+mn-lt"/>
+                <a:ea typeface="+mn-ea"/>
+                <a:cs typeface="+mn-cs"/>
+              </a:defRPr>
+            </a:lvl8pPr>
+            <a:lvl9pPr marL="3886200" indent="-228600" algn="l" defTabSz="914400" rtl="0" eaLnBrk="1" latinLnBrk="0" hangingPunct="1">
+              <a:lnSpc>
+                <a:spcPct val="110000"/>
+              </a:lnSpc>
+              <a:spcBef>
+                <a:spcPts val="700"/>
+              </a:spcBef>
+              <a:buClr>
+                <a:schemeClr val="tx2"/>
+              </a:buClr>
+              <a:buFont typeface="Arial" panose="020B0604020202020204" pitchFamily="34" charset="0"/>
+              <a:buChar char="•"/>
+              <a:defRPr sz="1400" kern="1200" baseline="0">
+                <a:solidFill>
+                  <a:schemeClr val="tx1">
+                    <a:lumMod val="65000"/>
+                    <a:lumOff val="35000"/>
+                  </a:schemeClr>
+                </a:solidFill>
+                <a:latin typeface="+mn-lt"/>
+                <a:ea typeface="+mn-ea"/>
+                <a:cs typeface="+mn-cs"/>
+              </a:defRPr>
+            </a:lvl9pPr>
+          </a:lstStyle>
+          <a:p>
+            <a:pPr marL="0" indent="0">
+              <a:buFont typeface="Arial" panose="020B0604020202020204" pitchFamily="34" charset="0"/>
+              <a:buNone/>
+            </a:pPr>
+            <a:r>
+              <a:rPr lang="en-GB" dirty="0"/>
+              <a:t>Data Driven</a:t>
+            </a:r>
+          </a:p>
+        </p:txBody>
+      </p:sp>
+      <p:sp>
+        <p:nvSpPr>
+          <p:cNvPr id="13" name="Content Placeholder 2">
+            <a:extLst>
+              <a:ext uri="{FF2B5EF4-FFF2-40B4-BE49-F238E27FC236}">
+                <a16:creationId xmlns:a16="http://schemas.microsoft.com/office/drawing/2014/main" id="{BA77D86C-E334-4A0C-8D1F-F4870170CEEC}"/>
+              </a:ext>
+            </a:extLst>
+          </p:cNvPr>
+          <p:cNvSpPr txBox="1">
+            <a:spLocks/>
+          </p:cNvSpPr>
+          <p:nvPr/>
+        </p:nvSpPr>
+        <p:spPr>
+          <a:xfrm>
+            <a:off x="6096000" y="5821685"/>
+            <a:ext cx="1201376" cy="344652"/>
+          </a:xfrm>
+          <a:prstGeom prst="rect">
+            <a:avLst/>
+          </a:prstGeom>
+        </p:spPr>
+        <p:txBody>
+          <a:bodyPr vert="horz" lIns="91440" tIns="45720" rIns="91440" bIns="45720" rtlCol="0">
+            <a:normAutofit fontScale="85000" lnSpcReduction="20000"/>
+          </a:bodyPr>
+          <a:lstStyle>
+            <a:lvl1pPr marL="228600" indent="-228600" algn="l" defTabSz="914400" rtl="0" eaLnBrk="1" latinLnBrk="0" hangingPunct="1">
+              <a:lnSpc>
+                <a:spcPct val="110000"/>
+              </a:lnSpc>
+              <a:spcBef>
+                <a:spcPts val="700"/>
+              </a:spcBef>
+              <a:buClr>
+                <a:schemeClr val="tx2"/>
+              </a:buClr>
+              <a:buFont typeface="Arial" panose="020B0604020202020204" pitchFamily="34" charset="0"/>
+              <a:buChar char="•"/>
+              <a:defRPr sz="2000" kern="1200">
+                <a:solidFill>
+                  <a:schemeClr val="tx1">
+                    <a:lumMod val="65000"/>
+                    <a:lumOff val="35000"/>
+                  </a:schemeClr>
+                </a:solidFill>
+                <a:latin typeface="+mn-lt"/>
+                <a:ea typeface="+mn-ea"/>
+                <a:cs typeface="+mn-cs"/>
+              </a:defRPr>
+            </a:lvl1pPr>
+            <a:lvl2pPr marL="685800" indent="-228600" algn="l" defTabSz="914400" rtl="0" eaLnBrk="1" latinLnBrk="0" hangingPunct="1">
+              <a:lnSpc>
+                <a:spcPct val="110000"/>
+              </a:lnSpc>
+              <a:spcBef>
+                <a:spcPts val="700"/>
+              </a:spcBef>
+              <a:buClr>
+                <a:schemeClr val="tx2"/>
+              </a:buClr>
+              <a:buFont typeface="Gill Sans MT" panose="020B0502020104020203" pitchFamily="34" charset="0"/>
+              <a:buChar char="–"/>
+              <a:defRPr sz="1800" kern="1200">
+                <a:solidFill>
+                  <a:schemeClr val="tx1">
+                    <a:lumMod val="65000"/>
+                    <a:lumOff val="35000"/>
+                  </a:schemeClr>
+                </a:solidFill>
+                <a:latin typeface="+mn-lt"/>
+                <a:ea typeface="+mn-ea"/>
+                <a:cs typeface="+mn-cs"/>
+              </a:defRPr>
+            </a:lvl2pPr>
+            <a:lvl3pPr marL="1143000" indent="-228600" algn="l" defTabSz="914400" rtl="0" eaLnBrk="1" latinLnBrk="0" hangingPunct="1">
+              <a:lnSpc>
+                <a:spcPct val="110000"/>
+              </a:lnSpc>
+              <a:spcBef>
+                <a:spcPts val="700"/>
+              </a:spcBef>
+              <a:buClr>
+                <a:schemeClr val="tx2"/>
+              </a:buClr>
+              <a:buFont typeface="Arial" panose="020B0604020202020204" pitchFamily="34" charset="0"/>
+              <a:buChar char="•"/>
+              <a:defRPr sz="1600" kern="1200">
+                <a:solidFill>
+                  <a:schemeClr val="tx1">
+                    <a:lumMod val="65000"/>
+                    <a:lumOff val="35000"/>
+                  </a:schemeClr>
+                </a:solidFill>
+                <a:latin typeface="+mn-lt"/>
+                <a:ea typeface="+mn-ea"/>
+                <a:cs typeface="+mn-cs"/>
+              </a:defRPr>
+            </a:lvl3pPr>
+            <a:lvl4pPr marL="1600200" indent="-228600" algn="l" defTabSz="914400" rtl="0" eaLnBrk="1" latinLnBrk="0" hangingPunct="1">
+              <a:lnSpc>
+                <a:spcPct val="110000"/>
+              </a:lnSpc>
+              <a:spcBef>
+                <a:spcPts val="700"/>
+              </a:spcBef>
+              <a:buClr>
+                <a:schemeClr val="tx2"/>
+              </a:buClr>
+              <a:buFont typeface="Gill Sans MT" panose="020B0502020104020203" pitchFamily="34" charset="0"/>
+              <a:buChar char="–"/>
+              <a:defRPr sz="1400" kern="1200">
+                <a:solidFill>
+                  <a:schemeClr val="tx1">
+                    <a:lumMod val="65000"/>
+                    <a:lumOff val="35000"/>
+                  </a:schemeClr>
+                </a:solidFill>
+                <a:latin typeface="+mn-lt"/>
+                <a:ea typeface="+mn-ea"/>
+                <a:cs typeface="+mn-cs"/>
+              </a:defRPr>
+            </a:lvl4pPr>
+            <a:lvl5pPr marL="2057400" indent="-228600" algn="l" defTabSz="914400" rtl="0" eaLnBrk="1" latinLnBrk="0" hangingPunct="1">
+              <a:lnSpc>
+                <a:spcPct val="110000"/>
+              </a:lnSpc>
+              <a:spcBef>
+                <a:spcPts val="700"/>
+              </a:spcBef>
+              <a:buClr>
+                <a:schemeClr val="tx2"/>
+              </a:buClr>
+              <a:buFont typeface="Arial" panose="020B0604020202020204" pitchFamily="34" charset="0"/>
+              <a:buChar char="•"/>
+              <a:defRPr sz="1400" kern="1200">
+                <a:solidFill>
+                  <a:schemeClr val="tx1">
+                    <a:lumMod val="65000"/>
+                    <a:lumOff val="35000"/>
+                  </a:schemeClr>
+                </a:solidFill>
+                <a:latin typeface="+mn-lt"/>
+                <a:ea typeface="+mn-ea"/>
+                <a:cs typeface="+mn-cs"/>
+              </a:defRPr>
+            </a:lvl5pPr>
+            <a:lvl6pPr marL="2514600" indent="-228600" algn="l" defTabSz="914400" rtl="0" eaLnBrk="1" latinLnBrk="0" hangingPunct="1">
+              <a:lnSpc>
+                <a:spcPct val="110000"/>
+              </a:lnSpc>
+              <a:spcBef>
+                <a:spcPts val="700"/>
+              </a:spcBef>
+              <a:buClr>
+                <a:schemeClr val="tx2"/>
+              </a:buClr>
+              <a:buFont typeface="Gill Sans MT" panose="020B0502020104020203" pitchFamily="34" charset="0"/>
+              <a:buChar char="–"/>
+              <a:defRPr sz="1400" kern="1200">
+                <a:solidFill>
+                  <a:schemeClr val="tx1">
+                    <a:lumMod val="65000"/>
+                    <a:lumOff val="35000"/>
+                  </a:schemeClr>
+                </a:solidFill>
+                <a:latin typeface="+mn-lt"/>
+                <a:ea typeface="+mn-ea"/>
+                <a:cs typeface="+mn-cs"/>
+              </a:defRPr>
+            </a:lvl6pPr>
+            <a:lvl7pPr marL="2971800" indent="-228600" algn="l" defTabSz="914400" rtl="0" eaLnBrk="1" latinLnBrk="0" hangingPunct="1">
+              <a:lnSpc>
+                <a:spcPct val="110000"/>
+              </a:lnSpc>
+              <a:spcBef>
+                <a:spcPts val="700"/>
+              </a:spcBef>
+              <a:buClr>
+                <a:schemeClr val="tx2"/>
+              </a:buClr>
+              <a:buFont typeface="Arial" panose="020B0604020202020204" pitchFamily="34" charset="0"/>
+              <a:buChar char="•"/>
+              <a:defRPr sz="1400" kern="1200">
+                <a:solidFill>
+                  <a:schemeClr val="tx1">
+                    <a:lumMod val="65000"/>
+                    <a:lumOff val="35000"/>
+                  </a:schemeClr>
+                </a:solidFill>
+                <a:latin typeface="+mn-lt"/>
+                <a:ea typeface="+mn-ea"/>
+                <a:cs typeface="+mn-cs"/>
+              </a:defRPr>
+            </a:lvl7pPr>
+            <a:lvl8pPr marL="3429000" indent="-228600" algn="l" defTabSz="914400" rtl="0" eaLnBrk="1" latinLnBrk="0" hangingPunct="1">
+              <a:lnSpc>
+                <a:spcPct val="110000"/>
+              </a:lnSpc>
+              <a:spcBef>
+                <a:spcPts val="700"/>
+              </a:spcBef>
+              <a:buClr>
+                <a:schemeClr val="tx2"/>
+              </a:buClr>
+              <a:buFont typeface="Gill Sans MT" panose="020B0502020104020203" pitchFamily="34" charset="0"/>
+              <a:buChar char="–"/>
+              <a:defRPr sz="1400" kern="1200" baseline="0">
+                <a:solidFill>
+                  <a:schemeClr val="tx1">
+                    <a:lumMod val="65000"/>
+                    <a:lumOff val="35000"/>
+                  </a:schemeClr>
+                </a:solidFill>
+                <a:latin typeface="+mn-lt"/>
+                <a:ea typeface="+mn-ea"/>
+                <a:cs typeface="+mn-cs"/>
+              </a:defRPr>
+            </a:lvl8pPr>
+            <a:lvl9pPr marL="3886200" indent="-228600" algn="l" defTabSz="914400" rtl="0" eaLnBrk="1" latinLnBrk="0" hangingPunct="1">
+              <a:lnSpc>
+                <a:spcPct val="110000"/>
+              </a:lnSpc>
+              <a:spcBef>
+                <a:spcPts val="700"/>
+              </a:spcBef>
+              <a:buClr>
+                <a:schemeClr val="tx2"/>
+              </a:buClr>
+              <a:buFont typeface="Arial" panose="020B0604020202020204" pitchFamily="34" charset="0"/>
+              <a:buChar char="•"/>
+              <a:defRPr sz="1400" kern="1200" baseline="0">
+                <a:solidFill>
+                  <a:schemeClr val="tx1">
+                    <a:lumMod val="65000"/>
+                    <a:lumOff val="35000"/>
+                  </a:schemeClr>
+                </a:solidFill>
+                <a:latin typeface="+mn-lt"/>
+                <a:ea typeface="+mn-ea"/>
+                <a:cs typeface="+mn-cs"/>
+              </a:defRPr>
+            </a:lvl9pPr>
+          </a:lstStyle>
+          <a:p>
+            <a:pPr marL="0" indent="0">
+              <a:buFont typeface="Arial" panose="020B0604020202020204" pitchFamily="34" charset="0"/>
+              <a:buNone/>
+            </a:pPr>
+            <a:endParaRPr lang="en-GB" dirty="0"/>
+          </a:p>
+        </p:txBody>
+      </p:sp>
+      <p:sp>
+        <p:nvSpPr>
+          <p:cNvPr id="15" name="Content Placeholder 2">
+            <a:extLst>
+              <a:ext uri="{FF2B5EF4-FFF2-40B4-BE49-F238E27FC236}">
+                <a16:creationId xmlns:a16="http://schemas.microsoft.com/office/drawing/2014/main" id="{B2B34C3E-068E-463C-90EF-630933D1A4D3}"/>
+              </a:ext>
+            </a:extLst>
+          </p:cNvPr>
+          <p:cNvSpPr txBox="1">
+            <a:spLocks/>
+          </p:cNvSpPr>
+          <p:nvPr/>
+        </p:nvSpPr>
+        <p:spPr>
+          <a:xfrm>
+            <a:off x="6113584" y="5379741"/>
+            <a:ext cx="1324708" cy="344652"/>
+          </a:xfrm>
+          <a:prstGeom prst="rect">
+            <a:avLst/>
+          </a:prstGeom>
+        </p:spPr>
+        <p:txBody>
+          <a:bodyPr vert="horz" lIns="91440" tIns="45720" rIns="91440" bIns="45720" rtlCol="0">
+            <a:normAutofit fontScale="85000" lnSpcReduction="20000"/>
+          </a:bodyPr>
+          <a:lstStyle>
+            <a:lvl1pPr marL="228600" indent="-228600" algn="l" defTabSz="914400" rtl="0" eaLnBrk="1" latinLnBrk="0" hangingPunct="1">
+              <a:lnSpc>
+                <a:spcPct val="110000"/>
+              </a:lnSpc>
+              <a:spcBef>
+                <a:spcPts val="700"/>
+              </a:spcBef>
+              <a:buClr>
+                <a:schemeClr val="tx2"/>
+              </a:buClr>
+              <a:buFont typeface="Arial" panose="020B0604020202020204" pitchFamily="34" charset="0"/>
+              <a:buChar char="•"/>
+              <a:defRPr sz="2000" kern="1200">
+                <a:solidFill>
+                  <a:schemeClr val="tx1">
+                    <a:lumMod val="65000"/>
+                    <a:lumOff val="35000"/>
+                  </a:schemeClr>
+                </a:solidFill>
+                <a:latin typeface="+mn-lt"/>
+                <a:ea typeface="+mn-ea"/>
+                <a:cs typeface="+mn-cs"/>
+              </a:defRPr>
+            </a:lvl1pPr>
+            <a:lvl2pPr marL="685800" indent="-228600" algn="l" defTabSz="914400" rtl="0" eaLnBrk="1" latinLnBrk="0" hangingPunct="1">
+              <a:lnSpc>
+                <a:spcPct val="110000"/>
+              </a:lnSpc>
+              <a:spcBef>
+                <a:spcPts val="700"/>
+              </a:spcBef>
+              <a:buClr>
+                <a:schemeClr val="tx2"/>
+              </a:buClr>
+              <a:buFont typeface="Gill Sans MT" panose="020B0502020104020203" pitchFamily="34" charset="0"/>
+              <a:buChar char="–"/>
+              <a:defRPr sz="1800" kern="1200">
+                <a:solidFill>
+                  <a:schemeClr val="tx1">
+                    <a:lumMod val="65000"/>
+                    <a:lumOff val="35000"/>
+                  </a:schemeClr>
+                </a:solidFill>
+                <a:latin typeface="+mn-lt"/>
+                <a:ea typeface="+mn-ea"/>
+                <a:cs typeface="+mn-cs"/>
+              </a:defRPr>
+            </a:lvl2pPr>
+            <a:lvl3pPr marL="1143000" indent="-228600" algn="l" defTabSz="914400" rtl="0" eaLnBrk="1" latinLnBrk="0" hangingPunct="1">
+              <a:lnSpc>
+                <a:spcPct val="110000"/>
+              </a:lnSpc>
+              <a:spcBef>
+                <a:spcPts val="700"/>
+              </a:spcBef>
+              <a:buClr>
+                <a:schemeClr val="tx2"/>
+              </a:buClr>
+              <a:buFont typeface="Arial" panose="020B0604020202020204" pitchFamily="34" charset="0"/>
+              <a:buChar char="•"/>
+              <a:defRPr sz="1600" kern="1200">
+                <a:solidFill>
+                  <a:schemeClr val="tx1">
+                    <a:lumMod val="65000"/>
+                    <a:lumOff val="35000"/>
+                  </a:schemeClr>
+                </a:solidFill>
+                <a:latin typeface="+mn-lt"/>
+                <a:ea typeface="+mn-ea"/>
+                <a:cs typeface="+mn-cs"/>
+              </a:defRPr>
+            </a:lvl3pPr>
+            <a:lvl4pPr marL="1600200" indent="-228600" algn="l" defTabSz="914400" rtl="0" eaLnBrk="1" latinLnBrk="0" hangingPunct="1">
+              <a:lnSpc>
+                <a:spcPct val="110000"/>
+              </a:lnSpc>
+              <a:spcBef>
+                <a:spcPts val="700"/>
+              </a:spcBef>
+              <a:buClr>
+                <a:schemeClr val="tx2"/>
+              </a:buClr>
+              <a:buFont typeface="Gill Sans MT" panose="020B0502020104020203" pitchFamily="34" charset="0"/>
+              <a:buChar char="–"/>
+              <a:defRPr sz="1400" kern="1200">
+                <a:solidFill>
+                  <a:schemeClr val="tx1">
+                    <a:lumMod val="65000"/>
+                    <a:lumOff val="35000"/>
+                  </a:schemeClr>
+                </a:solidFill>
+                <a:latin typeface="+mn-lt"/>
+                <a:ea typeface="+mn-ea"/>
+                <a:cs typeface="+mn-cs"/>
+              </a:defRPr>
+            </a:lvl4pPr>
+            <a:lvl5pPr marL="2057400" indent="-228600" algn="l" defTabSz="914400" rtl="0" eaLnBrk="1" latinLnBrk="0" hangingPunct="1">
+              <a:lnSpc>
+                <a:spcPct val="110000"/>
+              </a:lnSpc>
+              <a:spcBef>
+                <a:spcPts val="700"/>
+              </a:spcBef>
+              <a:buClr>
+                <a:schemeClr val="tx2"/>
+              </a:buClr>
+              <a:buFont typeface="Arial" panose="020B0604020202020204" pitchFamily="34" charset="0"/>
+              <a:buChar char="•"/>
+              <a:defRPr sz="1400" kern="1200">
+                <a:solidFill>
+                  <a:schemeClr val="tx1">
+                    <a:lumMod val="65000"/>
+                    <a:lumOff val="35000"/>
+                  </a:schemeClr>
+                </a:solidFill>
+                <a:latin typeface="+mn-lt"/>
+                <a:ea typeface="+mn-ea"/>
+                <a:cs typeface="+mn-cs"/>
+              </a:defRPr>
+            </a:lvl5pPr>
+            <a:lvl6pPr marL="2514600" indent="-228600" algn="l" defTabSz="914400" rtl="0" eaLnBrk="1" latinLnBrk="0" hangingPunct="1">
+              <a:lnSpc>
+                <a:spcPct val="110000"/>
+              </a:lnSpc>
+              <a:spcBef>
+                <a:spcPts val="700"/>
+              </a:spcBef>
+              <a:buClr>
+                <a:schemeClr val="tx2"/>
+              </a:buClr>
+              <a:buFont typeface="Gill Sans MT" panose="020B0502020104020203" pitchFamily="34" charset="0"/>
+              <a:buChar char="–"/>
+              <a:defRPr sz="1400" kern="1200">
+                <a:solidFill>
+                  <a:schemeClr val="tx1">
+                    <a:lumMod val="65000"/>
+                    <a:lumOff val="35000"/>
+                  </a:schemeClr>
+                </a:solidFill>
+                <a:latin typeface="+mn-lt"/>
+                <a:ea typeface="+mn-ea"/>
+                <a:cs typeface="+mn-cs"/>
+              </a:defRPr>
+            </a:lvl6pPr>
+            <a:lvl7pPr marL="2971800" indent="-228600" algn="l" defTabSz="914400" rtl="0" eaLnBrk="1" latinLnBrk="0" hangingPunct="1">
+              <a:lnSpc>
+                <a:spcPct val="110000"/>
+              </a:lnSpc>
+              <a:spcBef>
+                <a:spcPts val="700"/>
+              </a:spcBef>
+              <a:buClr>
+                <a:schemeClr val="tx2"/>
+              </a:buClr>
+              <a:buFont typeface="Arial" panose="020B0604020202020204" pitchFamily="34" charset="0"/>
+              <a:buChar char="•"/>
+              <a:defRPr sz="1400" kern="1200">
+                <a:solidFill>
+                  <a:schemeClr val="tx1">
+                    <a:lumMod val="65000"/>
+                    <a:lumOff val="35000"/>
+                  </a:schemeClr>
+                </a:solidFill>
+                <a:latin typeface="+mn-lt"/>
+                <a:ea typeface="+mn-ea"/>
+                <a:cs typeface="+mn-cs"/>
+              </a:defRPr>
+            </a:lvl7pPr>
+            <a:lvl8pPr marL="3429000" indent="-228600" algn="l" defTabSz="914400" rtl="0" eaLnBrk="1" latinLnBrk="0" hangingPunct="1">
+              <a:lnSpc>
+                <a:spcPct val="110000"/>
+              </a:lnSpc>
+              <a:spcBef>
+                <a:spcPts val="700"/>
+              </a:spcBef>
+              <a:buClr>
+                <a:schemeClr val="tx2"/>
+              </a:buClr>
+              <a:buFont typeface="Gill Sans MT" panose="020B0502020104020203" pitchFamily="34" charset="0"/>
+              <a:buChar char="–"/>
+              <a:defRPr sz="1400" kern="1200" baseline="0">
+                <a:solidFill>
+                  <a:schemeClr val="tx1">
+                    <a:lumMod val="65000"/>
+                    <a:lumOff val="35000"/>
+                  </a:schemeClr>
+                </a:solidFill>
+                <a:latin typeface="+mn-lt"/>
+                <a:ea typeface="+mn-ea"/>
+                <a:cs typeface="+mn-cs"/>
+              </a:defRPr>
+            </a:lvl8pPr>
+            <a:lvl9pPr marL="3886200" indent="-228600" algn="l" defTabSz="914400" rtl="0" eaLnBrk="1" latinLnBrk="0" hangingPunct="1">
+              <a:lnSpc>
+                <a:spcPct val="110000"/>
+              </a:lnSpc>
+              <a:spcBef>
+                <a:spcPts val="700"/>
+              </a:spcBef>
+              <a:buClr>
+                <a:schemeClr val="tx2"/>
+              </a:buClr>
+              <a:buFont typeface="Arial" panose="020B0604020202020204" pitchFamily="34" charset="0"/>
+              <a:buChar char="•"/>
+              <a:defRPr sz="1400" kern="1200" baseline="0">
+                <a:solidFill>
+                  <a:schemeClr val="tx1">
+                    <a:lumMod val="65000"/>
+                    <a:lumOff val="35000"/>
+                  </a:schemeClr>
+                </a:solidFill>
+                <a:latin typeface="+mn-lt"/>
+                <a:ea typeface="+mn-ea"/>
+                <a:cs typeface="+mn-cs"/>
+              </a:defRPr>
+            </a:lvl9pPr>
+          </a:lstStyle>
+          <a:p>
+            <a:pPr marL="0" indent="0">
+              <a:buFont typeface="Arial" panose="020B0604020202020204" pitchFamily="34" charset="0"/>
+              <a:buNone/>
+            </a:pPr>
+            <a:r>
+              <a:rPr lang="en-GB" dirty="0"/>
+              <a:t>Certification</a:t>
+            </a:r>
+          </a:p>
+        </p:txBody>
+      </p:sp>
+      <p:sp>
+        <p:nvSpPr>
+          <p:cNvPr id="16" name="Content Placeholder 2">
+            <a:extLst>
+              <a:ext uri="{FF2B5EF4-FFF2-40B4-BE49-F238E27FC236}">
+                <a16:creationId xmlns:a16="http://schemas.microsoft.com/office/drawing/2014/main" id="{46FF449C-870D-499B-8EBD-575EB78C0C7A}"/>
+              </a:ext>
+            </a:extLst>
+          </p:cNvPr>
+          <p:cNvSpPr txBox="1">
+            <a:spLocks/>
+          </p:cNvSpPr>
+          <p:nvPr/>
+        </p:nvSpPr>
+        <p:spPr>
+          <a:xfrm>
+            <a:off x="4973277" y="2286002"/>
+            <a:ext cx="1324708" cy="344652"/>
+          </a:xfrm>
+          <a:prstGeom prst="rect">
+            <a:avLst/>
+          </a:prstGeom>
+        </p:spPr>
+        <p:txBody>
+          <a:bodyPr vert="horz" lIns="91440" tIns="45720" rIns="91440" bIns="45720" rtlCol="0">
+            <a:normAutofit fontScale="85000" lnSpcReduction="20000"/>
+          </a:bodyPr>
+          <a:lstStyle>
+            <a:lvl1pPr marL="228600" indent="-228600" algn="l" defTabSz="914400" rtl="0" eaLnBrk="1" latinLnBrk="0" hangingPunct="1">
+              <a:lnSpc>
+                <a:spcPct val="110000"/>
+              </a:lnSpc>
+              <a:spcBef>
+                <a:spcPts val="700"/>
+              </a:spcBef>
+              <a:buClr>
+                <a:schemeClr val="tx2"/>
+              </a:buClr>
+              <a:buFont typeface="Arial" panose="020B0604020202020204" pitchFamily="34" charset="0"/>
+              <a:buChar char="•"/>
+              <a:defRPr sz="2000" kern="1200">
+                <a:solidFill>
+                  <a:schemeClr val="tx1">
+                    <a:lumMod val="65000"/>
+                    <a:lumOff val="35000"/>
+                  </a:schemeClr>
+                </a:solidFill>
+                <a:latin typeface="+mn-lt"/>
+                <a:ea typeface="+mn-ea"/>
+                <a:cs typeface="+mn-cs"/>
+              </a:defRPr>
+            </a:lvl1pPr>
+            <a:lvl2pPr marL="685800" indent="-228600" algn="l" defTabSz="914400" rtl="0" eaLnBrk="1" latinLnBrk="0" hangingPunct="1">
+              <a:lnSpc>
+                <a:spcPct val="110000"/>
+              </a:lnSpc>
+              <a:spcBef>
+                <a:spcPts val="700"/>
+              </a:spcBef>
+              <a:buClr>
+                <a:schemeClr val="tx2"/>
+              </a:buClr>
+              <a:buFont typeface="Gill Sans MT" panose="020B0502020104020203" pitchFamily="34" charset="0"/>
+              <a:buChar char="–"/>
+              <a:defRPr sz="1800" kern="1200">
+                <a:solidFill>
+                  <a:schemeClr val="tx1">
+                    <a:lumMod val="65000"/>
+                    <a:lumOff val="35000"/>
+                  </a:schemeClr>
+                </a:solidFill>
+                <a:latin typeface="+mn-lt"/>
+                <a:ea typeface="+mn-ea"/>
+                <a:cs typeface="+mn-cs"/>
+              </a:defRPr>
+            </a:lvl2pPr>
+            <a:lvl3pPr marL="1143000" indent="-228600" algn="l" defTabSz="914400" rtl="0" eaLnBrk="1" latinLnBrk="0" hangingPunct="1">
+              <a:lnSpc>
+                <a:spcPct val="110000"/>
+              </a:lnSpc>
+              <a:spcBef>
+                <a:spcPts val="700"/>
+              </a:spcBef>
+              <a:buClr>
+                <a:schemeClr val="tx2"/>
+              </a:buClr>
+              <a:buFont typeface="Arial" panose="020B0604020202020204" pitchFamily="34" charset="0"/>
+              <a:buChar char="•"/>
+              <a:defRPr sz="1600" kern="1200">
+                <a:solidFill>
+                  <a:schemeClr val="tx1">
+                    <a:lumMod val="65000"/>
+                    <a:lumOff val="35000"/>
+                  </a:schemeClr>
+                </a:solidFill>
+                <a:latin typeface="+mn-lt"/>
+                <a:ea typeface="+mn-ea"/>
+                <a:cs typeface="+mn-cs"/>
+              </a:defRPr>
+            </a:lvl3pPr>
+            <a:lvl4pPr marL="1600200" indent="-228600" algn="l" defTabSz="914400" rtl="0" eaLnBrk="1" latinLnBrk="0" hangingPunct="1">
+              <a:lnSpc>
+                <a:spcPct val="110000"/>
+              </a:lnSpc>
+              <a:spcBef>
+                <a:spcPts val="700"/>
+              </a:spcBef>
+              <a:buClr>
+                <a:schemeClr val="tx2"/>
+              </a:buClr>
+              <a:buFont typeface="Gill Sans MT" panose="020B0502020104020203" pitchFamily="34" charset="0"/>
+              <a:buChar char="–"/>
+              <a:defRPr sz="1400" kern="1200">
+                <a:solidFill>
+                  <a:schemeClr val="tx1">
+                    <a:lumMod val="65000"/>
+                    <a:lumOff val="35000"/>
+                  </a:schemeClr>
+                </a:solidFill>
+                <a:latin typeface="+mn-lt"/>
+                <a:ea typeface="+mn-ea"/>
+                <a:cs typeface="+mn-cs"/>
+              </a:defRPr>
+            </a:lvl4pPr>
+            <a:lvl5pPr marL="2057400" indent="-228600" algn="l" defTabSz="914400" rtl="0" eaLnBrk="1" latinLnBrk="0" hangingPunct="1">
+              <a:lnSpc>
+                <a:spcPct val="110000"/>
+              </a:lnSpc>
+              <a:spcBef>
+                <a:spcPts val="700"/>
+              </a:spcBef>
+              <a:buClr>
+                <a:schemeClr val="tx2"/>
+              </a:buClr>
+              <a:buFont typeface="Arial" panose="020B0604020202020204" pitchFamily="34" charset="0"/>
+              <a:buChar char="•"/>
+              <a:defRPr sz="1400" kern="1200">
+                <a:solidFill>
+                  <a:schemeClr val="tx1">
+                    <a:lumMod val="65000"/>
+                    <a:lumOff val="35000"/>
+                  </a:schemeClr>
+                </a:solidFill>
+                <a:latin typeface="+mn-lt"/>
+                <a:ea typeface="+mn-ea"/>
+                <a:cs typeface="+mn-cs"/>
+              </a:defRPr>
+            </a:lvl5pPr>
+            <a:lvl6pPr marL="2514600" indent="-228600" algn="l" defTabSz="914400" rtl="0" eaLnBrk="1" latinLnBrk="0" hangingPunct="1">
+              <a:lnSpc>
+                <a:spcPct val="110000"/>
+              </a:lnSpc>
+              <a:spcBef>
+                <a:spcPts val="700"/>
+              </a:spcBef>
+              <a:buClr>
+                <a:schemeClr val="tx2"/>
+              </a:buClr>
+              <a:buFont typeface="Gill Sans MT" panose="020B0502020104020203" pitchFamily="34" charset="0"/>
+              <a:buChar char="–"/>
+              <a:defRPr sz="1400" kern="1200">
+                <a:solidFill>
+                  <a:schemeClr val="tx1">
+                    <a:lumMod val="65000"/>
+                    <a:lumOff val="35000"/>
+                  </a:schemeClr>
+                </a:solidFill>
+                <a:latin typeface="+mn-lt"/>
+                <a:ea typeface="+mn-ea"/>
+                <a:cs typeface="+mn-cs"/>
+              </a:defRPr>
+            </a:lvl6pPr>
+            <a:lvl7pPr marL="2971800" indent="-228600" algn="l" defTabSz="914400" rtl="0" eaLnBrk="1" latinLnBrk="0" hangingPunct="1">
+              <a:lnSpc>
+                <a:spcPct val="110000"/>
+              </a:lnSpc>
+              <a:spcBef>
+                <a:spcPts val="700"/>
+              </a:spcBef>
+              <a:buClr>
+                <a:schemeClr val="tx2"/>
+              </a:buClr>
+              <a:buFont typeface="Arial" panose="020B0604020202020204" pitchFamily="34" charset="0"/>
+              <a:buChar char="•"/>
+              <a:defRPr sz="1400" kern="1200">
+                <a:solidFill>
+                  <a:schemeClr val="tx1">
+                    <a:lumMod val="65000"/>
+                    <a:lumOff val="35000"/>
+                  </a:schemeClr>
+                </a:solidFill>
+                <a:latin typeface="+mn-lt"/>
+                <a:ea typeface="+mn-ea"/>
+                <a:cs typeface="+mn-cs"/>
+              </a:defRPr>
+            </a:lvl7pPr>
+            <a:lvl8pPr marL="3429000" indent="-228600" algn="l" defTabSz="914400" rtl="0" eaLnBrk="1" latinLnBrk="0" hangingPunct="1">
+              <a:lnSpc>
+                <a:spcPct val="110000"/>
+              </a:lnSpc>
+              <a:spcBef>
+                <a:spcPts val="700"/>
+              </a:spcBef>
+              <a:buClr>
+                <a:schemeClr val="tx2"/>
+              </a:buClr>
+              <a:buFont typeface="Gill Sans MT" panose="020B0502020104020203" pitchFamily="34" charset="0"/>
+              <a:buChar char="–"/>
+              <a:defRPr sz="1400" kern="1200" baseline="0">
+                <a:solidFill>
+                  <a:schemeClr val="tx1">
+                    <a:lumMod val="65000"/>
+                    <a:lumOff val="35000"/>
+                  </a:schemeClr>
+                </a:solidFill>
+                <a:latin typeface="+mn-lt"/>
+                <a:ea typeface="+mn-ea"/>
+                <a:cs typeface="+mn-cs"/>
+              </a:defRPr>
+            </a:lvl8pPr>
+            <a:lvl9pPr marL="3886200" indent="-228600" algn="l" defTabSz="914400" rtl="0" eaLnBrk="1" latinLnBrk="0" hangingPunct="1">
+              <a:lnSpc>
+                <a:spcPct val="110000"/>
+              </a:lnSpc>
+              <a:spcBef>
+                <a:spcPts val="700"/>
+              </a:spcBef>
+              <a:buClr>
+                <a:schemeClr val="tx2"/>
+              </a:buClr>
+              <a:buFont typeface="Arial" panose="020B0604020202020204" pitchFamily="34" charset="0"/>
+              <a:buChar char="•"/>
+              <a:defRPr sz="1400" kern="1200" baseline="0">
+                <a:solidFill>
+                  <a:schemeClr val="tx1">
+                    <a:lumMod val="65000"/>
+                    <a:lumOff val="35000"/>
+                  </a:schemeClr>
+                </a:solidFill>
+                <a:latin typeface="+mn-lt"/>
+                <a:ea typeface="+mn-ea"/>
+                <a:cs typeface="+mn-cs"/>
+              </a:defRPr>
+            </a:lvl9pPr>
+          </a:lstStyle>
+          <a:p>
+            <a:pPr marL="0" indent="0">
+              <a:buFont typeface="Arial" panose="020B0604020202020204" pitchFamily="34" charset="0"/>
+              <a:buNone/>
+            </a:pPr>
+            <a:r>
+              <a:rPr lang="en-GB" dirty="0"/>
+              <a:t>Expected</a:t>
+            </a:r>
+          </a:p>
+        </p:txBody>
+      </p:sp>
+    </p:spTree>
+    <p:extLst>
+      <p:ext uri="{BB962C8B-B14F-4D97-AF65-F5344CB8AC3E}">
+        <p14:creationId xmlns:p14="http://schemas.microsoft.com/office/powerpoint/2010/main" val="3102235973"/>
+      </p:ext>
+    </p:extLst>
+  </p:cSld>
+  <p:clrMapOvr>
+    <a:masterClrMapping/>
+  </p:clrMapOvr>
+</p:sld>
+</file>
+
+<file path=ppt/slides/slide13.xml><?xml version="1.0" encoding="utf-8"?>
+<p:sld xmlns:a="http://schemas.openxmlformats.org/drawingml/2006/main" xmlns:r="http://schemas.openxmlformats.org/officeDocument/2006/relationships" xmlns:p="http://schemas.openxmlformats.org/presentationml/2006/main">
+  <p:cSld>
+    <p:spTree>
+      <p:nvGrpSpPr>
+        <p:cNvPr id="1" name=""/>
+        <p:cNvGrpSpPr/>
+        <p:nvPr/>
+      </p:nvGrpSpPr>
+      <p:grpSpPr>
+        <a:xfrm>
+          <a:off x="0" y="0"/>
+          <a:ext cx="0" cy="0"/>
+          <a:chOff x="0" y="0"/>
+          <a:chExt cx="0" cy="0"/>
+        </a:xfrm>
+      </p:grpSpPr>
+      <p:sp>
+        <p:nvSpPr>
+          <p:cNvPr id="2" name="Title 1">
+            <a:extLst>
+              <a:ext uri="{FF2B5EF4-FFF2-40B4-BE49-F238E27FC236}">
+                <a16:creationId xmlns:a16="http://schemas.microsoft.com/office/drawing/2014/main" id="{66FCF53A-4102-42F9-8439-2F97AE69E81F}"/>
+              </a:ext>
+            </a:extLst>
+          </p:cNvPr>
+          <p:cNvSpPr>
+            <a:spLocks noGrp="1"/>
+          </p:cNvSpPr>
+          <p:nvPr>
+            <p:ph type="title"/>
+          </p:nvPr>
+        </p:nvSpPr>
+        <p:spPr/>
+        <p:txBody>
+          <a:bodyPr/>
+          <a:lstStyle/>
+          <a:p>
+            <a:r>
+              <a:rPr lang="en-GB" dirty="0"/>
+              <a:t>Questions?</a:t>
+            </a:r>
+          </a:p>
+        </p:txBody>
+      </p:sp>
+      <p:sp>
+        <p:nvSpPr>
+          <p:cNvPr id="3" name="TextBox 2">
+            <a:extLst>
+              <a:ext uri="{FF2B5EF4-FFF2-40B4-BE49-F238E27FC236}">
+                <a16:creationId xmlns:a16="http://schemas.microsoft.com/office/drawing/2014/main" id="{D49F18BC-FD63-4826-9519-AC789D514996}"/>
+              </a:ext>
+            </a:extLst>
+          </p:cNvPr>
+          <p:cNvSpPr txBox="1"/>
+          <p:nvPr/>
+        </p:nvSpPr>
+        <p:spPr>
+          <a:xfrm>
+            <a:off x="1802422" y="2655276"/>
+            <a:ext cx="1960685" cy="369332"/>
+          </a:xfrm>
+          <a:prstGeom prst="rect">
+            <a:avLst/>
+          </a:prstGeom>
+          <a:noFill/>
+        </p:spPr>
+        <p:txBody>
+          <a:bodyPr wrap="square" rtlCol="0">
+            <a:spAutoFit/>
+          </a:bodyPr>
+          <a:lstStyle/>
+          <a:p>
+            <a:r>
+              <a:rPr lang="en-GB" dirty="0"/>
+              <a:t>Seriously this time.</a:t>
+            </a:r>
+          </a:p>
+        </p:txBody>
+      </p:sp>
+    </p:spTree>
+    <p:extLst>
+      <p:ext uri="{BB962C8B-B14F-4D97-AF65-F5344CB8AC3E}">
+        <p14:creationId xmlns:p14="http://schemas.microsoft.com/office/powerpoint/2010/main" val="1471700001"/>
       </p:ext>
     </p:extLst>
   </p:cSld>
@@ -8815,7 +14972,12 @@
             <p:ph idx="1"/>
           </p:nvPr>
         </p:nvSpPr>
-        <p:spPr/>
+        <p:spPr>
+          <a:xfrm>
+            <a:off x="1251678" y="2286001"/>
+            <a:ext cx="6907584" cy="3593591"/>
+          </a:xfrm>
+        </p:spPr>
         <p:txBody>
           <a:bodyPr/>
           <a:lstStyle/>
@@ -8884,6 +15046,301 @@
             </a:r>
           </a:p>
           <a:p>
+            <a:endParaRPr lang="en-GB" dirty="0"/>
+          </a:p>
+        </p:txBody>
+      </p:sp>
+      <p:sp>
+        <p:nvSpPr>
+          <p:cNvPr id="4" name="Content Placeholder 2">
+            <a:extLst>
+              <a:ext uri="{FF2B5EF4-FFF2-40B4-BE49-F238E27FC236}">
+                <a16:creationId xmlns:a16="http://schemas.microsoft.com/office/drawing/2014/main" id="{7692918B-6B5A-4C54-945C-2E240C092410}"/>
+              </a:ext>
+            </a:extLst>
+          </p:cNvPr>
+          <p:cNvSpPr txBox="1">
+            <a:spLocks/>
+          </p:cNvSpPr>
+          <p:nvPr/>
+        </p:nvSpPr>
+        <p:spPr>
+          <a:xfrm>
+            <a:off x="8159262" y="2286000"/>
+            <a:ext cx="2781060" cy="3593591"/>
+          </a:xfrm>
+          <a:prstGeom prst="rect">
+            <a:avLst/>
+          </a:prstGeom>
+        </p:spPr>
+        <p:txBody>
+          <a:bodyPr vert="horz" lIns="91440" tIns="45720" rIns="91440" bIns="45720" rtlCol="0">
+            <a:normAutofit/>
+          </a:bodyPr>
+          <a:lstStyle>
+            <a:lvl1pPr marL="228600" indent="-228600" algn="l" defTabSz="914400" rtl="0" eaLnBrk="1" latinLnBrk="0" hangingPunct="1">
+              <a:lnSpc>
+                <a:spcPct val="110000"/>
+              </a:lnSpc>
+              <a:spcBef>
+                <a:spcPts val="700"/>
+              </a:spcBef>
+              <a:buClr>
+                <a:schemeClr val="tx2"/>
+              </a:buClr>
+              <a:buFont typeface="Arial" panose="020B0604020202020204" pitchFamily="34" charset="0"/>
+              <a:buChar char="•"/>
+              <a:defRPr sz="2000" kern="1200">
+                <a:solidFill>
+                  <a:schemeClr val="tx1">
+                    <a:lumMod val="65000"/>
+                    <a:lumOff val="35000"/>
+                  </a:schemeClr>
+                </a:solidFill>
+                <a:latin typeface="+mn-lt"/>
+                <a:ea typeface="+mn-ea"/>
+                <a:cs typeface="+mn-cs"/>
+              </a:defRPr>
+            </a:lvl1pPr>
+            <a:lvl2pPr marL="685800" indent="-228600" algn="l" defTabSz="914400" rtl="0" eaLnBrk="1" latinLnBrk="0" hangingPunct="1">
+              <a:lnSpc>
+                <a:spcPct val="110000"/>
+              </a:lnSpc>
+              <a:spcBef>
+                <a:spcPts val="700"/>
+              </a:spcBef>
+              <a:buClr>
+                <a:schemeClr val="tx2"/>
+              </a:buClr>
+              <a:buFont typeface="Gill Sans MT" panose="020B0502020104020203" pitchFamily="34" charset="0"/>
+              <a:buChar char="–"/>
+              <a:defRPr sz="1800" kern="1200">
+                <a:solidFill>
+                  <a:schemeClr val="tx1">
+                    <a:lumMod val="65000"/>
+                    <a:lumOff val="35000"/>
+                  </a:schemeClr>
+                </a:solidFill>
+                <a:latin typeface="+mn-lt"/>
+                <a:ea typeface="+mn-ea"/>
+                <a:cs typeface="+mn-cs"/>
+              </a:defRPr>
+            </a:lvl2pPr>
+            <a:lvl3pPr marL="1143000" indent="-228600" algn="l" defTabSz="914400" rtl="0" eaLnBrk="1" latinLnBrk="0" hangingPunct="1">
+              <a:lnSpc>
+                <a:spcPct val="110000"/>
+              </a:lnSpc>
+              <a:spcBef>
+                <a:spcPts val="700"/>
+              </a:spcBef>
+              <a:buClr>
+                <a:schemeClr val="tx2"/>
+              </a:buClr>
+              <a:buFont typeface="Arial" panose="020B0604020202020204" pitchFamily="34" charset="0"/>
+              <a:buChar char="•"/>
+              <a:defRPr sz="1600" kern="1200">
+                <a:solidFill>
+                  <a:schemeClr val="tx1">
+                    <a:lumMod val="65000"/>
+                    <a:lumOff val="35000"/>
+                  </a:schemeClr>
+                </a:solidFill>
+                <a:latin typeface="+mn-lt"/>
+                <a:ea typeface="+mn-ea"/>
+                <a:cs typeface="+mn-cs"/>
+              </a:defRPr>
+            </a:lvl3pPr>
+            <a:lvl4pPr marL="1600200" indent="-228600" algn="l" defTabSz="914400" rtl="0" eaLnBrk="1" latinLnBrk="0" hangingPunct="1">
+              <a:lnSpc>
+                <a:spcPct val="110000"/>
+              </a:lnSpc>
+              <a:spcBef>
+                <a:spcPts val="700"/>
+              </a:spcBef>
+              <a:buClr>
+                <a:schemeClr val="tx2"/>
+              </a:buClr>
+              <a:buFont typeface="Gill Sans MT" panose="020B0502020104020203" pitchFamily="34" charset="0"/>
+              <a:buChar char="–"/>
+              <a:defRPr sz="1400" kern="1200">
+                <a:solidFill>
+                  <a:schemeClr val="tx1">
+                    <a:lumMod val="65000"/>
+                    <a:lumOff val="35000"/>
+                  </a:schemeClr>
+                </a:solidFill>
+                <a:latin typeface="+mn-lt"/>
+                <a:ea typeface="+mn-ea"/>
+                <a:cs typeface="+mn-cs"/>
+              </a:defRPr>
+            </a:lvl4pPr>
+            <a:lvl5pPr marL="2057400" indent="-228600" algn="l" defTabSz="914400" rtl="0" eaLnBrk="1" latinLnBrk="0" hangingPunct="1">
+              <a:lnSpc>
+                <a:spcPct val="110000"/>
+              </a:lnSpc>
+              <a:spcBef>
+                <a:spcPts val="700"/>
+              </a:spcBef>
+              <a:buClr>
+                <a:schemeClr val="tx2"/>
+              </a:buClr>
+              <a:buFont typeface="Arial" panose="020B0604020202020204" pitchFamily="34" charset="0"/>
+              <a:buChar char="•"/>
+              <a:defRPr sz="1400" kern="1200">
+                <a:solidFill>
+                  <a:schemeClr val="tx1">
+                    <a:lumMod val="65000"/>
+                    <a:lumOff val="35000"/>
+                  </a:schemeClr>
+                </a:solidFill>
+                <a:latin typeface="+mn-lt"/>
+                <a:ea typeface="+mn-ea"/>
+                <a:cs typeface="+mn-cs"/>
+              </a:defRPr>
+            </a:lvl5pPr>
+            <a:lvl6pPr marL="2514600" indent="-228600" algn="l" defTabSz="914400" rtl="0" eaLnBrk="1" latinLnBrk="0" hangingPunct="1">
+              <a:lnSpc>
+                <a:spcPct val="110000"/>
+              </a:lnSpc>
+              <a:spcBef>
+                <a:spcPts val="700"/>
+              </a:spcBef>
+              <a:buClr>
+                <a:schemeClr val="tx2"/>
+              </a:buClr>
+              <a:buFont typeface="Gill Sans MT" panose="020B0502020104020203" pitchFamily="34" charset="0"/>
+              <a:buChar char="–"/>
+              <a:defRPr sz="1400" kern="1200">
+                <a:solidFill>
+                  <a:schemeClr val="tx1">
+                    <a:lumMod val="65000"/>
+                    <a:lumOff val="35000"/>
+                  </a:schemeClr>
+                </a:solidFill>
+                <a:latin typeface="+mn-lt"/>
+                <a:ea typeface="+mn-ea"/>
+                <a:cs typeface="+mn-cs"/>
+              </a:defRPr>
+            </a:lvl6pPr>
+            <a:lvl7pPr marL="2971800" indent="-228600" algn="l" defTabSz="914400" rtl="0" eaLnBrk="1" latinLnBrk="0" hangingPunct="1">
+              <a:lnSpc>
+                <a:spcPct val="110000"/>
+              </a:lnSpc>
+              <a:spcBef>
+                <a:spcPts val="700"/>
+              </a:spcBef>
+              <a:buClr>
+                <a:schemeClr val="tx2"/>
+              </a:buClr>
+              <a:buFont typeface="Arial" panose="020B0604020202020204" pitchFamily="34" charset="0"/>
+              <a:buChar char="•"/>
+              <a:defRPr sz="1400" kern="1200">
+                <a:solidFill>
+                  <a:schemeClr val="tx1">
+                    <a:lumMod val="65000"/>
+                    <a:lumOff val="35000"/>
+                  </a:schemeClr>
+                </a:solidFill>
+                <a:latin typeface="+mn-lt"/>
+                <a:ea typeface="+mn-ea"/>
+                <a:cs typeface="+mn-cs"/>
+              </a:defRPr>
+            </a:lvl7pPr>
+            <a:lvl8pPr marL="3429000" indent="-228600" algn="l" defTabSz="914400" rtl="0" eaLnBrk="1" latinLnBrk="0" hangingPunct="1">
+              <a:lnSpc>
+                <a:spcPct val="110000"/>
+              </a:lnSpc>
+              <a:spcBef>
+                <a:spcPts val="700"/>
+              </a:spcBef>
+              <a:buClr>
+                <a:schemeClr val="tx2"/>
+              </a:buClr>
+              <a:buFont typeface="Gill Sans MT" panose="020B0502020104020203" pitchFamily="34" charset="0"/>
+              <a:buChar char="–"/>
+              <a:defRPr sz="1400" kern="1200" baseline="0">
+                <a:solidFill>
+                  <a:schemeClr val="tx1">
+                    <a:lumMod val="65000"/>
+                    <a:lumOff val="35000"/>
+                  </a:schemeClr>
+                </a:solidFill>
+                <a:latin typeface="+mn-lt"/>
+                <a:ea typeface="+mn-ea"/>
+                <a:cs typeface="+mn-cs"/>
+              </a:defRPr>
+            </a:lvl8pPr>
+            <a:lvl9pPr marL="3886200" indent="-228600" algn="l" defTabSz="914400" rtl="0" eaLnBrk="1" latinLnBrk="0" hangingPunct="1">
+              <a:lnSpc>
+                <a:spcPct val="110000"/>
+              </a:lnSpc>
+              <a:spcBef>
+                <a:spcPts val="700"/>
+              </a:spcBef>
+              <a:buClr>
+                <a:schemeClr val="tx2"/>
+              </a:buClr>
+              <a:buFont typeface="Arial" panose="020B0604020202020204" pitchFamily="34" charset="0"/>
+              <a:buChar char="•"/>
+              <a:defRPr sz="1400" kern="1200" baseline="0">
+                <a:solidFill>
+                  <a:schemeClr val="tx1">
+                    <a:lumMod val="65000"/>
+                    <a:lumOff val="35000"/>
+                  </a:schemeClr>
+                </a:solidFill>
+                <a:latin typeface="+mn-lt"/>
+                <a:ea typeface="+mn-ea"/>
+                <a:cs typeface="+mn-cs"/>
+              </a:defRPr>
+            </a:lvl9pPr>
+          </a:lstStyle>
+          <a:p>
+            <a:r>
+              <a:rPr lang="en-GB" dirty="0"/>
+              <a:t>Etymology</a:t>
+            </a:r>
+          </a:p>
+          <a:p>
+            <a:pPr lvl="1"/>
+            <a:r>
+              <a:rPr lang="el-GR" dirty="0"/>
+              <a:t>σ</a:t>
+            </a:r>
+            <a:r>
+              <a:rPr lang="en-GB" dirty="0"/>
+              <a:t> = “standard deviation”</a:t>
+            </a:r>
+          </a:p>
+          <a:p>
+            <a:pPr lvl="1"/>
+            <a:r>
+              <a:rPr lang="en-GB" dirty="0"/>
+              <a:t>You can exist within a single standard deviation for defects</a:t>
+            </a:r>
+          </a:p>
+          <a:p>
+            <a:pPr lvl="1"/>
+            <a:r>
+              <a:rPr lang="en-GB" dirty="0"/>
+              <a:t>OR YOU CAN DO IT 6 TIMES</a:t>
+            </a:r>
+          </a:p>
+          <a:p>
+            <a:pPr marL="457200" lvl="1" indent="0">
+              <a:buNone/>
+            </a:pPr>
+            <a:r>
+              <a:rPr lang="en-GB" dirty="0"/>
+              <a:t>(I have a D in A-Level statistics)</a:t>
+            </a:r>
+          </a:p>
+          <a:p>
+            <a:pPr lvl="1"/>
+            <a:endParaRPr lang="el-GR" dirty="0"/>
+          </a:p>
+          <a:p>
+            <a:pPr lvl="1"/>
             <a:endParaRPr lang="en-GB" dirty="0"/>
           </a:p>
         </p:txBody>
@@ -9349,6 +15806,105 @@
           <p:cNvPr id="2" name="Title 1">
             <a:extLst>
               <a:ext uri="{FF2B5EF4-FFF2-40B4-BE49-F238E27FC236}">
+                <a16:creationId xmlns:a16="http://schemas.microsoft.com/office/drawing/2014/main" id="{35A53BA6-897C-4D25-A089-2009A2CA1BED}"/>
+              </a:ext>
+            </a:extLst>
+          </p:cNvPr>
+          <p:cNvSpPr>
+            <a:spLocks noGrp="1"/>
+          </p:cNvSpPr>
+          <p:nvPr>
+            <p:ph type="title"/>
+          </p:nvPr>
+        </p:nvSpPr>
+        <p:spPr/>
+        <p:txBody>
+          <a:bodyPr>
+            <a:normAutofit fontScale="90000"/>
+          </a:bodyPr>
+          <a:lstStyle/>
+          <a:p>
+            <a:r>
+              <a:rPr lang="en-GB" b="1" dirty="0"/>
+              <a:t>Quality management tools and methods</a:t>
+            </a:r>
+            <a:br>
+              <a:rPr lang="en-GB" b="1" dirty="0"/>
+            </a:br>
+            <a:br>
+              <a:rPr lang="en-GB" dirty="0"/>
+            </a:br>
+            <a:endParaRPr lang="en-GB" dirty="0"/>
+          </a:p>
+        </p:txBody>
+      </p:sp>
+      <p:pic>
+        <p:nvPicPr>
+          <p:cNvPr id="4" name="Content Placeholder 3">
+            <a:extLst>
+              <a:ext uri="{FF2B5EF4-FFF2-40B4-BE49-F238E27FC236}">
+                <a16:creationId xmlns:a16="http://schemas.microsoft.com/office/drawing/2014/main" id="{C5E61167-9DF7-4773-AB2D-A2547E7309B6}"/>
+              </a:ext>
+            </a:extLst>
+          </p:cNvPr>
+          <p:cNvPicPr>
+            <a:picLocks noGrp="1" noChangeAspect="1"/>
+          </p:cNvPicPr>
+          <p:nvPr>
+            <p:ph idx="1"/>
+          </p:nvPr>
+        </p:nvPicPr>
+        <p:blipFill>
+          <a:blip r:embed="rId2"/>
+          <a:stretch>
+            <a:fillRect/>
+          </a:stretch>
+        </p:blipFill>
+        <p:spPr>
+          <a:xfrm>
+            <a:off x="1250950" y="2729417"/>
+            <a:ext cx="10179050" cy="2707265"/>
+          </a:xfrm>
+          <a:prstGeom prst="rect">
+            <a:avLst/>
+          </a:prstGeom>
+        </p:spPr>
+      </p:pic>
+    </p:spTree>
+    <p:extLst>
+      <p:ext uri="{BB962C8B-B14F-4D97-AF65-F5344CB8AC3E}">
+        <p14:creationId xmlns:p14="http://schemas.microsoft.com/office/powerpoint/2010/main" val="3528083125"/>
+      </p:ext>
+    </p:extLst>
+  </p:cSld>
+  <p:clrMapOvr>
+    <a:masterClrMapping/>
+  </p:clrMapOvr>
+</p:sld>
+</file>
+
+<file path=ppt/slides/slide7.xml><?xml version="1.0" encoding="utf-8"?>
+<p:sld xmlns:a="http://schemas.openxmlformats.org/drawingml/2006/main" xmlns:r="http://schemas.openxmlformats.org/officeDocument/2006/relationships" xmlns:p="http://schemas.openxmlformats.org/presentationml/2006/main">
+  <p:cSld>
+    <p:spTree>
+      <p:nvGrpSpPr>
+        <p:cNvPr id="1" name=""/>
+        <p:cNvGrpSpPr/>
+        <p:nvPr/>
+      </p:nvGrpSpPr>
+      <p:grpSpPr>
+        <a:xfrm>
+          <a:off x="0" y="0"/>
+          <a:ext cx="0" cy="0"/>
+          <a:chOff x="0" y="0"/>
+          <a:chExt cx="0" cy="0"/>
+        </a:xfrm>
+      </p:grpSpPr>
+      <p:sp>
+        <p:nvSpPr>
+          <p:cNvPr id="2" name="Title 1">
+            <a:extLst>
+              <a:ext uri="{FF2B5EF4-FFF2-40B4-BE49-F238E27FC236}">
                 <a16:creationId xmlns:a16="http://schemas.microsoft.com/office/drawing/2014/main" id="{E9ABDC0C-5C0A-4370-9CA4-C92A6B28FE5B}"/>
               </a:ext>
             </a:extLst>
@@ -9414,10 +15970,9 @@
           <a:p>
             <a:pPr lvl="1"/>
             <a:r>
-              <a:rPr lang="en-GB"/>
+              <a:rPr lang="en-GB" dirty="0"/>
               <a:t>Probably</a:t>
             </a:r>
-            <a:endParaRPr lang="en-GB" dirty="0"/>
           </a:p>
         </p:txBody>
       </p:sp>
@@ -9425,6 +15980,558 @@
     <p:extLst>
       <p:ext uri="{BB962C8B-B14F-4D97-AF65-F5344CB8AC3E}">
         <p14:creationId xmlns:p14="http://schemas.microsoft.com/office/powerpoint/2010/main" val="1894609778"/>
+      </p:ext>
+    </p:extLst>
+  </p:cSld>
+  <p:clrMapOvr>
+    <a:masterClrMapping/>
+  </p:clrMapOvr>
+</p:sld>
+</file>
+
+<file path=ppt/slides/slide8.xml><?xml version="1.0" encoding="utf-8"?>
+<p:sld xmlns:a="http://schemas.openxmlformats.org/drawingml/2006/main" xmlns:r="http://schemas.openxmlformats.org/officeDocument/2006/relationships" xmlns:p="http://schemas.openxmlformats.org/presentationml/2006/main">
+  <p:cSld>
+    <p:spTree>
+      <p:nvGrpSpPr>
+        <p:cNvPr id="1" name=""/>
+        <p:cNvGrpSpPr/>
+        <p:nvPr/>
+      </p:nvGrpSpPr>
+      <p:grpSpPr>
+        <a:xfrm>
+          <a:off x="0" y="0"/>
+          <a:ext cx="0" cy="0"/>
+          <a:chOff x="0" y="0"/>
+          <a:chExt cx="0" cy="0"/>
+        </a:xfrm>
+      </p:grpSpPr>
+      <p:sp>
+        <p:nvSpPr>
+          <p:cNvPr id="2" name="Title 1">
+            <a:extLst>
+              <a:ext uri="{FF2B5EF4-FFF2-40B4-BE49-F238E27FC236}">
+                <a16:creationId xmlns:a16="http://schemas.microsoft.com/office/drawing/2014/main" id="{86AE56AE-9E65-43FF-B563-A44DB787B981}"/>
+              </a:ext>
+            </a:extLst>
+          </p:cNvPr>
+          <p:cNvSpPr>
+            <a:spLocks noGrp="1"/>
+          </p:cNvSpPr>
+          <p:nvPr>
+            <p:ph type="title"/>
+          </p:nvPr>
+        </p:nvSpPr>
+        <p:spPr/>
+        <p:txBody>
+          <a:bodyPr>
+            <a:normAutofit fontScale="90000"/>
+          </a:bodyPr>
+          <a:lstStyle/>
+          <a:p>
+            <a:r>
+              <a:rPr lang="en-GB" dirty="0"/>
+              <a:t>What are the pros and cons of this quality process? </a:t>
+            </a:r>
+            <a:br>
+              <a:rPr lang="en-GB" dirty="0"/>
+            </a:br>
+            <a:endParaRPr lang="en-GB" dirty="0"/>
+          </a:p>
+        </p:txBody>
+      </p:sp>
+      <p:sp>
+        <p:nvSpPr>
+          <p:cNvPr id="3" name="Content Placeholder 2">
+            <a:extLst>
+              <a:ext uri="{FF2B5EF4-FFF2-40B4-BE49-F238E27FC236}">
+                <a16:creationId xmlns:a16="http://schemas.microsoft.com/office/drawing/2014/main" id="{FA8B6F54-F1E7-4984-9FE9-CD659D38DC60}"/>
+              </a:ext>
+            </a:extLst>
+          </p:cNvPr>
+          <p:cNvSpPr>
+            <a:spLocks noGrp="1"/>
+          </p:cNvSpPr>
+          <p:nvPr>
+            <p:ph idx="1"/>
+          </p:nvPr>
+        </p:nvSpPr>
+        <p:spPr>
+          <a:xfrm>
+            <a:off x="1251678" y="1802423"/>
+            <a:ext cx="4844322" cy="4673192"/>
+          </a:xfrm>
+        </p:spPr>
+        <p:txBody>
+          <a:bodyPr/>
+          <a:lstStyle/>
+          <a:p>
+            <a:r>
+              <a:rPr lang="en-GB" dirty="0"/>
+              <a:t>Pros</a:t>
+            </a:r>
+          </a:p>
+          <a:p>
+            <a:pPr lvl="1"/>
+            <a:r>
+              <a:rPr lang="en-GB" dirty="0"/>
+              <a:t>Quality control is customer Driven</a:t>
+            </a:r>
+          </a:p>
+          <a:p>
+            <a:pPr lvl="1"/>
+            <a:r>
+              <a:rPr lang="en-GB" dirty="0"/>
+              <a:t>Addresses the entire process behind the production at each stage (not just the final product)</a:t>
+            </a:r>
+          </a:p>
+          <a:p>
+            <a:pPr lvl="1"/>
+            <a:r>
+              <a:rPr lang="en-GB" dirty="0"/>
+              <a:t>Proactive as opposed to reactive; finding issues before they occur instead of waiting for them to crop up</a:t>
+            </a:r>
+          </a:p>
+          <a:p>
+            <a:pPr lvl="1"/>
+            <a:r>
+              <a:rPr lang="en-GB" dirty="0"/>
+              <a:t>Very good to have; looks good</a:t>
+            </a:r>
+          </a:p>
+          <a:p>
+            <a:pPr lvl="1"/>
+            <a:r>
+              <a:rPr lang="en-GB" dirty="0"/>
+              <a:t>Saves time (</a:t>
+            </a:r>
+            <a:r>
+              <a:rPr lang="en-GB" i="1" dirty="0"/>
+              <a:t>and</a:t>
+            </a:r>
+            <a:r>
+              <a:rPr lang="en-GB" dirty="0"/>
+              <a:t> money)</a:t>
+            </a:r>
+          </a:p>
+          <a:p>
+            <a:pPr lvl="1"/>
+            <a:r>
+              <a:rPr lang="en-GB" dirty="0"/>
+              <a:t>Data driven means issues can be viewed almost in real time</a:t>
+            </a:r>
+          </a:p>
+          <a:p>
+            <a:pPr lvl="1"/>
+            <a:r>
+              <a:rPr lang="en-GB" dirty="0"/>
+              <a:t>Skills are spread virally by dedicated teams</a:t>
+            </a:r>
+          </a:p>
+        </p:txBody>
+      </p:sp>
+      <p:sp>
+        <p:nvSpPr>
+          <p:cNvPr id="4" name="Content Placeholder 2">
+            <a:extLst>
+              <a:ext uri="{FF2B5EF4-FFF2-40B4-BE49-F238E27FC236}">
+                <a16:creationId xmlns:a16="http://schemas.microsoft.com/office/drawing/2014/main" id="{3215C3DB-3FF4-4E48-8921-B4079269360D}"/>
+              </a:ext>
+            </a:extLst>
+          </p:cNvPr>
+          <p:cNvSpPr txBox="1">
+            <a:spLocks/>
+          </p:cNvSpPr>
+          <p:nvPr/>
+        </p:nvSpPr>
+        <p:spPr>
+          <a:xfrm>
+            <a:off x="6340839" y="1874516"/>
+            <a:ext cx="4844322" cy="4601099"/>
+          </a:xfrm>
+          <a:prstGeom prst="rect">
+            <a:avLst/>
+          </a:prstGeom>
+        </p:spPr>
+        <p:txBody>
+          <a:bodyPr vert="horz" lIns="91440" tIns="45720" rIns="91440" bIns="45720" rtlCol="0">
+            <a:normAutofit/>
+          </a:bodyPr>
+          <a:lstStyle>
+            <a:lvl1pPr marL="228600" indent="-228600" algn="l" defTabSz="914400" rtl="0" eaLnBrk="1" latinLnBrk="0" hangingPunct="1">
+              <a:lnSpc>
+                <a:spcPct val="110000"/>
+              </a:lnSpc>
+              <a:spcBef>
+                <a:spcPts val="700"/>
+              </a:spcBef>
+              <a:buClr>
+                <a:schemeClr val="tx2"/>
+              </a:buClr>
+              <a:buFont typeface="Arial" panose="020B0604020202020204" pitchFamily="34" charset="0"/>
+              <a:buChar char="•"/>
+              <a:defRPr sz="2000" kern="1200">
+                <a:solidFill>
+                  <a:schemeClr val="tx1">
+                    <a:lumMod val="65000"/>
+                    <a:lumOff val="35000"/>
+                  </a:schemeClr>
+                </a:solidFill>
+                <a:latin typeface="+mn-lt"/>
+                <a:ea typeface="+mn-ea"/>
+                <a:cs typeface="+mn-cs"/>
+              </a:defRPr>
+            </a:lvl1pPr>
+            <a:lvl2pPr marL="685800" indent="-228600" algn="l" defTabSz="914400" rtl="0" eaLnBrk="1" latinLnBrk="0" hangingPunct="1">
+              <a:lnSpc>
+                <a:spcPct val="110000"/>
+              </a:lnSpc>
+              <a:spcBef>
+                <a:spcPts val="700"/>
+              </a:spcBef>
+              <a:buClr>
+                <a:schemeClr val="tx2"/>
+              </a:buClr>
+              <a:buFont typeface="Gill Sans MT" panose="020B0502020104020203" pitchFamily="34" charset="0"/>
+              <a:buChar char="–"/>
+              <a:defRPr sz="1800" kern="1200">
+                <a:solidFill>
+                  <a:schemeClr val="tx1">
+                    <a:lumMod val="65000"/>
+                    <a:lumOff val="35000"/>
+                  </a:schemeClr>
+                </a:solidFill>
+                <a:latin typeface="+mn-lt"/>
+                <a:ea typeface="+mn-ea"/>
+                <a:cs typeface="+mn-cs"/>
+              </a:defRPr>
+            </a:lvl2pPr>
+            <a:lvl3pPr marL="1143000" indent="-228600" algn="l" defTabSz="914400" rtl="0" eaLnBrk="1" latinLnBrk="0" hangingPunct="1">
+              <a:lnSpc>
+                <a:spcPct val="110000"/>
+              </a:lnSpc>
+              <a:spcBef>
+                <a:spcPts val="700"/>
+              </a:spcBef>
+              <a:buClr>
+                <a:schemeClr val="tx2"/>
+              </a:buClr>
+              <a:buFont typeface="Arial" panose="020B0604020202020204" pitchFamily="34" charset="0"/>
+              <a:buChar char="•"/>
+              <a:defRPr sz="1600" kern="1200">
+                <a:solidFill>
+                  <a:schemeClr val="tx1">
+                    <a:lumMod val="65000"/>
+                    <a:lumOff val="35000"/>
+                  </a:schemeClr>
+                </a:solidFill>
+                <a:latin typeface="+mn-lt"/>
+                <a:ea typeface="+mn-ea"/>
+                <a:cs typeface="+mn-cs"/>
+              </a:defRPr>
+            </a:lvl3pPr>
+            <a:lvl4pPr marL="1600200" indent="-228600" algn="l" defTabSz="914400" rtl="0" eaLnBrk="1" latinLnBrk="0" hangingPunct="1">
+              <a:lnSpc>
+                <a:spcPct val="110000"/>
+              </a:lnSpc>
+              <a:spcBef>
+                <a:spcPts val="700"/>
+              </a:spcBef>
+              <a:buClr>
+                <a:schemeClr val="tx2"/>
+              </a:buClr>
+              <a:buFont typeface="Gill Sans MT" panose="020B0502020104020203" pitchFamily="34" charset="0"/>
+              <a:buChar char="–"/>
+              <a:defRPr sz="1400" kern="1200">
+                <a:solidFill>
+                  <a:schemeClr val="tx1">
+                    <a:lumMod val="65000"/>
+                    <a:lumOff val="35000"/>
+                  </a:schemeClr>
+                </a:solidFill>
+                <a:latin typeface="+mn-lt"/>
+                <a:ea typeface="+mn-ea"/>
+                <a:cs typeface="+mn-cs"/>
+              </a:defRPr>
+            </a:lvl4pPr>
+            <a:lvl5pPr marL="2057400" indent="-228600" algn="l" defTabSz="914400" rtl="0" eaLnBrk="1" latinLnBrk="0" hangingPunct="1">
+              <a:lnSpc>
+                <a:spcPct val="110000"/>
+              </a:lnSpc>
+              <a:spcBef>
+                <a:spcPts val="700"/>
+              </a:spcBef>
+              <a:buClr>
+                <a:schemeClr val="tx2"/>
+              </a:buClr>
+              <a:buFont typeface="Arial" panose="020B0604020202020204" pitchFamily="34" charset="0"/>
+              <a:buChar char="•"/>
+              <a:defRPr sz="1400" kern="1200">
+                <a:solidFill>
+                  <a:schemeClr val="tx1">
+                    <a:lumMod val="65000"/>
+                    <a:lumOff val="35000"/>
+                  </a:schemeClr>
+                </a:solidFill>
+                <a:latin typeface="+mn-lt"/>
+                <a:ea typeface="+mn-ea"/>
+                <a:cs typeface="+mn-cs"/>
+              </a:defRPr>
+            </a:lvl5pPr>
+            <a:lvl6pPr marL="2514600" indent="-228600" algn="l" defTabSz="914400" rtl="0" eaLnBrk="1" latinLnBrk="0" hangingPunct="1">
+              <a:lnSpc>
+                <a:spcPct val="110000"/>
+              </a:lnSpc>
+              <a:spcBef>
+                <a:spcPts val="700"/>
+              </a:spcBef>
+              <a:buClr>
+                <a:schemeClr val="tx2"/>
+              </a:buClr>
+              <a:buFont typeface="Gill Sans MT" panose="020B0502020104020203" pitchFamily="34" charset="0"/>
+              <a:buChar char="–"/>
+              <a:defRPr sz="1400" kern="1200">
+                <a:solidFill>
+                  <a:schemeClr val="tx1">
+                    <a:lumMod val="65000"/>
+                    <a:lumOff val="35000"/>
+                  </a:schemeClr>
+                </a:solidFill>
+                <a:latin typeface="+mn-lt"/>
+                <a:ea typeface="+mn-ea"/>
+                <a:cs typeface="+mn-cs"/>
+              </a:defRPr>
+            </a:lvl6pPr>
+            <a:lvl7pPr marL="2971800" indent="-228600" algn="l" defTabSz="914400" rtl="0" eaLnBrk="1" latinLnBrk="0" hangingPunct="1">
+              <a:lnSpc>
+                <a:spcPct val="110000"/>
+              </a:lnSpc>
+              <a:spcBef>
+                <a:spcPts val="700"/>
+              </a:spcBef>
+              <a:buClr>
+                <a:schemeClr val="tx2"/>
+              </a:buClr>
+              <a:buFont typeface="Arial" panose="020B0604020202020204" pitchFamily="34" charset="0"/>
+              <a:buChar char="•"/>
+              <a:defRPr sz="1400" kern="1200">
+                <a:solidFill>
+                  <a:schemeClr val="tx1">
+                    <a:lumMod val="65000"/>
+                    <a:lumOff val="35000"/>
+                  </a:schemeClr>
+                </a:solidFill>
+                <a:latin typeface="+mn-lt"/>
+                <a:ea typeface="+mn-ea"/>
+                <a:cs typeface="+mn-cs"/>
+              </a:defRPr>
+            </a:lvl7pPr>
+            <a:lvl8pPr marL="3429000" indent="-228600" algn="l" defTabSz="914400" rtl="0" eaLnBrk="1" latinLnBrk="0" hangingPunct="1">
+              <a:lnSpc>
+                <a:spcPct val="110000"/>
+              </a:lnSpc>
+              <a:spcBef>
+                <a:spcPts val="700"/>
+              </a:spcBef>
+              <a:buClr>
+                <a:schemeClr val="tx2"/>
+              </a:buClr>
+              <a:buFont typeface="Gill Sans MT" panose="020B0502020104020203" pitchFamily="34" charset="0"/>
+              <a:buChar char="–"/>
+              <a:defRPr sz="1400" kern="1200" baseline="0">
+                <a:solidFill>
+                  <a:schemeClr val="tx1">
+                    <a:lumMod val="65000"/>
+                    <a:lumOff val="35000"/>
+                  </a:schemeClr>
+                </a:solidFill>
+                <a:latin typeface="+mn-lt"/>
+                <a:ea typeface="+mn-ea"/>
+                <a:cs typeface="+mn-cs"/>
+              </a:defRPr>
+            </a:lvl8pPr>
+            <a:lvl9pPr marL="3886200" indent="-228600" algn="l" defTabSz="914400" rtl="0" eaLnBrk="1" latinLnBrk="0" hangingPunct="1">
+              <a:lnSpc>
+                <a:spcPct val="110000"/>
+              </a:lnSpc>
+              <a:spcBef>
+                <a:spcPts val="700"/>
+              </a:spcBef>
+              <a:buClr>
+                <a:schemeClr val="tx2"/>
+              </a:buClr>
+              <a:buFont typeface="Arial" panose="020B0604020202020204" pitchFamily="34" charset="0"/>
+              <a:buChar char="•"/>
+              <a:defRPr sz="1400" kern="1200" baseline="0">
+                <a:solidFill>
+                  <a:schemeClr val="tx1">
+                    <a:lumMod val="65000"/>
+                    <a:lumOff val="35000"/>
+                  </a:schemeClr>
+                </a:solidFill>
+                <a:latin typeface="+mn-lt"/>
+                <a:ea typeface="+mn-ea"/>
+                <a:cs typeface="+mn-cs"/>
+              </a:defRPr>
+            </a:lvl9pPr>
+          </a:lstStyle>
+          <a:p>
+            <a:r>
+              <a:rPr lang="en-GB" dirty="0"/>
+              <a:t>Cons</a:t>
+            </a:r>
+          </a:p>
+          <a:p>
+            <a:pPr lvl="1"/>
+            <a:r>
+              <a:rPr lang="en-GB" dirty="0"/>
+              <a:t>Rigid and bureaucratic. Can stifle creativity and cause delays.</a:t>
+            </a:r>
+          </a:p>
+          <a:p>
+            <a:pPr lvl="1"/>
+            <a:r>
+              <a:rPr lang="en-GB" dirty="0"/>
+              <a:t>Customer driven system can go too far and internal QC that works are skipped just to satisfy Six Sigma.</a:t>
+            </a:r>
+          </a:p>
+          <a:p>
+            <a:pPr lvl="1"/>
+            <a:r>
+              <a:rPr lang="en-GB" dirty="0"/>
+              <a:t>Expensive to implement, expensive to train</a:t>
+            </a:r>
+          </a:p>
+          <a:p>
+            <a:pPr lvl="1"/>
+            <a:r>
+              <a:rPr lang="en-GB" dirty="0"/>
+              <a:t>Not very AGILE</a:t>
+            </a:r>
+          </a:p>
+          <a:p>
+            <a:pPr lvl="1"/>
+            <a:r>
+              <a:rPr lang="en-GB" dirty="0"/>
+              <a:t>Can result in increased expenditure generally</a:t>
+            </a:r>
+          </a:p>
+          <a:p>
+            <a:pPr lvl="1"/>
+            <a:r>
+              <a:rPr lang="en-GB" dirty="0"/>
+              <a:t>Can lead to greatly increased overhead</a:t>
+            </a:r>
+          </a:p>
+          <a:p>
+            <a:pPr lvl="1"/>
+            <a:r>
+              <a:rPr lang="en-GB" dirty="0"/>
+              <a:t>Relatively limited to safety critical systems</a:t>
+            </a:r>
+          </a:p>
+          <a:p>
+            <a:pPr lvl="1"/>
+            <a:endParaRPr lang="en-GB" dirty="0"/>
+          </a:p>
+        </p:txBody>
+      </p:sp>
+    </p:spTree>
+    <p:extLst>
+      <p:ext uri="{BB962C8B-B14F-4D97-AF65-F5344CB8AC3E}">
+        <p14:creationId xmlns:p14="http://schemas.microsoft.com/office/powerpoint/2010/main" val="3670612522"/>
+      </p:ext>
+    </p:extLst>
+  </p:cSld>
+  <p:clrMapOvr>
+    <a:masterClrMapping/>
+  </p:clrMapOvr>
+</p:sld>
+</file>
+
+<file path=ppt/slides/slide9.xml><?xml version="1.0" encoding="utf-8"?>
+<p:sld xmlns:a="http://schemas.openxmlformats.org/drawingml/2006/main" xmlns:r="http://schemas.openxmlformats.org/officeDocument/2006/relationships" xmlns:p="http://schemas.openxmlformats.org/presentationml/2006/main">
+  <p:cSld>
+    <p:spTree>
+      <p:nvGrpSpPr>
+        <p:cNvPr id="1" name=""/>
+        <p:cNvGrpSpPr/>
+        <p:nvPr/>
+      </p:nvGrpSpPr>
+      <p:grpSpPr>
+        <a:xfrm>
+          <a:off x="0" y="0"/>
+          <a:ext cx="0" cy="0"/>
+          <a:chOff x="0" y="0"/>
+          <a:chExt cx="0" cy="0"/>
+        </a:xfrm>
+      </p:grpSpPr>
+      <p:sp>
+        <p:nvSpPr>
+          <p:cNvPr id="2" name="Title 1">
+            <a:extLst>
+              <a:ext uri="{FF2B5EF4-FFF2-40B4-BE49-F238E27FC236}">
+                <a16:creationId xmlns:a16="http://schemas.microsoft.com/office/drawing/2014/main" id="{BE7E3276-2718-47D3-B3D1-589026F86C9A}"/>
+              </a:ext>
+            </a:extLst>
+          </p:cNvPr>
+          <p:cNvSpPr>
+            <a:spLocks noGrp="1"/>
+          </p:cNvSpPr>
+          <p:nvPr>
+            <p:ph type="title"/>
+          </p:nvPr>
+        </p:nvSpPr>
+        <p:spPr/>
+        <p:txBody>
+          <a:bodyPr>
+            <a:normAutofit fontScale="90000"/>
+          </a:bodyPr>
+          <a:lstStyle/>
+          <a:p>
+            <a:r>
+              <a:rPr lang="en-GB" dirty="0"/>
+              <a:t>Is it applicable to developing safety critical systems?</a:t>
+            </a:r>
+            <a:br>
+              <a:rPr lang="en-GB" dirty="0"/>
+            </a:br>
+            <a:endParaRPr lang="en-GB" dirty="0"/>
+          </a:p>
+        </p:txBody>
+      </p:sp>
+      <p:sp>
+        <p:nvSpPr>
+          <p:cNvPr id="3" name="Content Placeholder 2">
+            <a:extLst>
+              <a:ext uri="{FF2B5EF4-FFF2-40B4-BE49-F238E27FC236}">
+                <a16:creationId xmlns:a16="http://schemas.microsoft.com/office/drawing/2014/main" id="{18063288-85D0-4AF6-A08D-DBF39F97D123}"/>
+              </a:ext>
+            </a:extLst>
+          </p:cNvPr>
+          <p:cNvSpPr>
+            <a:spLocks noGrp="1"/>
+          </p:cNvSpPr>
+          <p:nvPr>
+            <p:ph idx="1"/>
+          </p:nvPr>
+        </p:nvSpPr>
+        <p:spPr/>
+        <p:txBody>
+          <a:bodyPr/>
+          <a:lstStyle/>
+          <a:p>
+            <a:r>
+              <a:rPr lang="en-GB" dirty="0"/>
+              <a:t>Yes</a:t>
+            </a:r>
+          </a:p>
+        </p:txBody>
+      </p:sp>
+    </p:spTree>
+    <p:extLst>
+      <p:ext uri="{BB962C8B-B14F-4D97-AF65-F5344CB8AC3E}">
+        <p14:creationId xmlns:p14="http://schemas.microsoft.com/office/powerpoint/2010/main" val="1188855982"/>
       </p:ext>
     </p:extLst>
   </p:cSld>

--- a/docs/HARRISONMARCKS14024424 - Six Sigma.pptx
+++ b/docs/HARRISONMARCKS14024424 - Six Sigma.pptx
@@ -119,6 +119,11 @@
       </a:defRPr>
     </a:lvl9pPr>
   </p:defaultTextStyle>
+  <p:extLst>
+    <p:ext uri="{EFAFB233-063F-42B5-8137-9DF3F51BA10A}">
+      <p15:sldGuideLst xmlns:p15="http://schemas.microsoft.com/office/powerpoint/2012/main"/>
+    </p:ext>
+  </p:extLst>
 </p:presentation>
 </file>
 
@@ -638,6 +643,58 @@
                 <a:cs typeface="+mn-cs"/>
               </a:rPr>
               <a:t> of a more expensive measure that helps to achieve Six Sigma, but adversely affects profitability.</a:t>
+            </a:r>
+          </a:p>
+          <a:p>
+            <a:r>
+              <a:rPr lang="en-GB" sz="1200" b="0" i="0" kern="1200" dirty="0">
+                <a:solidFill>
+                  <a:schemeClr val="tx1"/>
+                </a:solidFill>
+                <a:effectLst/>
+                <a:latin typeface="+mn-lt"/>
+                <a:ea typeface="+mn-ea"/>
+                <a:cs typeface="+mn-cs"/>
+              </a:rPr>
+              <a:t>customers deserve </a:t>
+            </a:r>
+            <a:r>
+              <a:rPr lang="en-GB" sz="1200" b="0" i="0" u="none" strike="noStrike" kern="1200" dirty="0">
+                <a:solidFill>
+                  <a:schemeClr val="tx1"/>
+                </a:solidFill>
+                <a:effectLst/>
+                <a:latin typeface="+mn-lt"/>
+                <a:ea typeface="+mn-ea"/>
+                <a:cs typeface="+mn-cs"/>
+                <a:hlinkClick r:id="rId3" tooltip="Zero Defects"/>
+              </a:rPr>
+              <a:t>defect-free products every time</a:t>
+            </a:r>
+            <a:r>
+              <a:rPr lang="en-GB" sz="1200" b="0" i="0" kern="1200" dirty="0">
+                <a:solidFill>
+                  <a:schemeClr val="tx1"/>
+                </a:solidFill>
+                <a:effectLst/>
+                <a:latin typeface="+mn-lt"/>
+                <a:ea typeface="+mn-ea"/>
+                <a:cs typeface="+mn-cs"/>
+              </a:rPr>
+              <a:t>. For example, under the Six Sigma standard, semiconductors which require the flawless etching of millions of tiny circuits onto a single chip are all defective, he claims.</a:t>
+            </a:r>
+            <a:r>
+              <a:rPr lang="en-GB" sz="1200" b="0" i="0" u="none" strike="noStrike" kern="1200" baseline="30000" dirty="0">
+                <a:solidFill>
+                  <a:schemeClr val="tx1"/>
+                </a:solidFill>
+                <a:effectLst/>
+                <a:latin typeface="+mn-lt"/>
+                <a:ea typeface="+mn-ea"/>
+                <a:cs typeface="+mn-cs"/>
+                <a:hlinkClick r:id="rId4"/>
+              </a:rPr>
+              <a:t>[30]</a:t>
             </a:r>
             <a:endParaRPr lang="en-GB" dirty="0"/>
           </a:p>
@@ -16155,7 +16212,7 @@
         </p:spPr>
         <p:txBody>
           <a:bodyPr vert="horz" lIns="91440" tIns="45720" rIns="91440" bIns="45720" rtlCol="0">
-            <a:normAutofit/>
+            <a:normAutofit fontScale="85000" lnSpcReduction="10000"/>
           </a:bodyPr>
           <a:lstStyle>
             <a:lvl1pPr marL="228600" indent="-228600" algn="l" defTabSz="914400" rtl="0" eaLnBrk="1" latinLnBrk="0" hangingPunct="1">
@@ -16428,6 +16485,34 @@
             <a:r>
               <a:rPr lang="en-GB" dirty="0"/>
               <a:t>Relatively limited to safety critical systems</a:t>
+            </a:r>
+          </a:p>
+          <a:p>
+            <a:pPr lvl="1"/>
+            <a:r>
+              <a:rPr lang="en-GB" dirty="0"/>
+              <a:t>Systematic academic documentation is poor</a:t>
+            </a:r>
+          </a:p>
+          <a:p>
+            <a:pPr lvl="1"/>
+            <a:r>
+              <a:rPr lang="en-GB" dirty="0"/>
+              <a:t>Is really limited to existing processes</a:t>
+            </a:r>
+          </a:p>
+          <a:p>
+            <a:pPr lvl="1"/>
+            <a:r>
+              <a:rPr lang="en-GB" dirty="0"/>
+              <a:t>Doesn’t go far enough for complex manufacturing</a:t>
+            </a:r>
+          </a:p>
+          <a:p>
+            <a:pPr lvl="1"/>
+            <a:r>
+              <a:rPr lang="en-GB" dirty="0"/>
+              <a:t>Is largely unoriginal</a:t>
             </a:r>
           </a:p>
           <a:p>
